--- a/Florida_Electric_Vehicles.pptx
+++ b/Florida_Electric_Vehicles.pptx
@@ -5,23 +5,31 @@
     <p:sldMasterId id="2147483700" r:id="rId1"/>
   </p:sldMasterIdLst>
   <p:notesMasterIdLst>
-    <p:notesMasterId r:id="rId13"/>
+    <p:notesMasterId r:id="rId21"/>
   </p:notesMasterIdLst>
   <p:handoutMasterIdLst>
-    <p:handoutMasterId r:id="rId14"/>
+    <p:handoutMasterId r:id="rId22"/>
   </p:handoutMasterIdLst>
   <p:sldIdLst>
     <p:sldId id="267" r:id="rId2"/>
     <p:sldId id="268" r:id="rId3"/>
-    <p:sldId id="269" r:id="rId4"/>
-    <p:sldId id="270" r:id="rId5"/>
-    <p:sldId id="271" r:id="rId6"/>
-    <p:sldId id="272" r:id="rId7"/>
-    <p:sldId id="273" r:id="rId8"/>
-    <p:sldId id="274" r:id="rId9"/>
-    <p:sldId id="275" r:id="rId10"/>
-    <p:sldId id="276" r:id="rId11"/>
-    <p:sldId id="277" r:id="rId12"/>
+    <p:sldId id="278" r:id="rId4"/>
+    <p:sldId id="279" r:id="rId5"/>
+    <p:sldId id="280" r:id="rId6"/>
+    <p:sldId id="269" r:id="rId7"/>
+    <p:sldId id="282" r:id="rId8"/>
+    <p:sldId id="283" r:id="rId9"/>
+    <p:sldId id="270" r:id="rId10"/>
+    <p:sldId id="271" r:id="rId11"/>
+    <p:sldId id="284" r:id="rId12"/>
+    <p:sldId id="273" r:id="rId13"/>
+    <p:sldId id="274" r:id="rId14"/>
+    <p:sldId id="275" r:id="rId15"/>
+    <p:sldId id="281" r:id="rId16"/>
+    <p:sldId id="285" r:id="rId17"/>
+    <p:sldId id="286" r:id="rId18"/>
+    <p:sldId id="276" r:id="rId19"/>
+    <p:sldId id="277" r:id="rId20"/>
   </p:sldIdLst>
   <p:sldSz cx="12192000" cy="6858000"/>
   <p:notesSz cx="6858000" cy="9144000"/>
@@ -10723,7 +10731,7 @@
       </p:grpSpPr>
       <p:sp>
         <p:nvSpPr>
-          <p:cNvPr id="8" name="Title 7"/>
+          <p:cNvPr id="2" name="Title 1"/>
           <p:cNvSpPr>
             <a:spLocks noGrp="1"/>
           </p:cNvSpPr>
@@ -10738,19 +10746,19 @@
           <a:p>
             <a:r>
               <a:rPr lang="en-US" dirty="0"/>
-              <a:t>Add a Slide Title - 4</a:t>
+              <a:t>Two content layout with SmartArt</a:t>
             </a:r>
           </a:p>
         </p:txBody>
       </p:sp>
       <p:sp>
         <p:nvSpPr>
-          <p:cNvPr id="9" name="Content Placeholder 8"/>
+          <p:cNvPr id="3" name="Content Placeholder 2"/>
           <p:cNvSpPr>
             <a:spLocks noGrp="1"/>
           </p:cNvSpPr>
           <p:nvPr>
-            <p:ph idx="1"/>
+            <p:ph sz="half" idx="1"/>
           </p:nvPr>
         </p:nvSpPr>
         <p:spPr/>
@@ -10758,33 +10766,54 @@
           <a:bodyPr/>
           <a:lstStyle/>
           <a:p>
-            <a:endParaRPr lang="en-US" dirty="0"/>
-          </a:p>
-        </p:txBody>
-      </p:sp>
-      <p:sp>
-        <p:nvSpPr>
-          <p:cNvPr id="10" name="Text Placeholder 9"/>
-          <p:cNvSpPr>
-            <a:spLocks noGrp="1"/>
-          </p:cNvSpPr>
-          <p:nvPr>
-            <p:ph type="body" sz="half" idx="2"/>
-          </p:nvPr>
-        </p:nvSpPr>
-        <p:spPr/>
-        <p:txBody>
-          <a:bodyPr/>
-          <a:lstStyle/>
-          <a:p>
-            <a:endParaRPr lang="en-US" dirty="0"/>
-          </a:p>
-        </p:txBody>
-      </p:sp>
+            <a:r>
+              <a:rPr lang="en-US" dirty="0"/>
+              <a:t>First bullet point here</a:t>
+            </a:r>
+          </a:p>
+          <a:p>
+            <a:r>
+              <a:rPr lang="en-US" dirty="0"/>
+              <a:t>Second bullet point here</a:t>
+            </a:r>
+          </a:p>
+          <a:p>
+            <a:r>
+              <a:rPr lang="en-US" dirty="0"/>
+              <a:t>Third bullet point here</a:t>
+            </a:r>
+          </a:p>
+        </p:txBody>
+      </p:sp>
+      <p:graphicFrame>
+        <p:nvGraphicFramePr>
+          <p:cNvPr id="5" name="Content Placeholder 4" descr="Converging radial diagram showing relationship of 3 steps pointing towards a central goal"/>
+          <p:cNvGraphicFramePr>
+            <a:graphicFrameLocks noGrp="1"/>
+          </p:cNvGraphicFramePr>
+          <p:nvPr>
+            <p:ph sz="half" idx="2"/>
+            <p:extLst>
+              <p:ext uri="{D42A27DB-BD31-4B8C-83A1-F6EECF244321}">
+                <p14:modId xmlns:p14="http://schemas.microsoft.com/office/powerpoint/2010/main" val="1704932073"/>
+              </p:ext>
+            </p:extLst>
+          </p:nvPr>
+        </p:nvGraphicFramePr>
+        <p:xfrm>
+          <a:off x="5089525" y="2160588"/>
+          <a:ext cx="4184650" cy="3881437"/>
+        </p:xfrm>
+        <a:graphic>
+          <a:graphicData uri="http://schemas.openxmlformats.org/drawingml/2006/diagram">
+            <dgm:relIds xmlns:dgm="http://schemas.openxmlformats.org/drawingml/2006/diagram" xmlns:r="http://schemas.openxmlformats.org/officeDocument/2006/relationships" r:dm="rId2" r:lo="rId3" r:qs="rId4" r:cs="rId5"/>
+          </a:graphicData>
+        </a:graphic>
+      </p:graphicFrame>
     </p:spTree>
     <p:extLst>
       <p:ext uri="{BB962C8B-B14F-4D97-AF65-F5344CB8AC3E}">
-        <p14:creationId xmlns:p14="http://schemas.microsoft.com/office/powerpoint/2010/main" val="1669418864"/>
+        <p14:creationId xmlns:p14="http://schemas.microsoft.com/office/powerpoint/2010/main" val="249977872"/>
       </p:ext>
     </p:extLst>
   </p:cSld>
@@ -10823,6 +10852,838 @@
           <a:chExt cx="0" cy="0"/>
         </a:xfrm>
       </p:grpSpPr>
+      <p:pic>
+        <p:nvPicPr>
+          <p:cNvPr id="5" name="Picture 4">
+            <a:extLst>
+              <a:ext uri="{FF2B5EF4-FFF2-40B4-BE49-F238E27FC236}">
+                <a16:creationId xmlns:a16="http://schemas.microsoft.com/office/drawing/2014/main" id="{B868BCB0-39DE-40C3-A4EE-B2AD6E225E2E}"/>
+              </a:ext>
+            </a:extLst>
+          </p:cNvPr>
+          <p:cNvPicPr>
+            <a:picLocks noChangeAspect="1"/>
+          </p:cNvPicPr>
+          <p:nvPr/>
+        </p:nvPicPr>
+        <p:blipFill rotWithShape="1">
+          <a:blip r:embed="rId2"/>
+          <a:srcRect b="6316"/>
+          <a:stretch/>
+        </p:blipFill>
+        <p:spPr>
+          <a:xfrm>
+            <a:off x="0" y="0"/>
+            <a:ext cx="12192000" cy="6857999"/>
+          </a:xfrm>
+          <a:prstGeom prst="rect">
+            <a:avLst/>
+          </a:prstGeom>
+        </p:spPr>
+      </p:pic>
+      <p:sp>
+        <p:nvSpPr>
+          <p:cNvPr id="2" name="Title 1">
+            <a:extLst>
+              <a:ext uri="{FF2B5EF4-FFF2-40B4-BE49-F238E27FC236}">
+                <a16:creationId xmlns:a16="http://schemas.microsoft.com/office/drawing/2014/main" id="{E692F99F-6503-405D-83EC-27DF8276EE28}"/>
+              </a:ext>
+            </a:extLst>
+          </p:cNvPr>
+          <p:cNvSpPr>
+            <a:spLocks noGrp="1"/>
+          </p:cNvSpPr>
+          <p:nvPr>
+            <p:ph type="title"/>
+          </p:nvPr>
+        </p:nvSpPr>
+        <p:spPr>
+          <a:xfrm>
+            <a:off x="3028950" y="1196182"/>
+            <a:ext cx="6134100" cy="1499393"/>
+          </a:xfrm>
+        </p:spPr>
+        <p:txBody>
+          <a:bodyPr>
+            <a:normAutofit/>
+          </a:bodyPr>
+          <a:lstStyle/>
+          <a:p>
+            <a:pPr algn="ctr"/>
+            <a:r>
+              <a:rPr lang="en-US" sz="4400" b="1" dirty="0"/>
+              <a:t>EV Cars </a:t>
+            </a:r>
+            <a:br>
+              <a:rPr lang="en-US" sz="4400" b="1" dirty="0"/>
+            </a:br>
+            <a:r>
+              <a:rPr lang="en-US" sz="4400" b="1" dirty="0"/>
+              <a:t>Environmental Impact</a:t>
+            </a:r>
+          </a:p>
+        </p:txBody>
+      </p:sp>
+    </p:spTree>
+    <p:extLst>
+      <p:ext uri="{BB962C8B-B14F-4D97-AF65-F5344CB8AC3E}">
+        <p14:creationId xmlns:p14="http://schemas.microsoft.com/office/powerpoint/2010/main" val="2765011733"/>
+      </p:ext>
+    </p:extLst>
+  </p:cSld>
+  <p:clrMapOvr>
+    <a:masterClrMapping/>
+  </p:clrMapOvr>
+  <mc:AlternateContent xmlns:mc="http://schemas.openxmlformats.org/markup-compatibility/2006" xmlns:p14="http://schemas.microsoft.com/office/powerpoint/2010/main">
+    <mc:Choice Requires="p14">
+      <p:transition spd="med" p14:dur="700">
+        <p:fade/>
+      </p:transition>
+    </mc:Choice>
+    <mc:Fallback xmlns="">
+      <p:transition spd="med">
+        <p:fade/>
+      </p:transition>
+    </mc:Fallback>
+  </mc:AlternateContent>
+</p:sld>
+</file>
+
+<file path=ppt/slides/slide12.xml><?xml version="1.0" encoding="utf-8"?>
+<p:sld xmlns:a="http://schemas.openxmlformats.org/drawingml/2006/main" xmlns:r="http://schemas.openxmlformats.org/officeDocument/2006/relationships" xmlns:p="http://schemas.openxmlformats.org/presentationml/2006/main">
+  <p:cSld>
+    <p:spTree>
+      <p:nvGrpSpPr>
+        <p:cNvPr id="1" name=""/>
+        <p:cNvGrpSpPr/>
+        <p:nvPr/>
+      </p:nvGrpSpPr>
+      <p:grpSpPr>
+        <a:xfrm>
+          <a:off x="0" y="0"/>
+          <a:ext cx="0" cy="0"/>
+          <a:chOff x="0" y="0"/>
+          <a:chExt cx="0" cy="0"/>
+        </a:xfrm>
+      </p:grpSpPr>
+      <p:sp>
+        <p:nvSpPr>
+          <p:cNvPr id="12" name="Title 11"/>
+          <p:cNvSpPr>
+            <a:spLocks noGrp="1"/>
+          </p:cNvSpPr>
+          <p:nvPr>
+            <p:ph type="title"/>
+          </p:nvPr>
+        </p:nvSpPr>
+        <p:spPr/>
+        <p:txBody>
+          <a:bodyPr/>
+          <a:lstStyle/>
+          <a:p>
+            <a:r>
+              <a:rPr lang="en-US" dirty="0"/>
+              <a:t>Add a Slide Title - 2</a:t>
+            </a:r>
+          </a:p>
+        </p:txBody>
+      </p:sp>
+      <p:sp>
+        <p:nvSpPr>
+          <p:cNvPr id="13" name="Text Placeholder 12"/>
+          <p:cNvSpPr>
+            <a:spLocks noGrp="1"/>
+          </p:cNvSpPr>
+          <p:nvPr>
+            <p:ph type="body" idx="1"/>
+          </p:nvPr>
+        </p:nvSpPr>
+        <p:spPr/>
+        <p:txBody>
+          <a:bodyPr/>
+          <a:lstStyle/>
+          <a:p>
+            <a:endParaRPr lang="en-US" dirty="0"/>
+          </a:p>
+        </p:txBody>
+      </p:sp>
+      <p:sp>
+        <p:nvSpPr>
+          <p:cNvPr id="14" name="Content Placeholder 13"/>
+          <p:cNvSpPr>
+            <a:spLocks noGrp="1"/>
+          </p:cNvSpPr>
+          <p:nvPr>
+            <p:ph sz="half" idx="2"/>
+          </p:nvPr>
+        </p:nvSpPr>
+        <p:spPr/>
+        <p:txBody>
+          <a:bodyPr/>
+          <a:lstStyle/>
+          <a:p>
+            <a:endParaRPr lang="en-US" dirty="0"/>
+          </a:p>
+        </p:txBody>
+      </p:sp>
+      <p:sp>
+        <p:nvSpPr>
+          <p:cNvPr id="15" name="Text Placeholder 14"/>
+          <p:cNvSpPr>
+            <a:spLocks noGrp="1"/>
+          </p:cNvSpPr>
+          <p:nvPr>
+            <p:ph type="body" sz="quarter" idx="3"/>
+          </p:nvPr>
+        </p:nvSpPr>
+        <p:spPr/>
+        <p:txBody>
+          <a:bodyPr/>
+          <a:lstStyle/>
+          <a:p>
+            <a:endParaRPr lang="en-US" dirty="0"/>
+          </a:p>
+        </p:txBody>
+      </p:sp>
+      <p:sp>
+        <p:nvSpPr>
+          <p:cNvPr id="16" name="Content Placeholder 15"/>
+          <p:cNvSpPr>
+            <a:spLocks noGrp="1"/>
+          </p:cNvSpPr>
+          <p:nvPr>
+            <p:ph sz="quarter" idx="4"/>
+          </p:nvPr>
+        </p:nvSpPr>
+        <p:spPr/>
+        <p:txBody>
+          <a:bodyPr/>
+          <a:lstStyle/>
+          <a:p>
+            <a:endParaRPr lang="en-US" dirty="0"/>
+          </a:p>
+        </p:txBody>
+      </p:sp>
+    </p:spTree>
+    <p:extLst>
+      <p:ext uri="{BB962C8B-B14F-4D97-AF65-F5344CB8AC3E}">
+        <p14:creationId xmlns:p14="http://schemas.microsoft.com/office/powerpoint/2010/main" val="1428607047"/>
+      </p:ext>
+    </p:extLst>
+  </p:cSld>
+  <p:clrMapOvr>
+    <a:masterClrMapping/>
+  </p:clrMapOvr>
+  <mc:AlternateContent xmlns:mc="http://schemas.openxmlformats.org/markup-compatibility/2006" xmlns:p14="http://schemas.microsoft.com/office/powerpoint/2010/main">
+    <mc:Choice Requires="p14">
+      <p:transition spd="med" p14:dur="700">
+        <p:fade/>
+      </p:transition>
+    </mc:Choice>
+    <mc:Fallback xmlns="">
+      <p:transition spd="med">
+        <p:fade/>
+      </p:transition>
+    </mc:Fallback>
+  </mc:AlternateContent>
+</p:sld>
+</file>
+
+<file path=ppt/slides/slide13.xml><?xml version="1.0" encoding="utf-8"?>
+<p:sld xmlns:a="http://schemas.openxmlformats.org/drawingml/2006/main" xmlns:r="http://schemas.openxmlformats.org/officeDocument/2006/relationships" xmlns:p="http://schemas.openxmlformats.org/presentationml/2006/main">
+  <p:cSld>
+    <p:spTree>
+      <p:nvGrpSpPr>
+        <p:cNvPr id="1" name=""/>
+        <p:cNvGrpSpPr/>
+        <p:nvPr/>
+      </p:nvGrpSpPr>
+      <p:grpSpPr>
+        <a:xfrm>
+          <a:off x="0" y="0"/>
+          <a:ext cx="0" cy="0"/>
+          <a:chOff x="0" y="0"/>
+          <a:chExt cx="0" cy="0"/>
+        </a:xfrm>
+      </p:grpSpPr>
+      <p:sp>
+        <p:nvSpPr>
+          <p:cNvPr id="4" name="Title 3"/>
+          <p:cNvSpPr>
+            <a:spLocks noGrp="1"/>
+          </p:cNvSpPr>
+          <p:nvPr>
+            <p:ph type="title"/>
+          </p:nvPr>
+        </p:nvSpPr>
+        <p:spPr/>
+        <p:txBody>
+          <a:bodyPr/>
+          <a:lstStyle/>
+          <a:p>
+            <a:r>
+              <a:rPr lang="en-US" dirty="0"/>
+              <a:t>Add a Slide Title - 3</a:t>
+            </a:r>
+          </a:p>
+        </p:txBody>
+      </p:sp>
+    </p:spTree>
+    <p:extLst>
+      <p:ext uri="{BB962C8B-B14F-4D97-AF65-F5344CB8AC3E}">
+        <p14:creationId xmlns:p14="http://schemas.microsoft.com/office/powerpoint/2010/main" val="3757355931"/>
+      </p:ext>
+    </p:extLst>
+  </p:cSld>
+  <p:clrMapOvr>
+    <a:masterClrMapping/>
+  </p:clrMapOvr>
+  <mc:AlternateContent xmlns:mc="http://schemas.openxmlformats.org/markup-compatibility/2006" xmlns:p14="http://schemas.microsoft.com/office/powerpoint/2010/main">
+    <mc:Choice Requires="p14">
+      <p:transition spd="med" p14:dur="700">
+        <p:fade/>
+      </p:transition>
+    </mc:Choice>
+    <mc:Fallback xmlns="">
+      <p:transition spd="med">
+        <p:fade/>
+      </p:transition>
+    </mc:Fallback>
+  </mc:AlternateContent>
+</p:sld>
+</file>
+
+<file path=ppt/slides/slide14.xml><?xml version="1.0" encoding="utf-8"?>
+<p:sld xmlns:a="http://schemas.openxmlformats.org/drawingml/2006/main" xmlns:r="http://schemas.openxmlformats.org/officeDocument/2006/relationships" xmlns:p="http://schemas.openxmlformats.org/presentationml/2006/main">
+  <p:cSld>
+    <p:spTree>
+      <p:nvGrpSpPr>
+        <p:cNvPr id="1" name=""/>
+        <p:cNvGrpSpPr/>
+        <p:nvPr/>
+      </p:nvGrpSpPr>
+      <p:grpSpPr>
+        <a:xfrm>
+          <a:off x="0" y="0"/>
+          <a:ext cx="0" cy="0"/>
+          <a:chOff x="0" y="0"/>
+          <a:chExt cx="0" cy="0"/>
+        </a:xfrm>
+      </p:grpSpPr>
+      <p:sp>
+        <p:nvSpPr>
+          <p:cNvPr id="3" name="Title 1">
+            <a:extLst>
+              <a:ext uri="{FF2B5EF4-FFF2-40B4-BE49-F238E27FC236}">
+                <a16:creationId xmlns:a16="http://schemas.microsoft.com/office/drawing/2014/main" id="{D999B5B6-13F8-4590-846A-34F73B063C5D}"/>
+              </a:ext>
+            </a:extLst>
+          </p:cNvPr>
+          <p:cNvSpPr txBox="1">
+            <a:spLocks/>
+          </p:cNvSpPr>
+          <p:nvPr/>
+        </p:nvSpPr>
+        <p:spPr>
+          <a:xfrm>
+            <a:off x="1076325" y="577057"/>
+            <a:ext cx="8067675" cy="1499393"/>
+          </a:xfrm>
+          <a:prstGeom prst="rect">
+            <a:avLst/>
+          </a:prstGeom>
+        </p:spPr>
+        <p:txBody>
+          <a:bodyPr>
+            <a:normAutofit/>
+          </a:bodyPr>
+          <a:lstStyle>
+            <a:lvl1pPr algn="l" defTabSz="457200" rtl="0" eaLnBrk="1" latinLnBrk="0" hangingPunct="1">
+              <a:spcBef>
+                <a:spcPct val="0"/>
+              </a:spcBef>
+              <a:buNone/>
+              <a:defRPr sz="3600" kern="1200">
+                <a:solidFill>
+                  <a:schemeClr val="accent1"/>
+                </a:solidFill>
+                <a:latin typeface="+mj-lt"/>
+                <a:ea typeface="+mj-ea"/>
+                <a:cs typeface="+mj-cs"/>
+              </a:defRPr>
+            </a:lvl1pPr>
+            <a:lvl2pPr eaLnBrk="1" hangingPunct="1">
+              <a:defRPr>
+                <a:solidFill>
+                  <a:schemeClr val="tx2"/>
+                </a:solidFill>
+              </a:defRPr>
+            </a:lvl2pPr>
+            <a:lvl3pPr eaLnBrk="1" hangingPunct="1">
+              <a:defRPr>
+                <a:solidFill>
+                  <a:schemeClr val="tx2"/>
+                </a:solidFill>
+              </a:defRPr>
+            </a:lvl3pPr>
+            <a:lvl4pPr eaLnBrk="1" hangingPunct="1">
+              <a:defRPr>
+                <a:solidFill>
+                  <a:schemeClr val="tx2"/>
+                </a:solidFill>
+              </a:defRPr>
+            </a:lvl4pPr>
+            <a:lvl5pPr eaLnBrk="1" hangingPunct="1">
+              <a:defRPr>
+                <a:solidFill>
+                  <a:schemeClr val="tx2"/>
+                </a:solidFill>
+              </a:defRPr>
+            </a:lvl5pPr>
+            <a:lvl6pPr eaLnBrk="1" hangingPunct="1">
+              <a:defRPr>
+                <a:solidFill>
+                  <a:schemeClr val="tx2"/>
+                </a:solidFill>
+              </a:defRPr>
+            </a:lvl6pPr>
+            <a:lvl7pPr eaLnBrk="1" hangingPunct="1">
+              <a:defRPr>
+                <a:solidFill>
+                  <a:schemeClr val="tx2"/>
+                </a:solidFill>
+              </a:defRPr>
+            </a:lvl7pPr>
+            <a:lvl8pPr eaLnBrk="1" hangingPunct="1">
+              <a:defRPr>
+                <a:solidFill>
+                  <a:schemeClr val="tx2"/>
+                </a:solidFill>
+              </a:defRPr>
+            </a:lvl8pPr>
+            <a:lvl9pPr eaLnBrk="1" hangingPunct="1">
+              <a:defRPr>
+                <a:solidFill>
+                  <a:schemeClr val="tx2"/>
+                </a:solidFill>
+              </a:defRPr>
+            </a:lvl9pPr>
+          </a:lstStyle>
+          <a:p>
+            <a:pPr algn="ctr"/>
+            <a:r>
+              <a:rPr lang="en-US" sz="4400" b="1" dirty="0"/>
+              <a:t>EV Cars </a:t>
+            </a:r>
+            <a:br>
+              <a:rPr lang="en-US" sz="4400" b="1" dirty="0"/>
+            </a:br>
+            <a:r>
+              <a:rPr lang="en-US" sz="4400" b="1" dirty="0"/>
+              <a:t>Charging Stations in Florida</a:t>
+            </a:r>
+          </a:p>
+        </p:txBody>
+      </p:sp>
+      <p:pic>
+        <p:nvPicPr>
+          <p:cNvPr id="5" name="Picture 4">
+            <a:extLst>
+              <a:ext uri="{FF2B5EF4-FFF2-40B4-BE49-F238E27FC236}">
+                <a16:creationId xmlns:a16="http://schemas.microsoft.com/office/drawing/2014/main" id="{1667C89B-A909-479C-A5EE-57AA56DBD34A}"/>
+              </a:ext>
+            </a:extLst>
+          </p:cNvPr>
+          <p:cNvPicPr>
+            <a:picLocks noChangeAspect="1"/>
+          </p:cNvPicPr>
+          <p:nvPr/>
+        </p:nvPicPr>
+        <p:blipFill>
+          <a:blip r:embed="rId2"/>
+          <a:stretch>
+            <a:fillRect/>
+          </a:stretch>
+        </p:blipFill>
+        <p:spPr>
+          <a:xfrm>
+            <a:off x="1647824" y="2704305"/>
+            <a:ext cx="7153275" cy="3576638"/>
+          </a:xfrm>
+          <a:prstGeom prst="rect">
+            <a:avLst/>
+          </a:prstGeom>
+        </p:spPr>
+      </p:pic>
+    </p:spTree>
+    <p:extLst>
+      <p:ext uri="{BB962C8B-B14F-4D97-AF65-F5344CB8AC3E}">
+        <p14:creationId xmlns:p14="http://schemas.microsoft.com/office/powerpoint/2010/main" val="726169185"/>
+      </p:ext>
+    </p:extLst>
+  </p:cSld>
+  <p:clrMapOvr>
+    <a:masterClrMapping/>
+  </p:clrMapOvr>
+  <mc:AlternateContent xmlns:mc="http://schemas.openxmlformats.org/markup-compatibility/2006" xmlns:p14="http://schemas.microsoft.com/office/powerpoint/2010/main">
+    <mc:Choice Requires="p14">
+      <p:transition spd="med" p14:dur="700">
+        <p:fade/>
+      </p:transition>
+    </mc:Choice>
+    <mc:Fallback xmlns="">
+      <p:transition spd="med">
+        <p:fade/>
+      </p:transition>
+    </mc:Fallback>
+  </mc:AlternateContent>
+</p:sld>
+</file>
+
+<file path=ppt/slides/slide15.xml><?xml version="1.0" encoding="utf-8"?>
+<p:sld xmlns:a="http://schemas.openxmlformats.org/drawingml/2006/main" xmlns:r="http://schemas.openxmlformats.org/officeDocument/2006/relationships" xmlns:p="http://schemas.openxmlformats.org/presentationml/2006/main">
+  <p:cSld>
+    <p:spTree>
+      <p:nvGrpSpPr>
+        <p:cNvPr id="1" name=""/>
+        <p:cNvGrpSpPr/>
+        <p:nvPr/>
+      </p:nvGrpSpPr>
+      <p:grpSpPr>
+        <a:xfrm>
+          <a:off x="0" y="0"/>
+          <a:ext cx="0" cy="0"/>
+          <a:chOff x="0" y="0"/>
+          <a:chExt cx="0" cy="0"/>
+        </a:xfrm>
+      </p:grpSpPr>
+      <p:pic>
+        <p:nvPicPr>
+          <p:cNvPr id="5" name="Picture 4">
+            <a:extLst>
+              <a:ext uri="{FF2B5EF4-FFF2-40B4-BE49-F238E27FC236}">
+                <a16:creationId xmlns:a16="http://schemas.microsoft.com/office/drawing/2014/main" id="{25B852C5-7C6D-4C26-9141-99C6F5F4D0E3}"/>
+              </a:ext>
+            </a:extLst>
+          </p:cNvPr>
+          <p:cNvPicPr>
+            <a:picLocks noChangeAspect="1"/>
+          </p:cNvPicPr>
+          <p:nvPr/>
+        </p:nvPicPr>
+        <p:blipFill>
+          <a:blip r:embed="rId2"/>
+          <a:stretch>
+            <a:fillRect/>
+          </a:stretch>
+        </p:blipFill>
+        <p:spPr>
+          <a:xfrm>
+            <a:off x="0" y="8841"/>
+            <a:ext cx="8991600" cy="6906309"/>
+          </a:xfrm>
+          <a:prstGeom prst="rect">
+            <a:avLst/>
+          </a:prstGeom>
+        </p:spPr>
+      </p:pic>
+      <p:sp>
+        <p:nvSpPr>
+          <p:cNvPr id="3" name="TextBox 2">
+            <a:extLst>
+              <a:ext uri="{FF2B5EF4-FFF2-40B4-BE49-F238E27FC236}">
+                <a16:creationId xmlns:a16="http://schemas.microsoft.com/office/drawing/2014/main" id="{BC2503CD-2066-411E-A235-F060EE4221F6}"/>
+              </a:ext>
+            </a:extLst>
+          </p:cNvPr>
+          <p:cNvSpPr txBox="1"/>
+          <p:nvPr/>
+        </p:nvSpPr>
+        <p:spPr>
+          <a:xfrm>
+            <a:off x="2519362" y="1134159"/>
+            <a:ext cx="4757737" cy="1569660"/>
+          </a:xfrm>
+          <a:prstGeom prst="rect">
+            <a:avLst/>
+          </a:prstGeom>
+          <a:noFill/>
+        </p:spPr>
+        <p:txBody>
+          <a:bodyPr wrap="square">
+            <a:spAutoFit/>
+          </a:bodyPr>
+          <a:lstStyle/>
+          <a:p>
+            <a:pPr algn="ctr"/>
+            <a:r>
+              <a:rPr lang="en-US" sz="4800" b="1" dirty="0">
+                <a:solidFill>
+                  <a:schemeClr val="accent2">
+                    <a:lumMod val="60000"/>
+                    <a:lumOff val="40000"/>
+                  </a:schemeClr>
+                </a:solidFill>
+              </a:rPr>
+              <a:t>Florida EV Cars Website</a:t>
+            </a:r>
+            <a:endParaRPr lang="en-US" sz="4800" dirty="0">
+              <a:solidFill>
+                <a:schemeClr val="accent2">
+                  <a:lumMod val="60000"/>
+                  <a:lumOff val="40000"/>
+                </a:schemeClr>
+              </a:solidFill>
+            </a:endParaRPr>
+          </a:p>
+        </p:txBody>
+      </p:sp>
+    </p:spTree>
+    <p:extLst>
+      <p:ext uri="{BB962C8B-B14F-4D97-AF65-F5344CB8AC3E}">
+        <p14:creationId xmlns:p14="http://schemas.microsoft.com/office/powerpoint/2010/main" val="1464733085"/>
+      </p:ext>
+    </p:extLst>
+  </p:cSld>
+  <p:clrMapOvr>
+    <a:masterClrMapping/>
+  </p:clrMapOvr>
+  <mc:AlternateContent xmlns:mc="http://schemas.openxmlformats.org/markup-compatibility/2006" xmlns:p14="http://schemas.microsoft.com/office/powerpoint/2010/main">
+    <mc:Choice Requires="p14">
+      <p:transition spd="med" p14:dur="700">
+        <p:fade/>
+      </p:transition>
+    </mc:Choice>
+    <mc:Fallback xmlns="">
+      <p:transition spd="med">
+        <p:fade/>
+      </p:transition>
+    </mc:Fallback>
+  </mc:AlternateContent>
+</p:sld>
+</file>
+
+<file path=ppt/slides/slide16.xml><?xml version="1.0" encoding="utf-8"?>
+<p:sld xmlns:a="http://schemas.openxmlformats.org/drawingml/2006/main" xmlns:r="http://schemas.openxmlformats.org/officeDocument/2006/relationships" xmlns:p="http://schemas.openxmlformats.org/presentationml/2006/main">
+  <p:cSld>
+    <p:spTree>
+      <p:nvGrpSpPr>
+        <p:cNvPr id="1" name=""/>
+        <p:cNvGrpSpPr/>
+        <p:nvPr/>
+      </p:nvGrpSpPr>
+      <p:grpSpPr>
+        <a:xfrm>
+          <a:off x="0" y="0"/>
+          <a:ext cx="0" cy="0"/>
+          <a:chOff x="0" y="0"/>
+          <a:chExt cx="0" cy="0"/>
+        </a:xfrm>
+      </p:grpSpPr>
+    </p:spTree>
+    <p:extLst>
+      <p:ext uri="{BB962C8B-B14F-4D97-AF65-F5344CB8AC3E}">
+        <p14:creationId xmlns:p14="http://schemas.microsoft.com/office/powerpoint/2010/main" val="978754131"/>
+      </p:ext>
+    </p:extLst>
+  </p:cSld>
+  <p:clrMapOvr>
+    <a:masterClrMapping/>
+  </p:clrMapOvr>
+  <mc:AlternateContent xmlns:mc="http://schemas.openxmlformats.org/markup-compatibility/2006" xmlns:p14="http://schemas.microsoft.com/office/powerpoint/2010/main">
+    <mc:Choice Requires="p14">
+      <p:transition spd="med" p14:dur="700">
+        <p:fade/>
+      </p:transition>
+    </mc:Choice>
+    <mc:Fallback xmlns="">
+      <p:transition spd="med">
+        <p:fade/>
+      </p:transition>
+    </mc:Fallback>
+  </mc:AlternateContent>
+</p:sld>
+</file>
+
+<file path=ppt/slides/slide17.xml><?xml version="1.0" encoding="utf-8"?>
+<p:sld xmlns:a="http://schemas.openxmlformats.org/drawingml/2006/main" xmlns:r="http://schemas.openxmlformats.org/officeDocument/2006/relationships" xmlns:p="http://schemas.openxmlformats.org/presentationml/2006/main">
+  <p:cSld>
+    <p:spTree>
+      <p:nvGrpSpPr>
+        <p:cNvPr id="1" name=""/>
+        <p:cNvGrpSpPr/>
+        <p:nvPr/>
+      </p:nvGrpSpPr>
+      <p:grpSpPr>
+        <a:xfrm>
+          <a:off x="0" y="0"/>
+          <a:ext cx="0" cy="0"/>
+          <a:chOff x="0" y="0"/>
+          <a:chExt cx="0" cy="0"/>
+        </a:xfrm>
+      </p:grpSpPr>
+      <p:pic>
+        <p:nvPicPr>
+          <p:cNvPr id="3" name="Picture 2">
+            <a:extLst>
+              <a:ext uri="{FF2B5EF4-FFF2-40B4-BE49-F238E27FC236}">
+                <a16:creationId xmlns:a16="http://schemas.microsoft.com/office/drawing/2014/main" id="{4D648841-74B6-4E9A-8328-8DFBCEE7F3D5}"/>
+              </a:ext>
+            </a:extLst>
+          </p:cNvPr>
+          <p:cNvPicPr>
+            <a:picLocks noChangeAspect="1"/>
+          </p:cNvPicPr>
+          <p:nvPr/>
+        </p:nvPicPr>
+        <p:blipFill>
+          <a:blip r:embed="rId2"/>
+          <a:stretch>
+            <a:fillRect/>
+          </a:stretch>
+        </p:blipFill>
+        <p:spPr>
+          <a:xfrm>
+            <a:off x="3457575" y="3957637"/>
+            <a:ext cx="3657600" cy="2438400"/>
+          </a:xfrm>
+          <a:prstGeom prst="rect">
+            <a:avLst/>
+          </a:prstGeom>
+        </p:spPr>
+      </p:pic>
+      <p:pic>
+        <p:nvPicPr>
+          <p:cNvPr id="5" name="Picture 4">
+            <a:extLst>
+              <a:ext uri="{FF2B5EF4-FFF2-40B4-BE49-F238E27FC236}">
+                <a16:creationId xmlns:a16="http://schemas.microsoft.com/office/drawing/2014/main" id="{2357ECEB-7B2B-46A8-A529-5A2C55589449}"/>
+              </a:ext>
+            </a:extLst>
+          </p:cNvPr>
+          <p:cNvPicPr>
+            <a:picLocks noChangeAspect="1"/>
+          </p:cNvPicPr>
+          <p:nvPr/>
+        </p:nvPicPr>
+        <p:blipFill>
+          <a:blip r:embed="rId3"/>
+          <a:stretch>
+            <a:fillRect/>
+          </a:stretch>
+        </p:blipFill>
+        <p:spPr>
+          <a:xfrm>
+            <a:off x="390524" y="371475"/>
+            <a:ext cx="5191522" cy="3429000"/>
+          </a:xfrm>
+          <a:prstGeom prst="rect">
+            <a:avLst/>
+          </a:prstGeom>
+        </p:spPr>
+      </p:pic>
+      <p:pic>
+        <p:nvPicPr>
+          <p:cNvPr id="7" name="Picture 6">
+            <a:extLst>
+              <a:ext uri="{FF2B5EF4-FFF2-40B4-BE49-F238E27FC236}">
+                <a16:creationId xmlns:a16="http://schemas.microsoft.com/office/drawing/2014/main" id="{8A151651-E5B5-4EE1-B0E4-DAC59A196D9F}"/>
+              </a:ext>
+            </a:extLst>
+          </p:cNvPr>
+          <p:cNvPicPr>
+            <a:picLocks noChangeAspect="1"/>
+          </p:cNvPicPr>
+          <p:nvPr/>
+        </p:nvPicPr>
+        <p:blipFill>
+          <a:blip r:embed="rId4"/>
+          <a:stretch>
+            <a:fillRect/>
+          </a:stretch>
+        </p:blipFill>
+        <p:spPr>
+          <a:xfrm>
+            <a:off x="5934075" y="371475"/>
+            <a:ext cx="4376977" cy="3238705"/>
+          </a:xfrm>
+          <a:prstGeom prst="rect">
+            <a:avLst/>
+          </a:prstGeom>
+        </p:spPr>
+      </p:pic>
+      <p:pic>
+        <p:nvPicPr>
+          <p:cNvPr id="9" name="Picture 8">
+            <a:extLst>
+              <a:ext uri="{FF2B5EF4-FFF2-40B4-BE49-F238E27FC236}">
+                <a16:creationId xmlns:a16="http://schemas.microsoft.com/office/drawing/2014/main" id="{72B8907C-B9FA-4A2C-8359-70E006D320E5}"/>
+              </a:ext>
+            </a:extLst>
+          </p:cNvPr>
+          <p:cNvPicPr>
+            <a:picLocks noChangeAspect="1"/>
+          </p:cNvPicPr>
+          <p:nvPr/>
+        </p:nvPicPr>
+        <p:blipFill>
+          <a:blip r:embed="rId5"/>
+          <a:stretch>
+            <a:fillRect/>
+          </a:stretch>
+        </p:blipFill>
+        <p:spPr>
+          <a:xfrm>
+            <a:off x="528637" y="4252912"/>
+            <a:ext cx="2828925" cy="1609725"/>
+          </a:xfrm>
+          <a:prstGeom prst="rect">
+            <a:avLst/>
+          </a:prstGeom>
+        </p:spPr>
+      </p:pic>
+    </p:spTree>
+    <p:extLst>
+      <p:ext uri="{BB962C8B-B14F-4D97-AF65-F5344CB8AC3E}">
+        <p14:creationId xmlns:p14="http://schemas.microsoft.com/office/powerpoint/2010/main" val="790883198"/>
+      </p:ext>
+    </p:extLst>
+  </p:cSld>
+  <p:clrMapOvr>
+    <a:masterClrMapping/>
+  </p:clrMapOvr>
+  <mc:AlternateContent xmlns:mc="http://schemas.openxmlformats.org/markup-compatibility/2006" xmlns:p14="http://schemas.microsoft.com/office/powerpoint/2010/main">
+    <mc:Choice Requires="p14">
+      <p:transition spd="med" p14:dur="700">
+        <p:fade/>
+      </p:transition>
+    </mc:Choice>
+    <mc:Fallback xmlns="">
+      <p:transition spd="med">
+        <p:fade/>
+      </p:transition>
+    </mc:Fallback>
+  </mc:AlternateContent>
+</p:sld>
+</file>
+
+<file path=ppt/slides/slide18.xml><?xml version="1.0" encoding="utf-8"?>
+<p:sld xmlns:a="http://schemas.openxmlformats.org/drawingml/2006/main" xmlns:r="http://schemas.openxmlformats.org/officeDocument/2006/relationships" xmlns:p="http://schemas.openxmlformats.org/presentationml/2006/main">
+  <p:cSld>
+    <p:spTree>
+      <p:nvGrpSpPr>
+        <p:cNvPr id="1" name=""/>
+        <p:cNvGrpSpPr/>
+        <p:nvPr/>
+      </p:nvGrpSpPr>
+      <p:grpSpPr>
+        <a:xfrm>
+          <a:off x="0" y="0"/>
+          <a:ext cx="0" cy="0"/>
+          <a:chOff x="0" y="0"/>
+          <a:chExt cx="0" cy="0"/>
+        </a:xfrm>
+      </p:grpSpPr>
       <p:sp>
         <p:nvSpPr>
           <p:cNvPr id="8" name="Title 7"/>
@@ -10840,23 +11701,143 @@
           <a:p>
             <a:r>
               <a:rPr lang="en-US" dirty="0"/>
-              <a:t>Add a Slide Title - 5</a:t>
+              <a:t>Add a Slide Title - 4</a:t>
             </a:r>
           </a:p>
         </p:txBody>
       </p:sp>
       <p:sp>
         <p:nvSpPr>
-          <p:cNvPr id="9" name="Picture Placeholder 8" descr="An empty placeholder to add an image. Click on the placeholder and select the image that you wish to add"/>
+          <p:cNvPr id="9" name="Content Placeholder 8"/>
           <p:cNvSpPr>
             <a:spLocks noGrp="1"/>
           </p:cNvSpPr>
           <p:nvPr>
+            <p:ph idx="1"/>
+          </p:nvPr>
+        </p:nvSpPr>
+        <p:spPr/>
+        <p:txBody>
+          <a:bodyPr/>
+          <a:lstStyle/>
+          <a:p>
+            <a:endParaRPr lang="en-US" dirty="0"/>
+          </a:p>
+        </p:txBody>
+      </p:sp>
+      <p:sp>
+        <p:nvSpPr>
+          <p:cNvPr id="10" name="Text Placeholder 9"/>
+          <p:cNvSpPr>
+            <a:spLocks noGrp="1"/>
+          </p:cNvSpPr>
+          <p:nvPr>
+            <p:ph type="body" sz="half" idx="2"/>
+          </p:nvPr>
+        </p:nvSpPr>
+        <p:spPr/>
+        <p:txBody>
+          <a:bodyPr/>
+          <a:lstStyle/>
+          <a:p>
+            <a:endParaRPr lang="en-US" dirty="0"/>
+          </a:p>
+        </p:txBody>
+      </p:sp>
+    </p:spTree>
+    <p:extLst>
+      <p:ext uri="{BB962C8B-B14F-4D97-AF65-F5344CB8AC3E}">
+        <p14:creationId xmlns:p14="http://schemas.microsoft.com/office/powerpoint/2010/main" val="1669418864"/>
+      </p:ext>
+    </p:extLst>
+  </p:cSld>
+  <p:clrMapOvr>
+    <a:masterClrMapping/>
+  </p:clrMapOvr>
+  <mc:AlternateContent xmlns:mc="http://schemas.openxmlformats.org/markup-compatibility/2006" xmlns:p14="http://schemas.microsoft.com/office/powerpoint/2010/main">
+    <mc:Choice Requires="p14">
+      <p:transition spd="med" p14:dur="700">
+        <p:fade/>
+      </p:transition>
+    </mc:Choice>
+    <mc:Fallback xmlns="">
+      <p:transition spd="med">
+        <p:fade/>
+      </p:transition>
+    </mc:Fallback>
+  </mc:AlternateContent>
+</p:sld>
+</file>
+
+<file path=ppt/slides/slide19.xml><?xml version="1.0" encoding="utf-8"?>
+<p:sld xmlns:a="http://schemas.openxmlformats.org/drawingml/2006/main" xmlns:r="http://schemas.openxmlformats.org/officeDocument/2006/relationships" xmlns:p="http://schemas.openxmlformats.org/presentationml/2006/main">
+  <p:cSld>
+    <p:spTree>
+      <p:nvGrpSpPr>
+        <p:cNvPr id="1" name=""/>
+        <p:cNvGrpSpPr/>
+        <p:nvPr/>
+      </p:nvGrpSpPr>
+      <p:grpSpPr>
+        <a:xfrm>
+          <a:off x="0" y="0"/>
+          <a:ext cx="0" cy="0"/>
+          <a:chOff x="0" y="0"/>
+          <a:chExt cx="0" cy="0"/>
+        </a:xfrm>
+      </p:grpSpPr>
+      <p:sp>
+        <p:nvSpPr>
+          <p:cNvPr id="8" name="Title 7"/>
+          <p:cNvSpPr>
+            <a:spLocks noGrp="1"/>
+          </p:cNvSpPr>
+          <p:nvPr>
+            <p:ph type="title"/>
+          </p:nvPr>
+        </p:nvSpPr>
+        <p:spPr/>
+        <p:txBody>
+          <a:bodyPr/>
+          <a:lstStyle/>
+          <a:p>
+            <a:r>
+              <a:rPr lang="en-US" dirty="0"/>
+              <a:t>Thank you letting us share our story!</a:t>
+            </a:r>
+          </a:p>
+        </p:txBody>
+      </p:sp>
+      <p:pic>
+        <p:nvPicPr>
+          <p:cNvPr id="3" name="Picture Placeholder 2">
+            <a:extLst>
+              <a:ext uri="{FF2B5EF4-FFF2-40B4-BE49-F238E27FC236}">
+                <a16:creationId xmlns:a16="http://schemas.microsoft.com/office/drawing/2014/main" id="{1DE29613-B19C-4541-92B5-5CA589E9AE0E}"/>
+              </a:ext>
+            </a:extLst>
+          </p:cNvPr>
+          <p:cNvPicPr>
+            <a:picLocks noGrp="1" noChangeAspect="1"/>
+          </p:cNvPicPr>
+          <p:nvPr>
             <p:ph type="pic" idx="1"/>
           </p:nvPr>
-        </p:nvSpPr>
-        <p:spPr/>
-      </p:sp>
+        </p:nvPicPr>
+        <p:blipFill>
+          <a:blip r:embed="rId2"/>
+          <a:srcRect t="533" b="533"/>
+          <a:stretch>
+            <a:fillRect/>
+          </a:stretch>
+        </p:blipFill>
+        <p:spPr>
+          <a:xfrm>
+            <a:off x="1323974" y="1164059"/>
+            <a:ext cx="7378527" cy="3300783"/>
+          </a:xfrm>
+        </p:spPr>
+      </p:pic>
       <p:sp>
         <p:nvSpPr>
           <p:cNvPr id="10" name="Text Placeholder 9"/>
@@ -10918,81 +11899,12 @@
           <a:chExt cx="0" cy="0"/>
         </a:xfrm>
       </p:grpSpPr>
-      <p:sp>
-        <p:nvSpPr>
-          <p:cNvPr id="2" name="Title 1"/>
-          <p:cNvSpPr>
-            <a:spLocks noGrp="1"/>
-          </p:cNvSpPr>
-          <p:nvPr>
-            <p:ph type="title"/>
-          </p:nvPr>
-        </p:nvSpPr>
-        <p:spPr>
-          <a:xfrm>
-            <a:off x="677334" y="609600"/>
-            <a:ext cx="8596668" cy="952500"/>
-          </a:xfrm>
-        </p:spPr>
-        <p:txBody>
-          <a:bodyPr/>
-          <a:lstStyle/>
-          <a:p>
-            <a:r>
-              <a:rPr lang="en-US" dirty="0"/>
-              <a:t>EV’s Florida Story</a:t>
-            </a:r>
-          </a:p>
-        </p:txBody>
-      </p:sp>
-      <p:sp>
-        <p:nvSpPr>
-          <p:cNvPr id="3" name="Content Placeholder 2"/>
-          <p:cNvSpPr>
-            <a:spLocks noGrp="1"/>
-          </p:cNvSpPr>
-          <p:nvPr>
-            <p:ph idx="1"/>
-          </p:nvPr>
-        </p:nvSpPr>
-        <p:spPr>
-          <a:xfrm>
-            <a:off x="553509" y="1562100"/>
-            <a:ext cx="8596668" cy="3880773"/>
-          </a:xfrm>
-        </p:spPr>
-        <p:txBody>
-          <a:bodyPr/>
-          <a:lstStyle/>
-          <a:p>
-            <a:r>
-              <a:rPr lang="en-US" dirty="0"/>
-              <a:t>Investigation in EV’s in Florida</a:t>
-            </a:r>
-          </a:p>
-          <a:p>
-            <a:r>
-              <a:rPr lang="en-US" dirty="0"/>
-              <a:t>Data Analysis and Data Cleaning</a:t>
-            </a:r>
-          </a:p>
-          <a:p>
-            <a:r>
-              <a:rPr lang="en-US" dirty="0"/>
-              <a:t>Environmental Impact</a:t>
-            </a:r>
-          </a:p>
-          <a:p>
-            <a:endParaRPr lang="en-US" dirty="0"/>
-          </a:p>
-        </p:txBody>
-      </p:sp>
       <p:pic>
         <p:nvPicPr>
-          <p:cNvPr id="5" name="Picture 4">
+          <p:cNvPr id="6" name="Picture 5">
             <a:extLst>
               <a:ext uri="{FF2B5EF4-FFF2-40B4-BE49-F238E27FC236}">
-                <a16:creationId xmlns:a16="http://schemas.microsoft.com/office/drawing/2014/main" id="{2F752EB7-D9F4-41EF-997E-0B412D7E3B8D}"/>
+                <a16:creationId xmlns:a16="http://schemas.microsoft.com/office/drawing/2014/main" id="{28BDA05A-9AC1-46EF-ADA3-B75951036893}"/>
               </a:ext>
             </a:extLst>
           </p:cNvPr>
@@ -11009,14 +11921,121 @@
         </p:blipFill>
         <p:spPr>
           <a:xfrm>
-            <a:off x="429684" y="4333875"/>
-            <a:ext cx="3657600" cy="2438400"/>
+            <a:off x="0" y="0"/>
+            <a:ext cx="11201401" cy="6858000"/>
           </a:xfrm>
           <a:prstGeom prst="rect">
             <a:avLst/>
           </a:prstGeom>
         </p:spPr>
       </p:pic>
+      <p:sp>
+        <p:nvSpPr>
+          <p:cNvPr id="2" name="Title 1"/>
+          <p:cNvSpPr>
+            <a:spLocks noGrp="1"/>
+          </p:cNvSpPr>
+          <p:nvPr>
+            <p:ph type="title"/>
+          </p:nvPr>
+        </p:nvSpPr>
+        <p:spPr>
+          <a:xfrm>
+            <a:off x="2200275" y="190500"/>
+            <a:ext cx="8058150" cy="952500"/>
+          </a:xfrm>
+        </p:spPr>
+        <p:txBody>
+          <a:bodyPr>
+            <a:normAutofit/>
+          </a:bodyPr>
+          <a:lstStyle/>
+          <a:p>
+            <a:r>
+              <a:rPr lang="en-US" sz="4800" b="1" dirty="0">
+                <a:solidFill>
+                  <a:schemeClr val="tx1"/>
+                </a:solidFill>
+              </a:rPr>
+              <a:t>EV Cars Florida Story</a:t>
+            </a:r>
+          </a:p>
+        </p:txBody>
+      </p:sp>
+      <p:sp>
+        <p:nvSpPr>
+          <p:cNvPr id="3" name="Content Placeholder 2"/>
+          <p:cNvSpPr>
+            <a:spLocks noGrp="1"/>
+          </p:cNvSpPr>
+          <p:nvPr>
+            <p:ph idx="1"/>
+          </p:nvPr>
+        </p:nvSpPr>
+        <p:spPr>
+          <a:xfrm>
+            <a:off x="134408" y="1438275"/>
+            <a:ext cx="5037667" cy="2295525"/>
+          </a:xfrm>
+        </p:spPr>
+        <p:txBody>
+          <a:bodyPr/>
+          <a:lstStyle/>
+          <a:p>
+            <a:r>
+              <a:rPr lang="en-US" sz="2200" b="1" dirty="0">
+                <a:solidFill>
+                  <a:schemeClr val="tx1"/>
+                </a:solidFill>
+              </a:rPr>
+              <a:t>Investigation in EV Cars in Florida</a:t>
+            </a:r>
+          </a:p>
+          <a:p>
+            <a:r>
+              <a:rPr lang="en-US" sz="2200" b="1" dirty="0">
+                <a:solidFill>
+                  <a:schemeClr val="tx1"/>
+                </a:solidFill>
+              </a:rPr>
+              <a:t>Data Analysis and Data Cleaning</a:t>
+            </a:r>
+          </a:p>
+          <a:p>
+            <a:r>
+              <a:rPr lang="en-US" sz="2200" b="1" dirty="0">
+                <a:solidFill>
+                  <a:schemeClr val="tx1"/>
+                </a:solidFill>
+              </a:rPr>
+              <a:t>Environmental Impact</a:t>
+            </a:r>
+          </a:p>
+          <a:p>
+            <a:r>
+              <a:rPr lang="en-US" sz="2200" b="1" dirty="0">
+                <a:solidFill>
+                  <a:schemeClr val="tx1"/>
+                </a:solidFill>
+              </a:rPr>
+              <a:t>EV Stations in Florida</a:t>
+            </a:r>
+          </a:p>
+          <a:p>
+            <a:r>
+              <a:rPr lang="en-US" sz="2200" b="1" dirty="0">
+                <a:solidFill>
+                  <a:schemeClr val="tx1"/>
+                </a:solidFill>
+              </a:rPr>
+              <a:t>Website</a:t>
+            </a:r>
+          </a:p>
+          <a:p>
+            <a:endParaRPr lang="en-US" dirty="0"/>
+          </a:p>
+        </p:txBody>
+      </p:sp>
     </p:spTree>
     <p:extLst>
       <p:ext uri="{BB962C8B-B14F-4D97-AF65-F5344CB8AC3E}">
@@ -11059,6 +12078,408 @@
           <a:chExt cx="0" cy="0"/>
         </a:xfrm>
       </p:grpSpPr>
+      <p:pic>
+        <p:nvPicPr>
+          <p:cNvPr id="11" name="Picture 10">
+            <a:extLst>
+              <a:ext uri="{FF2B5EF4-FFF2-40B4-BE49-F238E27FC236}">
+                <a16:creationId xmlns:a16="http://schemas.microsoft.com/office/drawing/2014/main" id="{F01DBF69-12DD-439E-A3EF-C4BCB6DE3397}"/>
+              </a:ext>
+            </a:extLst>
+          </p:cNvPr>
+          <p:cNvPicPr>
+            <a:picLocks noChangeAspect="1"/>
+          </p:cNvPicPr>
+          <p:nvPr/>
+        </p:nvPicPr>
+        <p:blipFill>
+          <a:blip r:embed="rId2"/>
+          <a:stretch>
+            <a:fillRect/>
+          </a:stretch>
+        </p:blipFill>
+        <p:spPr>
+          <a:xfrm>
+            <a:off x="0" y="0"/>
+            <a:ext cx="12192000" cy="6991350"/>
+          </a:xfrm>
+          <a:prstGeom prst="rect">
+            <a:avLst/>
+          </a:prstGeom>
+        </p:spPr>
+      </p:pic>
+      <p:sp>
+        <p:nvSpPr>
+          <p:cNvPr id="4" name="Title 3"/>
+          <p:cNvSpPr>
+            <a:spLocks noGrp="1"/>
+          </p:cNvSpPr>
+          <p:nvPr>
+            <p:ph type="title"/>
+          </p:nvPr>
+        </p:nvSpPr>
+        <p:spPr>
+          <a:xfrm>
+            <a:off x="219077" y="4276725"/>
+            <a:ext cx="7458073" cy="1657349"/>
+          </a:xfrm>
+          <a:solidFill>
+            <a:srgbClr val="92D050"/>
+          </a:solidFill>
+        </p:spPr>
+        <p:txBody>
+          <a:bodyPr anchor="ctr"/>
+          <a:lstStyle/>
+          <a:p>
+            <a:pPr algn="ctr"/>
+            <a:r>
+              <a:rPr lang="en-US" b="1" dirty="0">
+                <a:solidFill>
+                  <a:schemeClr val="bg1"/>
+                </a:solidFill>
+              </a:rPr>
+              <a:t>Investigation in EV Cars</a:t>
+            </a:r>
+            <a:br>
+              <a:rPr lang="en-US" b="1" dirty="0">
+                <a:solidFill>
+                  <a:schemeClr val="bg1"/>
+                </a:solidFill>
+              </a:rPr>
+            </a:br>
+            <a:r>
+              <a:rPr lang="en-US" b="1" dirty="0">
+                <a:solidFill>
+                  <a:schemeClr val="bg1"/>
+                </a:solidFill>
+              </a:rPr>
+              <a:t>in Florida</a:t>
+            </a:r>
+          </a:p>
+        </p:txBody>
+      </p:sp>
+    </p:spTree>
+    <p:extLst>
+      <p:ext uri="{BB962C8B-B14F-4D97-AF65-F5344CB8AC3E}">
+        <p14:creationId xmlns:p14="http://schemas.microsoft.com/office/powerpoint/2010/main" val="2312531367"/>
+      </p:ext>
+    </p:extLst>
+  </p:cSld>
+  <p:clrMapOvr>
+    <a:masterClrMapping/>
+  </p:clrMapOvr>
+  <mc:AlternateContent xmlns:mc="http://schemas.openxmlformats.org/markup-compatibility/2006">
+    <mc:Choice xmlns:p14="http://schemas.microsoft.com/office/powerpoint/2010/main" Requires="p14">
+      <p:transition spd="med" p14:dur="700">
+        <p:fade/>
+      </p:transition>
+    </mc:Choice>
+    <mc:Fallback>
+      <p:transition spd="med">
+        <p:fade/>
+      </p:transition>
+    </mc:Fallback>
+  </mc:AlternateContent>
+</p:sld>
+</file>
+
+<file path=ppt/slides/slide4.xml><?xml version="1.0" encoding="utf-8"?>
+<p:sld xmlns:a="http://schemas.openxmlformats.org/drawingml/2006/main" xmlns:r="http://schemas.openxmlformats.org/officeDocument/2006/relationships" xmlns:p="http://schemas.openxmlformats.org/presentationml/2006/main">
+  <p:cSld>
+    <p:spTree>
+      <p:nvGrpSpPr>
+        <p:cNvPr id="1" name=""/>
+        <p:cNvGrpSpPr/>
+        <p:nvPr/>
+      </p:nvGrpSpPr>
+      <p:grpSpPr>
+        <a:xfrm>
+          <a:off x="0" y="0"/>
+          <a:ext cx="0" cy="0"/>
+          <a:chOff x="0" y="0"/>
+          <a:chExt cx="0" cy="0"/>
+        </a:xfrm>
+      </p:grpSpPr>
+      <p:sp>
+        <p:nvSpPr>
+          <p:cNvPr id="12" name="Title 11"/>
+          <p:cNvSpPr>
+            <a:spLocks noGrp="1"/>
+          </p:cNvSpPr>
+          <p:nvPr>
+            <p:ph type="title"/>
+          </p:nvPr>
+        </p:nvSpPr>
+        <p:spPr/>
+        <p:txBody>
+          <a:bodyPr/>
+          <a:lstStyle/>
+          <a:p>
+            <a:r>
+              <a:rPr lang="en-US" dirty="0"/>
+              <a:t>Add a Slide Title - 2</a:t>
+            </a:r>
+          </a:p>
+        </p:txBody>
+      </p:sp>
+      <p:sp>
+        <p:nvSpPr>
+          <p:cNvPr id="13" name="Text Placeholder 12"/>
+          <p:cNvSpPr>
+            <a:spLocks noGrp="1"/>
+          </p:cNvSpPr>
+          <p:nvPr>
+            <p:ph type="body" idx="1"/>
+          </p:nvPr>
+        </p:nvSpPr>
+        <p:spPr/>
+        <p:txBody>
+          <a:bodyPr/>
+          <a:lstStyle/>
+          <a:p>
+            <a:endParaRPr lang="en-US" dirty="0"/>
+          </a:p>
+        </p:txBody>
+      </p:sp>
+      <p:sp>
+        <p:nvSpPr>
+          <p:cNvPr id="14" name="Content Placeholder 13"/>
+          <p:cNvSpPr>
+            <a:spLocks noGrp="1"/>
+          </p:cNvSpPr>
+          <p:nvPr>
+            <p:ph sz="half" idx="2"/>
+          </p:nvPr>
+        </p:nvSpPr>
+        <p:spPr/>
+        <p:txBody>
+          <a:bodyPr/>
+          <a:lstStyle/>
+          <a:p>
+            <a:endParaRPr lang="en-US" dirty="0"/>
+          </a:p>
+        </p:txBody>
+      </p:sp>
+      <p:sp>
+        <p:nvSpPr>
+          <p:cNvPr id="15" name="Text Placeholder 14"/>
+          <p:cNvSpPr>
+            <a:spLocks noGrp="1"/>
+          </p:cNvSpPr>
+          <p:nvPr>
+            <p:ph type="body" sz="quarter" idx="3"/>
+          </p:nvPr>
+        </p:nvSpPr>
+        <p:spPr/>
+        <p:txBody>
+          <a:bodyPr/>
+          <a:lstStyle/>
+          <a:p>
+            <a:endParaRPr lang="en-US" dirty="0"/>
+          </a:p>
+        </p:txBody>
+      </p:sp>
+      <p:sp>
+        <p:nvSpPr>
+          <p:cNvPr id="16" name="Content Placeholder 15"/>
+          <p:cNvSpPr>
+            <a:spLocks noGrp="1"/>
+          </p:cNvSpPr>
+          <p:nvPr>
+            <p:ph sz="quarter" idx="4"/>
+          </p:nvPr>
+        </p:nvSpPr>
+        <p:spPr/>
+        <p:txBody>
+          <a:bodyPr/>
+          <a:lstStyle/>
+          <a:p>
+            <a:endParaRPr lang="en-US" dirty="0"/>
+          </a:p>
+        </p:txBody>
+      </p:sp>
+    </p:spTree>
+    <p:extLst>
+      <p:ext uri="{BB962C8B-B14F-4D97-AF65-F5344CB8AC3E}">
+        <p14:creationId xmlns:p14="http://schemas.microsoft.com/office/powerpoint/2010/main" val="805503380"/>
+      </p:ext>
+    </p:extLst>
+  </p:cSld>
+  <p:clrMapOvr>
+    <a:masterClrMapping/>
+  </p:clrMapOvr>
+  <mc:AlternateContent xmlns:mc="http://schemas.openxmlformats.org/markup-compatibility/2006" xmlns:p14="http://schemas.microsoft.com/office/powerpoint/2010/main">
+    <mc:Choice Requires="p14">
+      <p:transition spd="med" p14:dur="700">
+        <p:fade/>
+      </p:transition>
+    </mc:Choice>
+    <mc:Fallback xmlns="">
+      <p:transition spd="med">
+        <p:fade/>
+      </p:transition>
+    </mc:Fallback>
+  </mc:AlternateContent>
+</p:sld>
+</file>
+
+<file path=ppt/slides/slide5.xml><?xml version="1.0" encoding="utf-8"?>
+<p:sld xmlns:a="http://schemas.openxmlformats.org/drawingml/2006/main" xmlns:r="http://schemas.openxmlformats.org/officeDocument/2006/relationships" xmlns:p="http://schemas.openxmlformats.org/presentationml/2006/main">
+  <p:cSld>
+    <p:spTree>
+      <p:nvGrpSpPr>
+        <p:cNvPr id="1" name=""/>
+        <p:cNvGrpSpPr/>
+        <p:nvPr/>
+      </p:nvGrpSpPr>
+      <p:grpSpPr>
+        <a:xfrm>
+          <a:off x="0" y="0"/>
+          <a:ext cx="0" cy="0"/>
+          <a:chOff x="0" y="0"/>
+          <a:chExt cx="0" cy="0"/>
+        </a:xfrm>
+      </p:grpSpPr>
+      <p:sp>
+        <p:nvSpPr>
+          <p:cNvPr id="12" name="Title 11"/>
+          <p:cNvSpPr>
+            <a:spLocks noGrp="1"/>
+          </p:cNvSpPr>
+          <p:nvPr>
+            <p:ph type="title"/>
+          </p:nvPr>
+        </p:nvSpPr>
+        <p:spPr/>
+        <p:txBody>
+          <a:bodyPr/>
+          <a:lstStyle/>
+          <a:p>
+            <a:r>
+              <a:rPr lang="en-US" dirty="0"/>
+              <a:t>Add a Slide Title - 3</a:t>
+            </a:r>
+          </a:p>
+        </p:txBody>
+      </p:sp>
+      <p:sp>
+        <p:nvSpPr>
+          <p:cNvPr id="13" name="Text Placeholder 12"/>
+          <p:cNvSpPr>
+            <a:spLocks noGrp="1"/>
+          </p:cNvSpPr>
+          <p:nvPr>
+            <p:ph type="body" idx="1"/>
+          </p:nvPr>
+        </p:nvSpPr>
+        <p:spPr/>
+        <p:txBody>
+          <a:bodyPr/>
+          <a:lstStyle/>
+          <a:p>
+            <a:endParaRPr lang="en-US" dirty="0"/>
+          </a:p>
+        </p:txBody>
+      </p:sp>
+      <p:sp>
+        <p:nvSpPr>
+          <p:cNvPr id="14" name="Content Placeholder 13"/>
+          <p:cNvSpPr>
+            <a:spLocks noGrp="1"/>
+          </p:cNvSpPr>
+          <p:nvPr>
+            <p:ph sz="half" idx="2"/>
+          </p:nvPr>
+        </p:nvSpPr>
+        <p:spPr/>
+        <p:txBody>
+          <a:bodyPr/>
+          <a:lstStyle/>
+          <a:p>
+            <a:endParaRPr lang="en-US" dirty="0"/>
+          </a:p>
+        </p:txBody>
+      </p:sp>
+      <p:sp>
+        <p:nvSpPr>
+          <p:cNvPr id="15" name="Text Placeholder 14"/>
+          <p:cNvSpPr>
+            <a:spLocks noGrp="1"/>
+          </p:cNvSpPr>
+          <p:nvPr>
+            <p:ph type="body" sz="quarter" idx="3"/>
+          </p:nvPr>
+        </p:nvSpPr>
+        <p:spPr/>
+        <p:txBody>
+          <a:bodyPr/>
+          <a:lstStyle/>
+          <a:p>
+            <a:endParaRPr lang="en-US" dirty="0"/>
+          </a:p>
+        </p:txBody>
+      </p:sp>
+      <p:sp>
+        <p:nvSpPr>
+          <p:cNvPr id="16" name="Content Placeholder 15"/>
+          <p:cNvSpPr>
+            <a:spLocks noGrp="1"/>
+          </p:cNvSpPr>
+          <p:nvPr>
+            <p:ph sz="quarter" idx="4"/>
+          </p:nvPr>
+        </p:nvSpPr>
+        <p:spPr/>
+        <p:txBody>
+          <a:bodyPr/>
+          <a:lstStyle/>
+          <a:p>
+            <a:endParaRPr lang="en-US" dirty="0"/>
+          </a:p>
+        </p:txBody>
+      </p:sp>
+    </p:spTree>
+    <p:extLst>
+      <p:ext uri="{BB962C8B-B14F-4D97-AF65-F5344CB8AC3E}">
+        <p14:creationId xmlns:p14="http://schemas.microsoft.com/office/powerpoint/2010/main" val="3166979570"/>
+      </p:ext>
+    </p:extLst>
+  </p:cSld>
+  <p:clrMapOvr>
+    <a:masterClrMapping/>
+  </p:clrMapOvr>
+  <mc:AlternateContent xmlns:mc="http://schemas.openxmlformats.org/markup-compatibility/2006" xmlns:p14="http://schemas.microsoft.com/office/powerpoint/2010/main">
+    <mc:Choice Requires="p14">
+      <p:transition spd="med" p14:dur="700">
+        <p:fade/>
+      </p:transition>
+    </mc:Choice>
+    <mc:Fallback xmlns="">
+      <p:transition spd="med">
+        <p:fade/>
+      </p:transition>
+    </mc:Fallback>
+  </mc:AlternateContent>
+</p:sld>
+</file>
+
+<file path=ppt/slides/slide6.xml><?xml version="1.0" encoding="utf-8"?>
+<p:sld xmlns:a="http://schemas.openxmlformats.org/drawingml/2006/main" xmlns:r="http://schemas.openxmlformats.org/officeDocument/2006/relationships" xmlns:p="http://schemas.openxmlformats.org/presentationml/2006/main">
+  <p:cSld>
+    <p:spTree>
+      <p:nvGrpSpPr>
+        <p:cNvPr id="1" name=""/>
+        <p:cNvGrpSpPr/>
+        <p:nvPr/>
+      </p:nvGrpSpPr>
+      <p:grpSpPr>
+        <a:xfrm>
+          <a:off x="0" y="0"/>
+          <a:ext cx="0" cy="0"/>
+          <a:chOff x="0" y="0"/>
+          <a:chExt cx="0" cy="0"/>
+        </a:xfrm>
+      </p:grpSpPr>
       <p:sp>
         <p:nvSpPr>
           <p:cNvPr id="2" name="Title 1"/>
@@ -11133,7 +12554,362 @@
 </p:sld>
 </file>
 
-<file path=ppt/slides/slide4.xml><?xml version="1.0" encoding="utf-8"?>
+<file path=ppt/slides/slide7.xml><?xml version="1.0" encoding="utf-8"?>
+<p:sld xmlns:a="http://schemas.openxmlformats.org/drawingml/2006/main" xmlns:r="http://schemas.openxmlformats.org/officeDocument/2006/relationships" xmlns:p="http://schemas.openxmlformats.org/presentationml/2006/main">
+  <p:cSld>
+    <p:spTree>
+      <p:nvGrpSpPr>
+        <p:cNvPr id="1" name=""/>
+        <p:cNvGrpSpPr/>
+        <p:nvPr/>
+      </p:nvGrpSpPr>
+      <p:grpSpPr>
+        <a:xfrm>
+          <a:off x="0" y="0"/>
+          <a:ext cx="0" cy="0"/>
+          <a:chOff x="0" y="0"/>
+          <a:chExt cx="0" cy="0"/>
+        </a:xfrm>
+      </p:grpSpPr>
+      <p:pic>
+        <p:nvPicPr>
+          <p:cNvPr id="4" name="Picture 3">
+            <a:extLst>
+              <a:ext uri="{FF2B5EF4-FFF2-40B4-BE49-F238E27FC236}">
+                <a16:creationId xmlns:a16="http://schemas.microsoft.com/office/drawing/2014/main" id="{E2FF6D8B-B80B-4661-B63F-2B874835274F}"/>
+              </a:ext>
+            </a:extLst>
+          </p:cNvPr>
+          <p:cNvPicPr>
+            <a:picLocks noChangeAspect="1"/>
+          </p:cNvPicPr>
+          <p:nvPr/>
+        </p:nvPicPr>
+        <p:blipFill>
+          <a:blip r:embed="rId2"/>
+          <a:stretch>
+            <a:fillRect/>
+          </a:stretch>
+        </p:blipFill>
+        <p:spPr>
+          <a:xfrm>
+            <a:off x="0" y="-1"/>
+            <a:ext cx="12192000" cy="6858001"/>
+          </a:xfrm>
+          <a:prstGeom prst="rect">
+            <a:avLst/>
+          </a:prstGeom>
+        </p:spPr>
+      </p:pic>
+      <p:sp>
+        <p:nvSpPr>
+          <p:cNvPr id="2" name="Title 1">
+            <a:extLst>
+              <a:ext uri="{FF2B5EF4-FFF2-40B4-BE49-F238E27FC236}">
+                <a16:creationId xmlns:a16="http://schemas.microsoft.com/office/drawing/2014/main" id="{3EE96425-70B7-4191-84C2-49BE22C05710}"/>
+              </a:ext>
+            </a:extLst>
+          </p:cNvPr>
+          <p:cNvSpPr txBox="1">
+            <a:spLocks/>
+          </p:cNvSpPr>
+          <p:nvPr/>
+        </p:nvSpPr>
+        <p:spPr>
+          <a:xfrm>
+            <a:off x="6000750" y="514350"/>
+            <a:ext cx="4248150" cy="2562225"/>
+          </a:xfrm>
+          <a:prstGeom prst="rect">
+            <a:avLst/>
+          </a:prstGeom>
+        </p:spPr>
+        <p:txBody>
+          <a:bodyPr>
+            <a:normAutofit/>
+          </a:bodyPr>
+          <a:lstStyle>
+            <a:lvl1pPr algn="l" defTabSz="457200" rtl="0" eaLnBrk="1" latinLnBrk="0" hangingPunct="1">
+              <a:spcBef>
+                <a:spcPct val="0"/>
+              </a:spcBef>
+              <a:buNone/>
+              <a:defRPr sz="3600" kern="1200">
+                <a:solidFill>
+                  <a:schemeClr val="accent1"/>
+                </a:solidFill>
+                <a:latin typeface="+mj-lt"/>
+                <a:ea typeface="+mj-ea"/>
+                <a:cs typeface="+mj-cs"/>
+              </a:defRPr>
+            </a:lvl1pPr>
+            <a:lvl2pPr eaLnBrk="1" hangingPunct="1">
+              <a:defRPr>
+                <a:solidFill>
+                  <a:schemeClr val="tx2"/>
+                </a:solidFill>
+              </a:defRPr>
+            </a:lvl2pPr>
+            <a:lvl3pPr eaLnBrk="1" hangingPunct="1">
+              <a:defRPr>
+                <a:solidFill>
+                  <a:schemeClr val="tx2"/>
+                </a:solidFill>
+              </a:defRPr>
+            </a:lvl3pPr>
+            <a:lvl4pPr eaLnBrk="1" hangingPunct="1">
+              <a:defRPr>
+                <a:solidFill>
+                  <a:schemeClr val="tx2"/>
+                </a:solidFill>
+              </a:defRPr>
+            </a:lvl4pPr>
+            <a:lvl5pPr eaLnBrk="1" hangingPunct="1">
+              <a:defRPr>
+                <a:solidFill>
+                  <a:schemeClr val="tx2"/>
+                </a:solidFill>
+              </a:defRPr>
+            </a:lvl5pPr>
+            <a:lvl6pPr eaLnBrk="1" hangingPunct="1">
+              <a:defRPr>
+                <a:solidFill>
+                  <a:schemeClr val="tx2"/>
+                </a:solidFill>
+              </a:defRPr>
+            </a:lvl6pPr>
+            <a:lvl7pPr eaLnBrk="1" hangingPunct="1">
+              <a:defRPr>
+                <a:solidFill>
+                  <a:schemeClr val="tx2"/>
+                </a:solidFill>
+              </a:defRPr>
+            </a:lvl7pPr>
+            <a:lvl8pPr eaLnBrk="1" hangingPunct="1">
+              <a:defRPr>
+                <a:solidFill>
+                  <a:schemeClr val="tx2"/>
+                </a:solidFill>
+              </a:defRPr>
+            </a:lvl8pPr>
+            <a:lvl9pPr eaLnBrk="1" hangingPunct="1">
+              <a:defRPr>
+                <a:solidFill>
+                  <a:schemeClr val="tx2"/>
+                </a:solidFill>
+              </a:defRPr>
+            </a:lvl9pPr>
+          </a:lstStyle>
+          <a:p>
+            <a:pPr algn="ctr"/>
+            <a:r>
+              <a:rPr lang="en-US" sz="4800" b="1" dirty="0">
+                <a:solidFill>
+                  <a:schemeClr val="accent2">
+                    <a:lumMod val="60000"/>
+                    <a:lumOff val="40000"/>
+                  </a:schemeClr>
+                </a:solidFill>
+              </a:rPr>
+              <a:t>Data Analysis </a:t>
+            </a:r>
+          </a:p>
+          <a:p>
+            <a:pPr algn="ctr"/>
+            <a:r>
+              <a:rPr lang="en-US" sz="4800" b="1" dirty="0">
+                <a:solidFill>
+                  <a:schemeClr val="accent2">
+                    <a:lumMod val="60000"/>
+                    <a:lumOff val="40000"/>
+                  </a:schemeClr>
+                </a:solidFill>
+              </a:rPr>
+              <a:t>&amp; </a:t>
+            </a:r>
+          </a:p>
+          <a:p>
+            <a:pPr algn="ctr"/>
+            <a:r>
+              <a:rPr lang="en-US" sz="4800" b="1" dirty="0">
+                <a:solidFill>
+                  <a:schemeClr val="accent2">
+                    <a:lumMod val="60000"/>
+                    <a:lumOff val="40000"/>
+                  </a:schemeClr>
+                </a:solidFill>
+              </a:rPr>
+              <a:t>Data Cleaning</a:t>
+            </a:r>
+          </a:p>
+        </p:txBody>
+      </p:sp>
+    </p:spTree>
+    <p:extLst>
+      <p:ext uri="{BB962C8B-B14F-4D97-AF65-F5344CB8AC3E}">
+        <p14:creationId xmlns:p14="http://schemas.microsoft.com/office/powerpoint/2010/main" val="397299718"/>
+      </p:ext>
+    </p:extLst>
+  </p:cSld>
+  <p:clrMapOvr>
+    <a:masterClrMapping/>
+  </p:clrMapOvr>
+  <mc:AlternateContent xmlns:mc="http://schemas.openxmlformats.org/markup-compatibility/2006" xmlns:p14="http://schemas.microsoft.com/office/powerpoint/2010/main">
+    <mc:Choice Requires="p14">
+      <p:transition spd="med" p14:dur="700">
+        <p:fade/>
+      </p:transition>
+    </mc:Choice>
+    <mc:Fallback xmlns="">
+      <p:transition spd="med">
+        <p:fade/>
+      </p:transition>
+    </mc:Fallback>
+  </mc:AlternateContent>
+</p:sld>
+</file>
+
+<file path=ppt/slides/slide8.xml><?xml version="1.0" encoding="utf-8"?>
+<p:sld xmlns:a="http://schemas.openxmlformats.org/drawingml/2006/main" xmlns:r="http://schemas.openxmlformats.org/officeDocument/2006/relationships" xmlns:p="http://schemas.openxmlformats.org/presentationml/2006/main">
+  <p:cSld>
+    <p:spTree>
+      <p:nvGrpSpPr>
+        <p:cNvPr id="1" name=""/>
+        <p:cNvGrpSpPr/>
+        <p:nvPr/>
+      </p:nvGrpSpPr>
+      <p:grpSpPr>
+        <a:xfrm>
+          <a:off x="0" y="0"/>
+          <a:ext cx="0" cy="0"/>
+          <a:chOff x="0" y="0"/>
+          <a:chExt cx="0" cy="0"/>
+        </a:xfrm>
+      </p:grpSpPr>
+      <p:sp>
+        <p:nvSpPr>
+          <p:cNvPr id="12" name="Title 11"/>
+          <p:cNvSpPr>
+            <a:spLocks noGrp="1"/>
+          </p:cNvSpPr>
+          <p:nvPr>
+            <p:ph type="title"/>
+          </p:nvPr>
+        </p:nvSpPr>
+        <p:spPr/>
+        <p:txBody>
+          <a:bodyPr/>
+          <a:lstStyle/>
+          <a:p>
+            <a:r>
+              <a:rPr lang="en-US" dirty="0"/>
+              <a:t>Add a Slide Title - 2</a:t>
+            </a:r>
+          </a:p>
+        </p:txBody>
+      </p:sp>
+      <p:sp>
+        <p:nvSpPr>
+          <p:cNvPr id="13" name="Text Placeholder 12"/>
+          <p:cNvSpPr>
+            <a:spLocks noGrp="1"/>
+          </p:cNvSpPr>
+          <p:nvPr>
+            <p:ph type="body" idx="1"/>
+          </p:nvPr>
+        </p:nvSpPr>
+        <p:spPr/>
+        <p:txBody>
+          <a:bodyPr/>
+          <a:lstStyle/>
+          <a:p>
+            <a:endParaRPr lang="en-US" dirty="0"/>
+          </a:p>
+        </p:txBody>
+      </p:sp>
+      <p:sp>
+        <p:nvSpPr>
+          <p:cNvPr id="14" name="Content Placeholder 13"/>
+          <p:cNvSpPr>
+            <a:spLocks noGrp="1"/>
+          </p:cNvSpPr>
+          <p:nvPr>
+            <p:ph sz="half" idx="2"/>
+          </p:nvPr>
+        </p:nvSpPr>
+        <p:spPr/>
+        <p:txBody>
+          <a:bodyPr/>
+          <a:lstStyle/>
+          <a:p>
+            <a:endParaRPr lang="en-US" dirty="0"/>
+          </a:p>
+        </p:txBody>
+      </p:sp>
+      <p:sp>
+        <p:nvSpPr>
+          <p:cNvPr id="15" name="Text Placeholder 14"/>
+          <p:cNvSpPr>
+            <a:spLocks noGrp="1"/>
+          </p:cNvSpPr>
+          <p:nvPr>
+            <p:ph type="body" sz="quarter" idx="3"/>
+          </p:nvPr>
+        </p:nvSpPr>
+        <p:spPr/>
+        <p:txBody>
+          <a:bodyPr/>
+          <a:lstStyle/>
+          <a:p>
+            <a:endParaRPr lang="en-US" dirty="0"/>
+          </a:p>
+        </p:txBody>
+      </p:sp>
+      <p:sp>
+        <p:nvSpPr>
+          <p:cNvPr id="16" name="Content Placeholder 15"/>
+          <p:cNvSpPr>
+            <a:spLocks noGrp="1"/>
+          </p:cNvSpPr>
+          <p:nvPr>
+            <p:ph sz="quarter" idx="4"/>
+          </p:nvPr>
+        </p:nvSpPr>
+        <p:spPr/>
+        <p:txBody>
+          <a:bodyPr/>
+          <a:lstStyle/>
+          <a:p>
+            <a:endParaRPr lang="en-US" dirty="0"/>
+          </a:p>
+        </p:txBody>
+      </p:sp>
+    </p:spTree>
+    <p:extLst>
+      <p:ext uri="{BB962C8B-B14F-4D97-AF65-F5344CB8AC3E}">
+        <p14:creationId xmlns:p14="http://schemas.microsoft.com/office/powerpoint/2010/main" val="1959229043"/>
+      </p:ext>
+    </p:extLst>
+  </p:cSld>
+  <p:clrMapOvr>
+    <a:masterClrMapping/>
+  </p:clrMapOvr>
+  <mc:AlternateContent xmlns:mc="http://schemas.openxmlformats.org/markup-compatibility/2006" xmlns:p14="http://schemas.microsoft.com/office/powerpoint/2010/main">
+    <mc:Choice Requires="p14">
+      <p:transition spd="med" p14:dur="700">
+        <p:fade/>
+      </p:transition>
+    </mc:Choice>
+    <mc:Fallback xmlns="">
+      <p:transition spd="med">
+        <p:fade/>
+      </p:transition>
+    </mc:Fallback>
+  </mc:AlternateContent>
+</p:sld>
+</file>
+
+<file path=ppt/slides/slide9.xml><?xml version="1.0" encoding="utf-8"?>
 <p:sld xmlns:a="http://schemas.openxmlformats.org/drawingml/2006/main" xmlns:r="http://schemas.openxmlformats.org/officeDocument/2006/relationships" xmlns:p="http://schemas.openxmlformats.org/presentationml/2006/main">
   <p:cSld>
     <p:spTree>
@@ -11454,458 +13230,6 @@
     <p:extLst>
       <p:ext uri="{BB962C8B-B14F-4D97-AF65-F5344CB8AC3E}">
         <p14:creationId xmlns:p14="http://schemas.microsoft.com/office/powerpoint/2010/main" val="762081027"/>
-      </p:ext>
-    </p:extLst>
-  </p:cSld>
-  <p:clrMapOvr>
-    <a:masterClrMapping/>
-  </p:clrMapOvr>
-  <mc:AlternateContent xmlns:mc="http://schemas.openxmlformats.org/markup-compatibility/2006" xmlns:p14="http://schemas.microsoft.com/office/powerpoint/2010/main">
-    <mc:Choice Requires="p14">
-      <p:transition spd="med" p14:dur="700">
-        <p:fade/>
-      </p:transition>
-    </mc:Choice>
-    <mc:Fallback xmlns="">
-      <p:transition spd="med">
-        <p:fade/>
-      </p:transition>
-    </mc:Fallback>
-  </mc:AlternateContent>
-</p:sld>
-</file>
-
-<file path=ppt/slides/slide5.xml><?xml version="1.0" encoding="utf-8"?>
-<p:sld xmlns:a="http://schemas.openxmlformats.org/drawingml/2006/main" xmlns:r="http://schemas.openxmlformats.org/officeDocument/2006/relationships" xmlns:p="http://schemas.openxmlformats.org/presentationml/2006/main">
-  <p:cSld>
-    <p:spTree>
-      <p:nvGrpSpPr>
-        <p:cNvPr id="1" name=""/>
-        <p:cNvGrpSpPr/>
-        <p:nvPr/>
-      </p:nvGrpSpPr>
-      <p:grpSpPr>
-        <a:xfrm>
-          <a:off x="0" y="0"/>
-          <a:ext cx="0" cy="0"/>
-          <a:chOff x="0" y="0"/>
-          <a:chExt cx="0" cy="0"/>
-        </a:xfrm>
-      </p:grpSpPr>
-      <p:sp>
-        <p:nvSpPr>
-          <p:cNvPr id="2" name="Title 1"/>
-          <p:cNvSpPr>
-            <a:spLocks noGrp="1"/>
-          </p:cNvSpPr>
-          <p:nvPr>
-            <p:ph type="title"/>
-          </p:nvPr>
-        </p:nvSpPr>
-        <p:spPr/>
-        <p:txBody>
-          <a:bodyPr/>
-          <a:lstStyle/>
-          <a:p>
-            <a:r>
-              <a:rPr lang="en-US" dirty="0"/>
-              <a:t>Two content layout with SmartArt</a:t>
-            </a:r>
-          </a:p>
-        </p:txBody>
-      </p:sp>
-      <p:sp>
-        <p:nvSpPr>
-          <p:cNvPr id="3" name="Content Placeholder 2"/>
-          <p:cNvSpPr>
-            <a:spLocks noGrp="1"/>
-          </p:cNvSpPr>
-          <p:nvPr>
-            <p:ph sz="half" idx="1"/>
-          </p:nvPr>
-        </p:nvSpPr>
-        <p:spPr/>
-        <p:txBody>
-          <a:bodyPr/>
-          <a:lstStyle/>
-          <a:p>
-            <a:r>
-              <a:rPr lang="en-US" dirty="0"/>
-              <a:t>First bullet point here</a:t>
-            </a:r>
-          </a:p>
-          <a:p>
-            <a:r>
-              <a:rPr lang="en-US" dirty="0"/>
-              <a:t>Second bullet point here</a:t>
-            </a:r>
-          </a:p>
-          <a:p>
-            <a:r>
-              <a:rPr lang="en-US" dirty="0"/>
-              <a:t>Third bullet point here</a:t>
-            </a:r>
-          </a:p>
-        </p:txBody>
-      </p:sp>
-      <p:graphicFrame>
-        <p:nvGraphicFramePr>
-          <p:cNvPr id="5" name="Content Placeholder 4" descr="Converging radial diagram showing relationship of 3 steps pointing towards a central goal"/>
-          <p:cNvGraphicFramePr>
-            <a:graphicFrameLocks noGrp="1"/>
-          </p:cNvGraphicFramePr>
-          <p:nvPr>
-            <p:ph sz="half" idx="2"/>
-            <p:extLst>
-              <p:ext uri="{D42A27DB-BD31-4B8C-83A1-F6EECF244321}">
-                <p14:modId xmlns:p14="http://schemas.microsoft.com/office/powerpoint/2010/main" val="1704932073"/>
-              </p:ext>
-            </p:extLst>
-          </p:nvPr>
-        </p:nvGraphicFramePr>
-        <p:xfrm>
-          <a:off x="5089525" y="2160588"/>
-          <a:ext cx="4184650" cy="3881437"/>
-        </p:xfrm>
-        <a:graphic>
-          <a:graphicData uri="http://schemas.openxmlformats.org/drawingml/2006/diagram">
-            <dgm:relIds xmlns:dgm="http://schemas.openxmlformats.org/drawingml/2006/diagram" xmlns:r="http://schemas.openxmlformats.org/officeDocument/2006/relationships" r:dm="rId2" r:lo="rId3" r:qs="rId4" r:cs="rId5"/>
-          </a:graphicData>
-        </a:graphic>
-      </p:graphicFrame>
-    </p:spTree>
-    <p:extLst>
-      <p:ext uri="{BB962C8B-B14F-4D97-AF65-F5344CB8AC3E}">
-        <p14:creationId xmlns:p14="http://schemas.microsoft.com/office/powerpoint/2010/main" val="249977872"/>
-      </p:ext>
-    </p:extLst>
-  </p:cSld>
-  <p:clrMapOvr>
-    <a:masterClrMapping/>
-  </p:clrMapOvr>
-  <mc:AlternateContent xmlns:mc="http://schemas.openxmlformats.org/markup-compatibility/2006" xmlns:p14="http://schemas.microsoft.com/office/powerpoint/2010/main">
-    <mc:Choice Requires="p14">
-      <p:transition spd="med" p14:dur="700">
-        <p:fade/>
-      </p:transition>
-    </mc:Choice>
-    <mc:Fallback xmlns="">
-      <p:transition spd="med">
-        <p:fade/>
-      </p:transition>
-    </mc:Fallback>
-  </mc:AlternateContent>
-</p:sld>
-</file>
-
-<file path=ppt/slides/slide6.xml><?xml version="1.0" encoding="utf-8"?>
-<p:sld xmlns:a="http://schemas.openxmlformats.org/drawingml/2006/main" xmlns:r="http://schemas.openxmlformats.org/officeDocument/2006/relationships" xmlns:p="http://schemas.openxmlformats.org/presentationml/2006/main">
-  <p:cSld>
-    <p:spTree>
-      <p:nvGrpSpPr>
-        <p:cNvPr id="1" name=""/>
-        <p:cNvGrpSpPr/>
-        <p:nvPr/>
-      </p:nvGrpSpPr>
-      <p:grpSpPr>
-        <a:xfrm>
-          <a:off x="0" y="0"/>
-          <a:ext cx="0" cy="0"/>
-          <a:chOff x="0" y="0"/>
-          <a:chExt cx="0" cy="0"/>
-        </a:xfrm>
-      </p:grpSpPr>
-      <p:sp>
-        <p:nvSpPr>
-          <p:cNvPr id="4" name="Title 3"/>
-          <p:cNvSpPr>
-            <a:spLocks noGrp="1"/>
-          </p:cNvSpPr>
-          <p:nvPr>
-            <p:ph type="title"/>
-          </p:nvPr>
-        </p:nvSpPr>
-        <p:spPr/>
-        <p:txBody>
-          <a:bodyPr/>
-          <a:lstStyle/>
-          <a:p>
-            <a:r>
-              <a:rPr lang="en-US" dirty="0"/>
-              <a:t>Add a Slide Title - 1</a:t>
-            </a:r>
-          </a:p>
-        </p:txBody>
-      </p:sp>
-      <p:sp>
-        <p:nvSpPr>
-          <p:cNvPr id="2" name="Text Placeholder 1"/>
-          <p:cNvSpPr>
-            <a:spLocks noGrp="1"/>
-          </p:cNvSpPr>
-          <p:nvPr>
-            <p:ph type="body" idx="1"/>
-          </p:nvPr>
-        </p:nvSpPr>
-        <p:spPr/>
-        <p:txBody>
-          <a:bodyPr/>
-          <a:lstStyle/>
-          <a:p>
-            <a:endParaRPr lang="en-US" dirty="0"/>
-          </a:p>
-        </p:txBody>
-      </p:sp>
-    </p:spTree>
-    <p:extLst>
-      <p:ext uri="{BB962C8B-B14F-4D97-AF65-F5344CB8AC3E}">
-        <p14:creationId xmlns:p14="http://schemas.microsoft.com/office/powerpoint/2010/main" val="3999759775"/>
-      </p:ext>
-    </p:extLst>
-  </p:cSld>
-  <p:clrMapOvr>
-    <a:masterClrMapping/>
-  </p:clrMapOvr>
-  <mc:AlternateContent xmlns:mc="http://schemas.openxmlformats.org/markup-compatibility/2006" xmlns:p14="http://schemas.microsoft.com/office/powerpoint/2010/main">
-    <mc:Choice Requires="p14">
-      <p:transition spd="med" p14:dur="700">
-        <p:fade/>
-      </p:transition>
-    </mc:Choice>
-    <mc:Fallback xmlns="">
-      <p:transition spd="med">
-        <p:fade/>
-      </p:transition>
-    </mc:Fallback>
-  </mc:AlternateContent>
-</p:sld>
-</file>
-
-<file path=ppt/slides/slide7.xml><?xml version="1.0" encoding="utf-8"?>
-<p:sld xmlns:a="http://schemas.openxmlformats.org/drawingml/2006/main" xmlns:r="http://schemas.openxmlformats.org/officeDocument/2006/relationships" xmlns:p="http://schemas.openxmlformats.org/presentationml/2006/main">
-  <p:cSld>
-    <p:spTree>
-      <p:nvGrpSpPr>
-        <p:cNvPr id="1" name=""/>
-        <p:cNvGrpSpPr/>
-        <p:nvPr/>
-      </p:nvGrpSpPr>
-      <p:grpSpPr>
-        <a:xfrm>
-          <a:off x="0" y="0"/>
-          <a:ext cx="0" cy="0"/>
-          <a:chOff x="0" y="0"/>
-          <a:chExt cx="0" cy="0"/>
-        </a:xfrm>
-      </p:grpSpPr>
-      <p:sp>
-        <p:nvSpPr>
-          <p:cNvPr id="12" name="Title 11"/>
-          <p:cNvSpPr>
-            <a:spLocks noGrp="1"/>
-          </p:cNvSpPr>
-          <p:nvPr>
-            <p:ph type="title"/>
-          </p:nvPr>
-        </p:nvSpPr>
-        <p:spPr/>
-        <p:txBody>
-          <a:bodyPr/>
-          <a:lstStyle/>
-          <a:p>
-            <a:r>
-              <a:rPr lang="en-US" dirty="0"/>
-              <a:t>Add a Slide Title - 2</a:t>
-            </a:r>
-          </a:p>
-        </p:txBody>
-      </p:sp>
-      <p:sp>
-        <p:nvSpPr>
-          <p:cNvPr id="13" name="Text Placeholder 12"/>
-          <p:cNvSpPr>
-            <a:spLocks noGrp="1"/>
-          </p:cNvSpPr>
-          <p:nvPr>
-            <p:ph type="body" idx="1"/>
-          </p:nvPr>
-        </p:nvSpPr>
-        <p:spPr/>
-        <p:txBody>
-          <a:bodyPr/>
-          <a:lstStyle/>
-          <a:p>
-            <a:endParaRPr lang="en-US" dirty="0"/>
-          </a:p>
-        </p:txBody>
-      </p:sp>
-      <p:sp>
-        <p:nvSpPr>
-          <p:cNvPr id="14" name="Content Placeholder 13"/>
-          <p:cNvSpPr>
-            <a:spLocks noGrp="1"/>
-          </p:cNvSpPr>
-          <p:nvPr>
-            <p:ph sz="half" idx="2"/>
-          </p:nvPr>
-        </p:nvSpPr>
-        <p:spPr/>
-        <p:txBody>
-          <a:bodyPr/>
-          <a:lstStyle/>
-          <a:p>
-            <a:endParaRPr lang="en-US" dirty="0"/>
-          </a:p>
-        </p:txBody>
-      </p:sp>
-      <p:sp>
-        <p:nvSpPr>
-          <p:cNvPr id="15" name="Text Placeholder 14"/>
-          <p:cNvSpPr>
-            <a:spLocks noGrp="1"/>
-          </p:cNvSpPr>
-          <p:nvPr>
-            <p:ph type="body" sz="quarter" idx="3"/>
-          </p:nvPr>
-        </p:nvSpPr>
-        <p:spPr/>
-        <p:txBody>
-          <a:bodyPr/>
-          <a:lstStyle/>
-          <a:p>
-            <a:endParaRPr lang="en-US" dirty="0"/>
-          </a:p>
-        </p:txBody>
-      </p:sp>
-      <p:sp>
-        <p:nvSpPr>
-          <p:cNvPr id="16" name="Content Placeholder 15"/>
-          <p:cNvSpPr>
-            <a:spLocks noGrp="1"/>
-          </p:cNvSpPr>
-          <p:nvPr>
-            <p:ph sz="quarter" idx="4"/>
-          </p:nvPr>
-        </p:nvSpPr>
-        <p:spPr/>
-        <p:txBody>
-          <a:bodyPr/>
-          <a:lstStyle/>
-          <a:p>
-            <a:endParaRPr lang="en-US" dirty="0"/>
-          </a:p>
-        </p:txBody>
-      </p:sp>
-    </p:spTree>
-    <p:extLst>
-      <p:ext uri="{BB962C8B-B14F-4D97-AF65-F5344CB8AC3E}">
-        <p14:creationId xmlns:p14="http://schemas.microsoft.com/office/powerpoint/2010/main" val="1428607047"/>
-      </p:ext>
-    </p:extLst>
-  </p:cSld>
-  <p:clrMapOvr>
-    <a:masterClrMapping/>
-  </p:clrMapOvr>
-  <mc:AlternateContent xmlns:mc="http://schemas.openxmlformats.org/markup-compatibility/2006" xmlns:p14="http://schemas.microsoft.com/office/powerpoint/2010/main">
-    <mc:Choice Requires="p14">
-      <p:transition spd="med" p14:dur="700">
-        <p:fade/>
-      </p:transition>
-    </mc:Choice>
-    <mc:Fallback xmlns="">
-      <p:transition spd="med">
-        <p:fade/>
-      </p:transition>
-    </mc:Fallback>
-  </mc:AlternateContent>
-</p:sld>
-</file>
-
-<file path=ppt/slides/slide8.xml><?xml version="1.0" encoding="utf-8"?>
-<p:sld xmlns:a="http://schemas.openxmlformats.org/drawingml/2006/main" xmlns:r="http://schemas.openxmlformats.org/officeDocument/2006/relationships" xmlns:p="http://schemas.openxmlformats.org/presentationml/2006/main">
-  <p:cSld>
-    <p:spTree>
-      <p:nvGrpSpPr>
-        <p:cNvPr id="1" name=""/>
-        <p:cNvGrpSpPr/>
-        <p:nvPr/>
-      </p:nvGrpSpPr>
-      <p:grpSpPr>
-        <a:xfrm>
-          <a:off x="0" y="0"/>
-          <a:ext cx="0" cy="0"/>
-          <a:chOff x="0" y="0"/>
-          <a:chExt cx="0" cy="0"/>
-        </a:xfrm>
-      </p:grpSpPr>
-      <p:sp>
-        <p:nvSpPr>
-          <p:cNvPr id="4" name="Title 3"/>
-          <p:cNvSpPr>
-            <a:spLocks noGrp="1"/>
-          </p:cNvSpPr>
-          <p:nvPr>
-            <p:ph type="title"/>
-          </p:nvPr>
-        </p:nvSpPr>
-        <p:spPr/>
-        <p:txBody>
-          <a:bodyPr/>
-          <a:lstStyle/>
-          <a:p>
-            <a:r>
-              <a:rPr lang="en-US" dirty="0"/>
-              <a:t>Add a Slide Title - 3</a:t>
-            </a:r>
-          </a:p>
-        </p:txBody>
-      </p:sp>
-    </p:spTree>
-    <p:extLst>
-      <p:ext uri="{BB962C8B-B14F-4D97-AF65-F5344CB8AC3E}">
-        <p14:creationId xmlns:p14="http://schemas.microsoft.com/office/powerpoint/2010/main" val="3757355931"/>
-      </p:ext>
-    </p:extLst>
-  </p:cSld>
-  <p:clrMapOvr>
-    <a:masterClrMapping/>
-  </p:clrMapOvr>
-  <mc:AlternateContent xmlns:mc="http://schemas.openxmlformats.org/markup-compatibility/2006" xmlns:p14="http://schemas.microsoft.com/office/powerpoint/2010/main">
-    <mc:Choice Requires="p14">
-      <p:transition spd="med" p14:dur="700">
-        <p:fade/>
-      </p:transition>
-    </mc:Choice>
-    <mc:Fallback xmlns="">
-      <p:transition spd="med">
-        <p:fade/>
-      </p:transition>
-    </mc:Fallback>
-  </mc:AlternateContent>
-</p:sld>
-</file>
-
-<file path=ppt/slides/slide9.xml><?xml version="1.0" encoding="utf-8"?>
-<p:sld xmlns:a="http://schemas.openxmlformats.org/drawingml/2006/main" xmlns:r="http://schemas.openxmlformats.org/officeDocument/2006/relationships" xmlns:p="http://schemas.openxmlformats.org/presentationml/2006/main">
-  <p:cSld>
-    <p:spTree>
-      <p:nvGrpSpPr>
-        <p:cNvPr id="1" name=""/>
-        <p:cNvGrpSpPr/>
-        <p:nvPr/>
-      </p:nvGrpSpPr>
-      <p:grpSpPr>
-        <a:xfrm>
-          <a:off x="0" y="0"/>
-          <a:ext cx="0" cy="0"/>
-          <a:chOff x="0" y="0"/>
-          <a:chExt cx="0" cy="0"/>
-        </a:xfrm>
-      </p:grpSpPr>
-    </p:spTree>
-    <p:extLst>
-      <p:ext uri="{BB962C8B-B14F-4D97-AF65-F5344CB8AC3E}">
-        <p14:creationId xmlns:p14="http://schemas.microsoft.com/office/powerpoint/2010/main" val="726169185"/>
       </p:ext>
     </p:extLst>
   </p:cSld>

--- a/Florida_Electric_Vehicles.pptx
+++ b/Florida_Electric_Vehicles.pptx
@@ -5,31 +5,33 @@
     <p:sldMasterId id="2147483700" r:id="rId1"/>
   </p:sldMasterIdLst>
   <p:notesMasterIdLst>
-    <p:notesMasterId r:id="rId21"/>
+    <p:notesMasterId r:id="rId23"/>
   </p:notesMasterIdLst>
   <p:handoutMasterIdLst>
-    <p:handoutMasterId r:id="rId22"/>
+    <p:handoutMasterId r:id="rId24"/>
   </p:handoutMasterIdLst>
   <p:sldIdLst>
     <p:sldId id="267" r:id="rId2"/>
-    <p:sldId id="268" r:id="rId3"/>
-    <p:sldId id="278" r:id="rId4"/>
-    <p:sldId id="279" r:id="rId5"/>
-    <p:sldId id="280" r:id="rId6"/>
-    <p:sldId id="269" r:id="rId7"/>
-    <p:sldId id="282" r:id="rId8"/>
-    <p:sldId id="283" r:id="rId9"/>
-    <p:sldId id="270" r:id="rId10"/>
-    <p:sldId id="285" r:id="rId11"/>
-    <p:sldId id="271" r:id="rId12"/>
-    <p:sldId id="284" r:id="rId13"/>
-    <p:sldId id="273" r:id="rId14"/>
-    <p:sldId id="274" r:id="rId15"/>
-    <p:sldId id="275" r:id="rId16"/>
-    <p:sldId id="281" r:id="rId17"/>
-    <p:sldId id="286" r:id="rId18"/>
-    <p:sldId id="276" r:id="rId19"/>
-    <p:sldId id="277" r:id="rId20"/>
+    <p:sldId id="287" r:id="rId3"/>
+    <p:sldId id="288" r:id="rId4"/>
+    <p:sldId id="289" r:id="rId5"/>
+    <p:sldId id="290" r:id="rId6"/>
+    <p:sldId id="291" r:id="rId7"/>
+    <p:sldId id="278" r:id="rId8"/>
+    <p:sldId id="269" r:id="rId9"/>
+    <p:sldId id="282" r:id="rId10"/>
+    <p:sldId id="283" r:id="rId11"/>
+    <p:sldId id="270" r:id="rId12"/>
+    <p:sldId id="285" r:id="rId13"/>
+    <p:sldId id="271" r:id="rId14"/>
+    <p:sldId id="284" r:id="rId15"/>
+    <p:sldId id="273" r:id="rId16"/>
+    <p:sldId id="274" r:id="rId17"/>
+    <p:sldId id="275" r:id="rId18"/>
+    <p:sldId id="281" r:id="rId19"/>
+    <p:sldId id="286" r:id="rId20"/>
+    <p:sldId id="276" r:id="rId21"/>
+    <p:sldId id="277" r:id="rId22"/>
   </p:sldIdLst>
   <p:sldSz cx="12192000" cy="6858000"/>
   <p:notesSz cx="6858000" cy="9144000"/>
@@ -164,6 +166,1185 @@
     </mc:Fallback>
   </mc:AlternateContent>
   <c:chart>
+    <c:title>
+      <c:tx>
+        <c:rich>
+          <a:bodyPr rot="0" spcFirstLastPara="1" vertOverflow="ellipsis" vert="horz" wrap="square" anchor="ctr" anchorCtr="1"/>
+          <a:lstStyle/>
+          <a:p>
+            <a:pPr>
+              <a:defRPr sz="1400" b="0" i="0" u="none" strike="noStrike" kern="1200" spc="0" baseline="0">
+                <a:solidFill>
+                  <a:schemeClr val="tx1">
+                    <a:lumMod val="65000"/>
+                    <a:lumOff val="35000"/>
+                  </a:schemeClr>
+                </a:solidFill>
+                <a:latin typeface="+mn-lt"/>
+                <a:ea typeface="+mn-ea"/>
+                <a:cs typeface="+mn-cs"/>
+              </a:defRPr>
+            </a:pPr>
+            <a:r>
+              <a:rPr lang="en-US" dirty="0"/>
+              <a:t>Emission</a:t>
+            </a:r>
+            <a:r>
+              <a:rPr lang="en-US" baseline="0" dirty="0"/>
+              <a:t> Residential Sector </a:t>
+            </a:r>
+            <a:endParaRPr lang="en-US" dirty="0"/>
+          </a:p>
+        </c:rich>
+      </c:tx>
+      <c:overlay val="0"/>
+      <c:spPr>
+        <a:noFill/>
+        <a:ln>
+          <a:noFill/>
+        </a:ln>
+        <a:effectLst/>
+      </c:spPr>
+      <c:txPr>
+        <a:bodyPr rot="0" spcFirstLastPara="1" vertOverflow="ellipsis" vert="horz" wrap="square" anchor="ctr" anchorCtr="1"/>
+        <a:lstStyle/>
+        <a:p>
+          <a:pPr>
+            <a:defRPr sz="1400" b="0" i="0" u="none" strike="noStrike" kern="1200" spc="0" baseline="0">
+              <a:solidFill>
+                <a:schemeClr val="tx1">
+                  <a:lumMod val="65000"/>
+                  <a:lumOff val="35000"/>
+                </a:schemeClr>
+              </a:solidFill>
+              <a:latin typeface="+mn-lt"/>
+              <a:ea typeface="+mn-ea"/>
+              <a:cs typeface="+mn-cs"/>
+            </a:defRPr>
+          </a:pPr>
+          <a:endParaRPr lang="en-US"/>
+        </a:p>
+      </c:txPr>
+    </c:title>
+    <c:autoTitleDeleted val="0"/>
+    <c:plotArea>
+      <c:layout/>
+      <c:barChart>
+        <c:barDir val="col"/>
+        <c:grouping val="stacked"/>
+        <c:varyColors val="0"/>
+        <c:ser>
+          <c:idx val="0"/>
+          <c:order val="0"/>
+          <c:tx>
+            <c:strRef>
+              <c:f>emissions_residential_sector_CO!$A$2</c:f>
+              <c:strCache>
+                <c:ptCount val="1"/>
+                <c:pt idx="0">
+                  <c:v>Fossil fuel combustion: carbon dioxide</c:v>
+                </c:pt>
+              </c:strCache>
+            </c:strRef>
+          </c:tx>
+          <c:spPr>
+            <a:solidFill>
+              <a:schemeClr val="accent1"/>
+            </a:solidFill>
+            <a:ln>
+              <a:noFill/>
+            </a:ln>
+            <a:effectLst/>
+          </c:spPr>
+          <c:invertIfNegative val="0"/>
+          <c:cat>
+            <c:numRef>
+              <c:f>emissions_residential_sector_CO!$B$1:$AE$1</c:f>
+              <c:numCache>
+                <c:formatCode>General</c:formatCode>
+                <c:ptCount val="30"/>
+                <c:pt idx="0">
+                  <c:v>1990</c:v>
+                </c:pt>
+                <c:pt idx="1">
+                  <c:v>1991</c:v>
+                </c:pt>
+                <c:pt idx="2">
+                  <c:v>1992</c:v>
+                </c:pt>
+                <c:pt idx="3">
+                  <c:v>1993</c:v>
+                </c:pt>
+                <c:pt idx="4">
+                  <c:v>1994</c:v>
+                </c:pt>
+                <c:pt idx="5">
+                  <c:v>1995</c:v>
+                </c:pt>
+                <c:pt idx="6">
+                  <c:v>1996</c:v>
+                </c:pt>
+                <c:pt idx="7">
+                  <c:v>1997</c:v>
+                </c:pt>
+                <c:pt idx="8">
+                  <c:v>1998</c:v>
+                </c:pt>
+                <c:pt idx="9">
+                  <c:v>1999</c:v>
+                </c:pt>
+                <c:pt idx="10">
+                  <c:v>2000</c:v>
+                </c:pt>
+                <c:pt idx="11">
+                  <c:v>2001</c:v>
+                </c:pt>
+                <c:pt idx="12">
+                  <c:v>2002</c:v>
+                </c:pt>
+                <c:pt idx="13">
+                  <c:v>2003</c:v>
+                </c:pt>
+                <c:pt idx="14">
+                  <c:v>2004</c:v>
+                </c:pt>
+                <c:pt idx="15">
+                  <c:v>2005</c:v>
+                </c:pt>
+                <c:pt idx="16">
+                  <c:v>2006</c:v>
+                </c:pt>
+                <c:pt idx="17">
+                  <c:v>2007</c:v>
+                </c:pt>
+                <c:pt idx="18">
+                  <c:v>2008</c:v>
+                </c:pt>
+                <c:pt idx="19">
+                  <c:v>2009</c:v>
+                </c:pt>
+                <c:pt idx="20">
+                  <c:v>2010</c:v>
+                </c:pt>
+                <c:pt idx="21">
+                  <c:v>2011</c:v>
+                </c:pt>
+                <c:pt idx="22">
+                  <c:v>2012</c:v>
+                </c:pt>
+                <c:pt idx="23">
+                  <c:v>2013</c:v>
+                </c:pt>
+                <c:pt idx="24">
+                  <c:v>2014</c:v>
+                </c:pt>
+                <c:pt idx="25">
+                  <c:v>2015</c:v>
+                </c:pt>
+                <c:pt idx="26">
+                  <c:v>2016</c:v>
+                </c:pt>
+                <c:pt idx="27">
+                  <c:v>2017</c:v>
+                </c:pt>
+                <c:pt idx="28">
+                  <c:v>2018</c:v>
+                </c:pt>
+                <c:pt idx="29">
+                  <c:v>2019</c:v>
+                </c:pt>
+              </c:numCache>
+            </c:numRef>
+          </c:cat>
+          <c:val>
+            <c:numRef>
+              <c:f>emissions_residential_sector_CO!$B$2:$AE$2</c:f>
+              <c:numCache>
+                <c:formatCode>General</c:formatCode>
+                <c:ptCount val="30"/>
+                <c:pt idx="0">
+                  <c:v>338.5780196</c:v>
+                </c:pt>
+                <c:pt idx="1">
+                  <c:v>347.71941859999998</c:v>
+                </c:pt>
+                <c:pt idx="2">
+                  <c:v>353.98869120000001</c:v>
+                </c:pt>
+                <c:pt idx="3">
+                  <c:v>366.09092320000002</c:v>
+                </c:pt>
+                <c:pt idx="4">
+                  <c:v>357.04969940000001</c:v>
+                </c:pt>
+                <c:pt idx="5">
+                  <c:v>353.13357660000003</c:v>
+                </c:pt>
+                <c:pt idx="6">
+                  <c:v>383.4744354</c:v>
+                </c:pt>
+                <c:pt idx="7">
+                  <c:v>365.03334580000001</c:v>
+                </c:pt>
+                <c:pt idx="8">
+                  <c:v>331.61015450000002</c:v>
+                </c:pt>
+                <c:pt idx="9">
+                  <c:v>350.90677240000002</c:v>
+                </c:pt>
+                <c:pt idx="10">
+                  <c:v>371.7029627</c:v>
+                </c:pt>
+                <c:pt idx="11">
+                  <c:v>363.0528296</c:v>
+                </c:pt>
+                <c:pt idx="12">
+                  <c:v>361.08249330000001</c:v>
+                </c:pt>
+                <c:pt idx="13">
+                  <c:v>380.1255352</c:v>
+                </c:pt>
+                <c:pt idx="14">
+                  <c:v>369.0604692</c:v>
+                </c:pt>
+                <c:pt idx="15">
+                  <c:v>358.8975107</c:v>
+                </c:pt>
+                <c:pt idx="16">
+                  <c:v>321.725796</c:v>
+                </c:pt>
+                <c:pt idx="17">
+                  <c:v>341.17109699999997</c:v>
+                </c:pt>
+                <c:pt idx="18">
+                  <c:v>347.88946320000002</c:v>
+                </c:pt>
+                <c:pt idx="19">
+                  <c:v>336.42386420000003</c:v>
+                </c:pt>
+                <c:pt idx="20">
+                  <c:v>334.7508833</c:v>
+                </c:pt>
+                <c:pt idx="21">
+                  <c:v>326.15125719999998</c:v>
+                </c:pt>
+                <c:pt idx="22">
+                  <c:v>282.36681249999998</c:v>
+                </c:pt>
+                <c:pt idx="23">
+                  <c:v>329.11063610000002</c:v>
+                </c:pt>
+                <c:pt idx="24">
+                  <c:v>346.53950120000002</c:v>
+                </c:pt>
+                <c:pt idx="25">
+                  <c:v>317.3040292</c:v>
+                </c:pt>
+                <c:pt idx="26">
+                  <c:v>292.76413559999997</c:v>
+                </c:pt>
+                <c:pt idx="27">
+                  <c:v>293.39743390000001</c:v>
+                </c:pt>
+                <c:pt idx="28">
+                  <c:v>338.0582526</c:v>
+                </c:pt>
+                <c:pt idx="29">
+                  <c:v>336.75180540000002</c:v>
+                </c:pt>
+              </c:numCache>
+            </c:numRef>
+          </c:val>
+          <c:extLst>
+            <c:ext xmlns:c16="http://schemas.microsoft.com/office/drawing/2014/chart" uri="{C3380CC4-5D6E-409C-BE32-E72D297353CC}">
+              <c16:uniqueId val="{00000000-321A-44EA-B286-7C1F2B4A7407}"/>
+            </c:ext>
+          </c:extLst>
+        </c:ser>
+        <c:ser>
+          <c:idx val="1"/>
+          <c:order val="1"/>
+          <c:tx>
+            <c:strRef>
+              <c:f>emissions_residential_sector_CO!$A$3</c:f>
+              <c:strCache>
+                <c:ptCount val="1"/>
+                <c:pt idx="0">
+                  <c:v>Use of fluorinated gases</c:v>
+                </c:pt>
+              </c:strCache>
+            </c:strRef>
+          </c:tx>
+          <c:spPr>
+            <a:solidFill>
+              <a:schemeClr val="accent2"/>
+            </a:solidFill>
+            <a:ln>
+              <a:noFill/>
+            </a:ln>
+            <a:effectLst/>
+          </c:spPr>
+          <c:invertIfNegative val="0"/>
+          <c:cat>
+            <c:numRef>
+              <c:f>emissions_residential_sector_CO!$B$1:$AE$1</c:f>
+              <c:numCache>
+                <c:formatCode>General</c:formatCode>
+                <c:ptCount val="30"/>
+                <c:pt idx="0">
+                  <c:v>1990</c:v>
+                </c:pt>
+                <c:pt idx="1">
+                  <c:v>1991</c:v>
+                </c:pt>
+                <c:pt idx="2">
+                  <c:v>1992</c:v>
+                </c:pt>
+                <c:pt idx="3">
+                  <c:v>1993</c:v>
+                </c:pt>
+                <c:pt idx="4">
+                  <c:v>1994</c:v>
+                </c:pt>
+                <c:pt idx="5">
+                  <c:v>1995</c:v>
+                </c:pt>
+                <c:pt idx="6">
+                  <c:v>1996</c:v>
+                </c:pt>
+                <c:pt idx="7">
+                  <c:v>1997</c:v>
+                </c:pt>
+                <c:pt idx="8">
+                  <c:v>1998</c:v>
+                </c:pt>
+                <c:pt idx="9">
+                  <c:v>1999</c:v>
+                </c:pt>
+                <c:pt idx="10">
+                  <c:v>2000</c:v>
+                </c:pt>
+                <c:pt idx="11">
+                  <c:v>2001</c:v>
+                </c:pt>
+                <c:pt idx="12">
+                  <c:v>2002</c:v>
+                </c:pt>
+                <c:pt idx="13">
+                  <c:v>2003</c:v>
+                </c:pt>
+                <c:pt idx="14">
+                  <c:v>2004</c:v>
+                </c:pt>
+                <c:pt idx="15">
+                  <c:v>2005</c:v>
+                </c:pt>
+                <c:pt idx="16">
+                  <c:v>2006</c:v>
+                </c:pt>
+                <c:pt idx="17">
+                  <c:v>2007</c:v>
+                </c:pt>
+                <c:pt idx="18">
+                  <c:v>2008</c:v>
+                </c:pt>
+                <c:pt idx="19">
+                  <c:v>2009</c:v>
+                </c:pt>
+                <c:pt idx="20">
+                  <c:v>2010</c:v>
+                </c:pt>
+                <c:pt idx="21">
+                  <c:v>2011</c:v>
+                </c:pt>
+                <c:pt idx="22">
+                  <c:v>2012</c:v>
+                </c:pt>
+                <c:pt idx="23">
+                  <c:v>2013</c:v>
+                </c:pt>
+                <c:pt idx="24">
+                  <c:v>2014</c:v>
+                </c:pt>
+                <c:pt idx="25">
+                  <c:v>2015</c:v>
+                </c:pt>
+                <c:pt idx="26">
+                  <c:v>2016</c:v>
+                </c:pt>
+                <c:pt idx="27">
+                  <c:v>2017</c:v>
+                </c:pt>
+                <c:pt idx="28">
+                  <c:v>2018</c:v>
+                </c:pt>
+                <c:pt idx="29">
+                  <c:v>2019</c:v>
+                </c:pt>
+              </c:numCache>
+            </c:numRef>
+          </c:cat>
+          <c:val>
+            <c:numRef>
+              <c:f>emissions_residential_sector_CO!$B$3:$AE$3</c:f>
+              <c:numCache>
+                <c:formatCode>General</c:formatCode>
+                <c:ptCount val="30"/>
+                <c:pt idx="0">
+                  <c:v>0.20712712</c:v>
+                </c:pt>
+                <c:pt idx="1">
+                  <c:v>0.45370608000000001</c:v>
+                </c:pt>
+                <c:pt idx="2">
+                  <c:v>0.45370608000000001</c:v>
+                </c:pt>
+                <c:pt idx="3">
+                  <c:v>0.45370608000000001</c:v>
+                </c:pt>
+                <c:pt idx="4">
+                  <c:v>0.46321558000000002</c:v>
+                </c:pt>
+                <c:pt idx="5">
+                  <c:v>8.6896685999999992</c:v>
+                </c:pt>
+                <c:pt idx="6">
+                  <c:v>10.004783400000001</c:v>
+                </c:pt>
+                <c:pt idx="7">
+                  <c:v>10.79784398</c:v>
+                </c:pt>
+                <c:pt idx="8">
+                  <c:v>10.833751080000001</c:v>
+                </c:pt>
+                <c:pt idx="9">
+                  <c:v>11.16076322</c:v>
+                </c:pt>
+                <c:pt idx="10">
+                  <c:v>11.369680450000001</c:v>
+                </c:pt>
+                <c:pt idx="11">
+                  <c:v>10.52838118</c:v>
+                </c:pt>
+                <c:pt idx="12">
+                  <c:v>9.6529482449999993</c:v>
+                </c:pt>
+                <c:pt idx="13">
+                  <c:v>8.8096078349999996</c:v>
+                </c:pt>
+                <c:pt idx="14">
+                  <c:v>7.9523416449999997</c:v>
+                </c:pt>
+                <c:pt idx="15">
+                  <c:v>7.18749123</c:v>
+                </c:pt>
+                <c:pt idx="16">
+                  <c:v>8.2245066199999997</c:v>
+                </c:pt>
+                <c:pt idx="17">
+                  <c:v>9.3260140450000009</c:v>
+                </c:pt>
+                <c:pt idx="18">
+                  <c:v>10.88942918</c:v>
+                </c:pt>
+                <c:pt idx="19">
+                  <c:v>12.759433059999999</c:v>
+                </c:pt>
+                <c:pt idx="20">
+                  <c:v>15.13640101</c:v>
+                </c:pt>
+                <c:pt idx="21">
+                  <c:v>17.460653529999998</c:v>
+                </c:pt>
+                <c:pt idx="22">
+                  <c:v>19.974936100000001</c:v>
+                </c:pt>
+                <c:pt idx="23">
+                  <c:v>22.774706739999999</c:v>
+                </c:pt>
+                <c:pt idx="24">
+                  <c:v>25.781775249999999</c:v>
+                </c:pt>
+                <c:pt idx="25">
+                  <c:v>28.861184900000001</c:v>
+                </c:pt>
+                <c:pt idx="26">
+                  <c:v>30.421347229999999</c:v>
+                </c:pt>
+                <c:pt idx="27">
+                  <c:v>32.002137019999999</c:v>
+                </c:pt>
+                <c:pt idx="28">
+                  <c:v>33.75678405</c:v>
+                </c:pt>
+                <c:pt idx="29">
+                  <c:v>37.243782950000003</c:v>
+                </c:pt>
+              </c:numCache>
+            </c:numRef>
+          </c:val>
+          <c:extLst>
+            <c:ext xmlns:c16="http://schemas.microsoft.com/office/drawing/2014/chart" uri="{C3380CC4-5D6E-409C-BE32-E72D297353CC}">
+              <c16:uniqueId val="{00000001-321A-44EA-B286-7C1F2B4A7407}"/>
+            </c:ext>
+          </c:extLst>
+        </c:ser>
+        <c:ser>
+          <c:idx val="2"/>
+          <c:order val="2"/>
+          <c:tx>
+            <c:strRef>
+              <c:f>emissions_residential_sector_CO!$A$4</c:f>
+              <c:strCache>
+                <c:ptCount val="1"/>
+                <c:pt idx="0">
+                  <c:v>Fossil fuel combustion: other greenhouse gases</c:v>
+                </c:pt>
+              </c:strCache>
+            </c:strRef>
+          </c:tx>
+          <c:spPr>
+            <a:solidFill>
+              <a:schemeClr val="accent3"/>
+            </a:solidFill>
+            <a:ln>
+              <a:noFill/>
+            </a:ln>
+            <a:effectLst/>
+          </c:spPr>
+          <c:invertIfNegative val="0"/>
+          <c:cat>
+            <c:numRef>
+              <c:f>emissions_residential_sector_CO!$B$1:$AE$1</c:f>
+              <c:numCache>
+                <c:formatCode>General</c:formatCode>
+                <c:ptCount val="30"/>
+                <c:pt idx="0">
+                  <c:v>1990</c:v>
+                </c:pt>
+                <c:pt idx="1">
+                  <c:v>1991</c:v>
+                </c:pt>
+                <c:pt idx="2">
+                  <c:v>1992</c:v>
+                </c:pt>
+                <c:pt idx="3">
+                  <c:v>1993</c:v>
+                </c:pt>
+                <c:pt idx="4">
+                  <c:v>1994</c:v>
+                </c:pt>
+                <c:pt idx="5">
+                  <c:v>1995</c:v>
+                </c:pt>
+                <c:pt idx="6">
+                  <c:v>1996</c:v>
+                </c:pt>
+                <c:pt idx="7">
+                  <c:v>1997</c:v>
+                </c:pt>
+                <c:pt idx="8">
+                  <c:v>1998</c:v>
+                </c:pt>
+                <c:pt idx="9">
+                  <c:v>1999</c:v>
+                </c:pt>
+                <c:pt idx="10">
+                  <c:v>2000</c:v>
+                </c:pt>
+                <c:pt idx="11">
+                  <c:v>2001</c:v>
+                </c:pt>
+                <c:pt idx="12">
+                  <c:v>2002</c:v>
+                </c:pt>
+                <c:pt idx="13">
+                  <c:v>2003</c:v>
+                </c:pt>
+                <c:pt idx="14">
+                  <c:v>2004</c:v>
+                </c:pt>
+                <c:pt idx="15">
+                  <c:v>2005</c:v>
+                </c:pt>
+                <c:pt idx="16">
+                  <c:v>2006</c:v>
+                </c:pt>
+                <c:pt idx="17">
+                  <c:v>2007</c:v>
+                </c:pt>
+                <c:pt idx="18">
+                  <c:v>2008</c:v>
+                </c:pt>
+                <c:pt idx="19">
+                  <c:v>2009</c:v>
+                </c:pt>
+                <c:pt idx="20">
+                  <c:v>2010</c:v>
+                </c:pt>
+                <c:pt idx="21">
+                  <c:v>2011</c:v>
+                </c:pt>
+                <c:pt idx="22">
+                  <c:v>2012</c:v>
+                </c:pt>
+                <c:pt idx="23">
+                  <c:v>2013</c:v>
+                </c:pt>
+                <c:pt idx="24">
+                  <c:v>2014</c:v>
+                </c:pt>
+                <c:pt idx="25">
+                  <c:v>2015</c:v>
+                </c:pt>
+                <c:pt idx="26">
+                  <c:v>2016</c:v>
+                </c:pt>
+                <c:pt idx="27">
+                  <c:v>2017</c:v>
+                </c:pt>
+                <c:pt idx="28">
+                  <c:v>2018</c:v>
+                </c:pt>
+                <c:pt idx="29">
+                  <c:v>2019</c:v>
+                </c:pt>
+              </c:numCache>
+            </c:numRef>
+          </c:cat>
+          <c:val>
+            <c:numRef>
+              <c:f>emissions_residential_sector_CO!$B$4:$AE$4</c:f>
+              <c:numCache>
+                <c:formatCode>General</c:formatCode>
+                <c:ptCount val="30"/>
+                <c:pt idx="0">
+                  <c:v>6.2856425079999996</c:v>
+                </c:pt>
+                <c:pt idx="1">
+                  <c:v>6.5166250369999998</c:v>
+                </c:pt>
+                <c:pt idx="2">
+                  <c:v>6.7796275250000004</c:v>
+                </c:pt>
+                <c:pt idx="3">
+                  <c:v>6.0678694550000003</c:v>
+                </c:pt>
+                <c:pt idx="4">
+                  <c:v>5.7472316460000004</c:v>
+                </c:pt>
+                <c:pt idx="5">
+                  <c:v>5.7002759059999999</c:v>
+                </c:pt>
+                <c:pt idx="6">
+                  <c:v>5.9755839130000004</c:v>
+                </c:pt>
+                <c:pt idx="7">
+                  <c:v>4.9974690549999998</c:v>
+                </c:pt>
+                <c:pt idx="8">
+                  <c:v>4.4293480240000003</c:v>
+                </c:pt>
+                <c:pt idx="9">
+                  <c:v>4.6169227680000002</c:v>
+                </c:pt>
+                <c:pt idx="10">
+                  <c:v>4.9198954309999996</c:v>
+                </c:pt>
+                <c:pt idx="11">
+                  <c:v>4.4956730609999997</c:v>
+                </c:pt>
+                <c:pt idx="12">
+                  <c:v>4.5512273969999999</c:v>
+                </c:pt>
+                <c:pt idx="13">
+                  <c:v>4.7938003340000002</c:v>
+                </c:pt>
+                <c:pt idx="14">
+                  <c:v>4.839624079</c:v>
+                </c:pt>
+                <c:pt idx="15">
+                  <c:v>4.9305267480000001</c:v>
+                </c:pt>
+                <c:pt idx="16">
+                  <c:v>4.3590973450000003</c:v>
+                </c:pt>
+                <c:pt idx="17">
+                  <c:v>4.7577441279999997</c:v>
+                </c:pt>
+                <c:pt idx="18">
+                  <c:v>5.1280892610000004</c:v>
+                </c:pt>
+                <c:pt idx="19">
+                  <c:v>5.3618501949999997</c:v>
+                </c:pt>
+                <c:pt idx="20">
+                  <c:v>5.6524439089999996</c:v>
+                </c:pt>
+                <c:pt idx="21">
+                  <c:v>5.477586617</c:v>
+                </c:pt>
+                <c:pt idx="22">
+                  <c:v>4.5972102069999998</c:v>
+                </c:pt>
+                <c:pt idx="23">
+                  <c:v>5.850521992</c:v>
+                </c:pt>
+                <c:pt idx="24">
+                  <c:v>5.9767031580000003</c:v>
+                </c:pt>
+                <c:pt idx="25">
+                  <c:v>5.3375674440000003</c:v>
+                </c:pt>
+                <c:pt idx="26">
+                  <c:v>4.6554785389999997</c:v>
+                </c:pt>
+                <c:pt idx="27">
+                  <c:v>4.5092989040000004</c:v>
+                </c:pt>
+                <c:pt idx="28">
+                  <c:v>5.4359980700000001</c:v>
+                </c:pt>
+                <c:pt idx="29">
+                  <c:v>5.5181412280000002</c:v>
+                </c:pt>
+              </c:numCache>
+            </c:numRef>
+          </c:val>
+          <c:extLst>
+            <c:ext xmlns:c16="http://schemas.microsoft.com/office/drawing/2014/chart" uri="{C3380CC4-5D6E-409C-BE32-E72D297353CC}">
+              <c16:uniqueId val="{00000002-321A-44EA-B286-7C1F2B4A7407}"/>
+            </c:ext>
+          </c:extLst>
+        </c:ser>
+        <c:ser>
+          <c:idx val="3"/>
+          <c:order val="3"/>
+          <c:tx>
+            <c:strRef>
+              <c:f>emissions_residential_sector_CO!$A$5</c:f>
+              <c:strCache>
+                <c:ptCount val="1"/>
+                <c:pt idx="0">
+                  <c:v>Total</c:v>
+                </c:pt>
+              </c:strCache>
+            </c:strRef>
+          </c:tx>
+          <c:spPr>
+            <a:solidFill>
+              <a:schemeClr val="accent4"/>
+            </a:solidFill>
+            <a:ln>
+              <a:noFill/>
+            </a:ln>
+            <a:effectLst/>
+          </c:spPr>
+          <c:invertIfNegative val="0"/>
+          <c:cat>
+            <c:numRef>
+              <c:f>emissions_residential_sector_CO!$B$1:$AE$1</c:f>
+              <c:numCache>
+                <c:formatCode>General</c:formatCode>
+                <c:ptCount val="30"/>
+                <c:pt idx="0">
+                  <c:v>1990</c:v>
+                </c:pt>
+                <c:pt idx="1">
+                  <c:v>1991</c:v>
+                </c:pt>
+                <c:pt idx="2">
+                  <c:v>1992</c:v>
+                </c:pt>
+                <c:pt idx="3">
+                  <c:v>1993</c:v>
+                </c:pt>
+                <c:pt idx="4">
+                  <c:v>1994</c:v>
+                </c:pt>
+                <c:pt idx="5">
+                  <c:v>1995</c:v>
+                </c:pt>
+                <c:pt idx="6">
+                  <c:v>1996</c:v>
+                </c:pt>
+                <c:pt idx="7">
+                  <c:v>1997</c:v>
+                </c:pt>
+                <c:pt idx="8">
+                  <c:v>1998</c:v>
+                </c:pt>
+                <c:pt idx="9">
+                  <c:v>1999</c:v>
+                </c:pt>
+                <c:pt idx="10">
+                  <c:v>2000</c:v>
+                </c:pt>
+                <c:pt idx="11">
+                  <c:v>2001</c:v>
+                </c:pt>
+                <c:pt idx="12">
+                  <c:v>2002</c:v>
+                </c:pt>
+                <c:pt idx="13">
+                  <c:v>2003</c:v>
+                </c:pt>
+                <c:pt idx="14">
+                  <c:v>2004</c:v>
+                </c:pt>
+                <c:pt idx="15">
+                  <c:v>2005</c:v>
+                </c:pt>
+                <c:pt idx="16">
+                  <c:v>2006</c:v>
+                </c:pt>
+                <c:pt idx="17">
+                  <c:v>2007</c:v>
+                </c:pt>
+                <c:pt idx="18">
+                  <c:v>2008</c:v>
+                </c:pt>
+                <c:pt idx="19">
+                  <c:v>2009</c:v>
+                </c:pt>
+                <c:pt idx="20">
+                  <c:v>2010</c:v>
+                </c:pt>
+                <c:pt idx="21">
+                  <c:v>2011</c:v>
+                </c:pt>
+                <c:pt idx="22">
+                  <c:v>2012</c:v>
+                </c:pt>
+                <c:pt idx="23">
+                  <c:v>2013</c:v>
+                </c:pt>
+                <c:pt idx="24">
+                  <c:v>2014</c:v>
+                </c:pt>
+                <c:pt idx="25">
+                  <c:v>2015</c:v>
+                </c:pt>
+                <c:pt idx="26">
+                  <c:v>2016</c:v>
+                </c:pt>
+                <c:pt idx="27">
+                  <c:v>2017</c:v>
+                </c:pt>
+                <c:pt idx="28">
+                  <c:v>2018</c:v>
+                </c:pt>
+                <c:pt idx="29">
+                  <c:v>2019</c:v>
+                </c:pt>
+              </c:numCache>
+            </c:numRef>
+          </c:cat>
+          <c:val>
+            <c:numRef>
+              <c:f>emissions_residential_sector_CO!$B$5:$AE$5</c:f>
+              <c:numCache>
+                <c:formatCode>General</c:formatCode>
+                <c:ptCount val="30"/>
+                <c:pt idx="0">
+                  <c:v>345.07078919999998</c:v>
+                </c:pt>
+                <c:pt idx="1">
+                  <c:v>354.68974969999999</c:v>
+                </c:pt>
+                <c:pt idx="2">
+                  <c:v>361.22202479999999</c:v>
+                </c:pt>
+                <c:pt idx="3">
+                  <c:v>372.61249880000003</c:v>
+                </c:pt>
+                <c:pt idx="4">
+                  <c:v>363.26014659999998</c:v>
+                </c:pt>
+                <c:pt idx="5">
+                  <c:v>367.52352109999998</c:v>
+                </c:pt>
+                <c:pt idx="6">
+                  <c:v>399.45480270000002</c:v>
+                </c:pt>
+                <c:pt idx="7">
+                  <c:v>380.82865889999999</c:v>
+                </c:pt>
+                <c:pt idx="8">
+                  <c:v>346.8732536</c:v>
+                </c:pt>
+                <c:pt idx="9">
+                  <c:v>366.68445839999998</c:v>
+                </c:pt>
+                <c:pt idx="10">
+                  <c:v>387.99253859999999</c:v>
+                </c:pt>
+                <c:pt idx="11">
+                  <c:v>378.07688389999998</c:v>
+                </c:pt>
+                <c:pt idx="12">
+                  <c:v>375.2866689</c:v>
+                </c:pt>
+                <c:pt idx="13">
+                  <c:v>393.72894339999999</c:v>
+                </c:pt>
+                <c:pt idx="14">
+                  <c:v>381.85243500000001</c:v>
+                </c:pt>
+                <c:pt idx="15">
+                  <c:v>371.0155287</c:v>
+                </c:pt>
+                <c:pt idx="16">
+                  <c:v>334.30939999999998</c:v>
+                </c:pt>
+                <c:pt idx="17">
+                  <c:v>355.25485520000001</c:v>
+                </c:pt>
+                <c:pt idx="18">
+                  <c:v>363.90698170000002</c:v>
+                </c:pt>
+                <c:pt idx="19">
+                  <c:v>354.54514749999998</c:v>
+                </c:pt>
+                <c:pt idx="20">
+                  <c:v>355.53972820000001</c:v>
+                </c:pt>
+                <c:pt idx="21">
+                  <c:v>349.08949740000003</c:v>
+                </c:pt>
+                <c:pt idx="22">
+                  <c:v>306.93895880000002</c:v>
+                </c:pt>
+                <c:pt idx="23">
+                  <c:v>357.73586490000002</c:v>
+                </c:pt>
+                <c:pt idx="24">
+                  <c:v>378.29797960000002</c:v>
+                </c:pt>
+                <c:pt idx="25">
+                  <c:v>351.50278150000003</c:v>
+                </c:pt>
+                <c:pt idx="26">
+                  <c:v>327.8409613</c:v>
+                </c:pt>
+                <c:pt idx="27">
+                  <c:v>329.90886979999999</c:v>
+                </c:pt>
+                <c:pt idx="28">
+                  <c:v>377.25103480000001</c:v>
+                </c:pt>
+                <c:pt idx="29">
+                  <c:v>379.51372959999998</c:v>
+                </c:pt>
+              </c:numCache>
+            </c:numRef>
+          </c:val>
+          <c:extLst>
+            <c:ext xmlns:c16="http://schemas.microsoft.com/office/drawing/2014/chart" uri="{C3380CC4-5D6E-409C-BE32-E72D297353CC}">
+              <c16:uniqueId val="{00000003-321A-44EA-B286-7C1F2B4A7407}"/>
+            </c:ext>
+          </c:extLst>
+        </c:ser>
+        <c:dLbls>
+          <c:showLegendKey val="0"/>
+          <c:showVal val="0"/>
+          <c:showCatName val="0"/>
+          <c:showSerName val="0"/>
+          <c:showPercent val="0"/>
+          <c:showBubbleSize val="0"/>
+        </c:dLbls>
+        <c:gapWidth val="150"/>
+        <c:overlap val="100"/>
+        <c:axId val="1133409263"/>
+        <c:axId val="1133424655"/>
+      </c:barChart>
+      <c:catAx>
+        <c:axId val="1133409263"/>
+        <c:scaling>
+          <c:orientation val="minMax"/>
+        </c:scaling>
+        <c:delete val="0"/>
+        <c:axPos val="b"/>
+        <c:numFmt formatCode="General" sourceLinked="1"/>
+        <c:majorTickMark val="none"/>
+        <c:minorTickMark val="none"/>
+        <c:tickLblPos val="nextTo"/>
+        <c:spPr>
+          <a:noFill/>
+          <a:ln w="9525" cap="flat" cmpd="sng" algn="ctr">
+            <a:solidFill>
+              <a:schemeClr val="tx1">
+                <a:lumMod val="15000"/>
+                <a:lumOff val="85000"/>
+              </a:schemeClr>
+            </a:solidFill>
+            <a:round/>
+          </a:ln>
+          <a:effectLst/>
+        </c:spPr>
+        <c:txPr>
+          <a:bodyPr rot="-60000000" spcFirstLastPara="1" vertOverflow="ellipsis" vert="horz" wrap="square" anchor="ctr" anchorCtr="1"/>
+          <a:lstStyle/>
+          <a:p>
+            <a:pPr>
+              <a:defRPr sz="900" b="0" i="0" u="none" strike="noStrike" kern="1200" baseline="0">
+                <a:solidFill>
+                  <a:schemeClr val="tx1">
+                    <a:lumMod val="65000"/>
+                    <a:lumOff val="35000"/>
+                  </a:schemeClr>
+                </a:solidFill>
+                <a:latin typeface="+mn-lt"/>
+                <a:ea typeface="+mn-ea"/>
+                <a:cs typeface="+mn-cs"/>
+              </a:defRPr>
+            </a:pPr>
+            <a:endParaRPr lang="en-US"/>
+          </a:p>
+        </c:txPr>
+        <c:crossAx val="1133424655"/>
+        <c:crosses val="autoZero"/>
+        <c:auto val="1"/>
+        <c:lblAlgn val="ctr"/>
+        <c:lblOffset val="100"/>
+        <c:noMultiLvlLbl val="0"/>
+      </c:catAx>
+      <c:valAx>
+        <c:axId val="1133424655"/>
+        <c:scaling>
+          <c:orientation val="minMax"/>
+        </c:scaling>
+        <c:delete val="0"/>
+        <c:axPos val="l"/>
+        <c:majorGridlines>
+          <c:spPr>
+            <a:ln w="9525" cap="flat" cmpd="sng" algn="ctr">
+              <a:solidFill>
+                <a:schemeClr val="tx1">
+                  <a:lumMod val="15000"/>
+                  <a:lumOff val="85000"/>
+                </a:schemeClr>
+              </a:solidFill>
+              <a:round/>
+            </a:ln>
+            <a:effectLst/>
+          </c:spPr>
+        </c:majorGridlines>
+        <c:numFmt formatCode="General" sourceLinked="1"/>
+        <c:majorTickMark val="none"/>
+        <c:minorTickMark val="none"/>
+        <c:tickLblPos val="nextTo"/>
+        <c:spPr>
+          <a:noFill/>
+          <a:ln>
+            <a:noFill/>
+          </a:ln>
+          <a:effectLst/>
+        </c:spPr>
+        <c:txPr>
+          <a:bodyPr rot="-60000000" spcFirstLastPara="1" vertOverflow="ellipsis" vert="horz" wrap="square" anchor="ctr" anchorCtr="1"/>
+          <a:lstStyle/>
+          <a:p>
+            <a:pPr>
+              <a:defRPr sz="900" b="0" i="0" u="none" strike="noStrike" kern="1200" baseline="0">
+                <a:solidFill>
+                  <a:schemeClr val="tx1">
+                    <a:lumMod val="65000"/>
+                    <a:lumOff val="35000"/>
+                  </a:schemeClr>
+                </a:solidFill>
+                <a:latin typeface="+mn-lt"/>
+                <a:ea typeface="+mn-ea"/>
+                <a:cs typeface="+mn-cs"/>
+              </a:defRPr>
+            </a:pPr>
+            <a:endParaRPr lang="en-US"/>
+          </a:p>
+        </c:txPr>
+        <c:crossAx val="1133409263"/>
+        <c:crosses val="autoZero"/>
+        <c:crossBetween val="between"/>
+      </c:valAx>
+      <c:spPr>
+        <a:noFill/>
+        <a:ln>
+          <a:noFill/>
+        </a:ln>
+        <a:effectLst/>
+      </c:spPr>
+    </c:plotArea>
+    <c:legend>
+      <c:legendPos val="b"/>
+      <c:overlay val="0"/>
+      <c:spPr>
+        <a:noFill/>
+        <a:ln>
+          <a:noFill/>
+        </a:ln>
+        <a:effectLst/>
+      </c:spPr>
+      <c:txPr>
+        <a:bodyPr rot="0" spcFirstLastPara="1" vertOverflow="ellipsis" vert="horz" wrap="square" anchor="ctr" anchorCtr="1"/>
+        <a:lstStyle/>
+        <a:p>
+          <a:pPr>
+            <a:defRPr sz="900" b="0" i="0" u="none" strike="noStrike" kern="1200" baseline="0">
+              <a:solidFill>
+                <a:schemeClr val="tx1">
+                  <a:lumMod val="65000"/>
+                  <a:lumOff val="35000"/>
+                </a:schemeClr>
+              </a:solidFill>
+              <a:latin typeface="+mn-lt"/>
+              <a:ea typeface="+mn-ea"/>
+              <a:cs typeface="+mn-cs"/>
+            </a:defRPr>
+          </a:pPr>
+          <a:endParaRPr lang="en-US"/>
+        </a:p>
+      </c:txPr>
+    </c:legend>
+    <c:plotVisOnly val="1"/>
+    <c:dispBlanksAs val="gap"/>
+    <c:showDLblsOverMax val="0"/>
+  </c:chart>
+  <c:spPr>
+    <a:noFill/>
+    <a:ln>
+      <a:noFill/>
+    </a:ln>
+    <a:effectLst/>
+  </c:spPr>
+  <c:txPr>
+    <a:bodyPr/>
+    <a:lstStyle/>
+    <a:p>
+      <a:pPr>
+        <a:defRPr/>
+      </a:pPr>
+      <a:endParaRPr lang="en-US"/>
+    </a:p>
+  </c:txPr>
+  <c:externalData r:id="rId3">
+    <c:autoUpdate val="0"/>
+  </c:externalData>
+</c:chartSpace>
+</file>
+
+<file path=ppt/charts/chart2.xml><?xml version="1.0" encoding="utf-8"?>
+<c:chartSpace xmlns:c="http://schemas.openxmlformats.org/drawingml/2006/chart" xmlns:a="http://schemas.openxmlformats.org/drawingml/2006/main" xmlns:r="http://schemas.openxmlformats.org/officeDocument/2006/relationships" xmlns:c16r2="http://schemas.microsoft.com/office/drawing/2015/06/chart">
+  <c:date1904 val="0"/>
+  <c:lang val="en-US"/>
+  <c:roundedCorners val="0"/>
+  <mc:AlternateContent xmlns:mc="http://schemas.openxmlformats.org/markup-compatibility/2006">
+    <mc:Choice xmlns:c14="http://schemas.microsoft.com/office/drawing/2007/8/2/chart" Requires="c14">
+      <c14:style val="102"/>
+    </mc:Choice>
+    <mc:Fallback>
+      <c:style val="2"/>
+    </mc:Fallback>
+  </mc:AlternateContent>
+  <c:chart>
     <c:autoTitleDeleted val="1"/>
     <c:plotArea>
       <c:layout/>
@@ -610,7 +1791,552 @@
 </cs:colorStyle>
 </file>
 
+<file path=ppt/charts/colors2.xml><?xml version="1.0" encoding="utf-8"?>
+<cs:colorStyle xmlns:cs="http://schemas.microsoft.com/office/drawing/2012/chartStyle" xmlns:a="http://schemas.openxmlformats.org/drawingml/2006/main" meth="cycle" id="10">
+  <a:schemeClr val="accent1"/>
+  <a:schemeClr val="accent2"/>
+  <a:schemeClr val="accent3"/>
+  <a:schemeClr val="accent4"/>
+  <a:schemeClr val="accent5"/>
+  <a:schemeClr val="accent6"/>
+  <cs:variation/>
+  <cs:variation>
+    <a:lumMod val="60000"/>
+  </cs:variation>
+  <cs:variation>
+    <a:lumMod val="80000"/>
+    <a:lumOff val="20000"/>
+  </cs:variation>
+  <cs:variation>
+    <a:lumMod val="80000"/>
+  </cs:variation>
+  <cs:variation>
+    <a:lumMod val="60000"/>
+    <a:lumOff val="40000"/>
+  </cs:variation>
+  <cs:variation>
+    <a:lumMod val="50000"/>
+  </cs:variation>
+  <cs:variation>
+    <a:lumMod val="70000"/>
+    <a:lumOff val="30000"/>
+  </cs:variation>
+  <cs:variation>
+    <a:lumMod val="70000"/>
+  </cs:variation>
+  <cs:variation>
+    <a:lumMod val="50000"/>
+    <a:lumOff val="50000"/>
+  </cs:variation>
+</cs:colorStyle>
+</file>
+
 <file path=ppt/charts/style1.xml><?xml version="1.0" encoding="utf-8"?>
+<cs:chartStyle xmlns:cs="http://schemas.microsoft.com/office/drawing/2012/chartStyle" xmlns:a="http://schemas.openxmlformats.org/drawingml/2006/main" id="297">
+  <cs:axisTitle>
+    <cs:lnRef idx="0"/>
+    <cs:fillRef idx="0"/>
+    <cs:effectRef idx="0"/>
+    <cs:fontRef idx="minor">
+      <a:schemeClr val="tx1">
+        <a:lumMod val="65000"/>
+        <a:lumOff val="35000"/>
+      </a:schemeClr>
+    </cs:fontRef>
+    <cs:defRPr sz="1000" kern="1200"/>
+  </cs:axisTitle>
+  <cs:categoryAxis>
+    <cs:lnRef idx="0"/>
+    <cs:fillRef idx="0"/>
+    <cs:effectRef idx="0"/>
+    <cs:fontRef idx="minor">
+      <a:schemeClr val="tx1">
+        <a:lumMod val="65000"/>
+        <a:lumOff val="35000"/>
+      </a:schemeClr>
+    </cs:fontRef>
+    <cs:spPr>
+      <a:ln w="9525" cap="flat" cmpd="sng" algn="ctr">
+        <a:solidFill>
+          <a:schemeClr val="tx1">
+            <a:lumMod val="15000"/>
+            <a:lumOff val="85000"/>
+          </a:schemeClr>
+        </a:solidFill>
+        <a:round/>
+      </a:ln>
+    </cs:spPr>
+    <cs:defRPr sz="900" kern="1200"/>
+  </cs:categoryAxis>
+  <cs:chartArea mods="allowNoFillOverride allowNoLineOverride">
+    <cs:lnRef idx="0"/>
+    <cs:fillRef idx="0"/>
+    <cs:effectRef idx="0"/>
+    <cs:fontRef idx="minor">
+      <a:schemeClr val="tx1"/>
+    </cs:fontRef>
+    <cs:spPr>
+      <a:solidFill>
+        <a:schemeClr val="bg1"/>
+      </a:solidFill>
+      <a:ln w="9525" cap="flat" cmpd="sng" algn="ctr">
+        <a:solidFill>
+          <a:schemeClr val="tx1">
+            <a:lumMod val="15000"/>
+            <a:lumOff val="85000"/>
+          </a:schemeClr>
+        </a:solidFill>
+        <a:round/>
+      </a:ln>
+    </cs:spPr>
+    <cs:defRPr sz="1000" kern="1200"/>
+  </cs:chartArea>
+  <cs:dataLabel>
+    <cs:lnRef idx="0"/>
+    <cs:fillRef idx="0"/>
+    <cs:effectRef idx="0"/>
+    <cs:fontRef idx="minor">
+      <a:schemeClr val="tx1">
+        <a:lumMod val="75000"/>
+        <a:lumOff val="25000"/>
+      </a:schemeClr>
+    </cs:fontRef>
+    <cs:defRPr sz="900" kern="1200"/>
+  </cs:dataLabel>
+  <cs:dataLabelCallout>
+    <cs:lnRef idx="0"/>
+    <cs:fillRef idx="0"/>
+    <cs:effectRef idx="0"/>
+    <cs:fontRef idx="minor">
+      <a:schemeClr val="dk1">
+        <a:lumMod val="65000"/>
+        <a:lumOff val="35000"/>
+      </a:schemeClr>
+    </cs:fontRef>
+    <cs:spPr>
+      <a:solidFill>
+        <a:schemeClr val="lt1"/>
+      </a:solidFill>
+      <a:ln>
+        <a:solidFill>
+          <a:schemeClr val="dk1">
+            <a:lumMod val="25000"/>
+            <a:lumOff val="75000"/>
+          </a:schemeClr>
+        </a:solidFill>
+      </a:ln>
+    </cs:spPr>
+    <cs:defRPr sz="900" kern="1200"/>
+    <cs:bodyPr rot="0" spcFirstLastPara="1" vertOverflow="clip" horzOverflow="clip" vert="horz" wrap="square" lIns="36576" tIns="18288" rIns="36576" bIns="18288" anchor="ctr" anchorCtr="1">
+      <a:spAutoFit/>
+    </cs:bodyPr>
+  </cs:dataLabelCallout>
+  <cs:dataPoint>
+    <cs:lnRef idx="0"/>
+    <cs:fillRef idx="1">
+      <cs:styleClr val="auto"/>
+    </cs:fillRef>
+    <cs:effectRef idx="0"/>
+    <cs:fontRef idx="minor">
+      <a:schemeClr val="tx1"/>
+    </cs:fontRef>
+  </cs:dataPoint>
+  <cs:dataPoint3D>
+    <cs:lnRef idx="0"/>
+    <cs:fillRef idx="1">
+      <cs:styleClr val="auto"/>
+    </cs:fillRef>
+    <cs:effectRef idx="0"/>
+    <cs:fontRef idx="minor">
+      <a:schemeClr val="tx1"/>
+    </cs:fontRef>
+  </cs:dataPoint3D>
+  <cs:dataPointLine>
+    <cs:lnRef idx="0">
+      <cs:styleClr val="auto"/>
+    </cs:lnRef>
+    <cs:fillRef idx="1"/>
+    <cs:effectRef idx="0"/>
+    <cs:fontRef idx="minor">
+      <a:schemeClr val="tx1"/>
+    </cs:fontRef>
+    <cs:spPr>
+      <a:ln w="28575" cap="rnd">
+        <a:solidFill>
+          <a:schemeClr val="phClr"/>
+        </a:solidFill>
+        <a:round/>
+      </a:ln>
+    </cs:spPr>
+  </cs:dataPointLine>
+  <cs:dataPointMarker>
+    <cs:lnRef idx="0">
+      <cs:styleClr val="auto"/>
+    </cs:lnRef>
+    <cs:fillRef idx="1">
+      <cs:styleClr val="auto"/>
+    </cs:fillRef>
+    <cs:effectRef idx="0"/>
+    <cs:fontRef idx="minor">
+      <a:schemeClr val="tx1"/>
+    </cs:fontRef>
+    <cs:spPr>
+      <a:ln w="9525">
+        <a:solidFill>
+          <a:schemeClr val="phClr"/>
+        </a:solidFill>
+      </a:ln>
+    </cs:spPr>
+  </cs:dataPointMarker>
+  <cs:dataPointMarkerLayout symbol="circle" size="5"/>
+  <cs:dataPointWireframe>
+    <cs:lnRef idx="0">
+      <cs:styleClr val="auto"/>
+    </cs:lnRef>
+    <cs:fillRef idx="1"/>
+    <cs:effectRef idx="0"/>
+    <cs:fontRef idx="minor">
+      <a:schemeClr val="tx1"/>
+    </cs:fontRef>
+    <cs:spPr>
+      <a:ln w="9525" cap="rnd">
+        <a:solidFill>
+          <a:schemeClr val="phClr"/>
+        </a:solidFill>
+        <a:round/>
+      </a:ln>
+    </cs:spPr>
+  </cs:dataPointWireframe>
+  <cs:dataTable>
+    <cs:lnRef idx="0"/>
+    <cs:fillRef idx="0"/>
+    <cs:effectRef idx="0"/>
+    <cs:fontRef idx="minor">
+      <a:schemeClr val="tx1">
+        <a:lumMod val="65000"/>
+        <a:lumOff val="35000"/>
+      </a:schemeClr>
+    </cs:fontRef>
+    <cs:spPr>
+      <a:noFill/>
+      <a:ln w="9525" cap="flat" cmpd="sng" algn="ctr">
+        <a:solidFill>
+          <a:schemeClr val="tx1">
+            <a:lumMod val="15000"/>
+            <a:lumOff val="85000"/>
+          </a:schemeClr>
+        </a:solidFill>
+        <a:round/>
+      </a:ln>
+    </cs:spPr>
+    <cs:defRPr sz="900" kern="1200"/>
+  </cs:dataTable>
+  <cs:downBar>
+    <cs:lnRef idx="0"/>
+    <cs:fillRef idx="0"/>
+    <cs:effectRef idx="0"/>
+    <cs:fontRef idx="minor">
+      <a:schemeClr val="tx1"/>
+    </cs:fontRef>
+    <cs:spPr>
+      <a:solidFill>
+        <a:schemeClr val="dk1">
+          <a:lumMod val="75000"/>
+          <a:lumOff val="25000"/>
+        </a:schemeClr>
+      </a:solidFill>
+      <a:ln w="9525" cap="flat" cmpd="sng" algn="ctr">
+        <a:solidFill>
+          <a:schemeClr val="tx1">
+            <a:lumMod val="65000"/>
+            <a:lumOff val="35000"/>
+          </a:schemeClr>
+        </a:solidFill>
+        <a:round/>
+      </a:ln>
+    </cs:spPr>
+  </cs:downBar>
+  <cs:dropLine>
+    <cs:lnRef idx="0"/>
+    <cs:fillRef idx="0"/>
+    <cs:effectRef idx="0"/>
+    <cs:fontRef idx="minor">
+      <a:schemeClr val="tx1"/>
+    </cs:fontRef>
+    <cs:spPr>
+      <a:ln w="9525" cap="flat" cmpd="sng" algn="ctr">
+        <a:solidFill>
+          <a:schemeClr val="tx1">
+            <a:lumMod val="35000"/>
+            <a:lumOff val="65000"/>
+          </a:schemeClr>
+        </a:solidFill>
+        <a:round/>
+      </a:ln>
+    </cs:spPr>
+  </cs:dropLine>
+  <cs:errorBar>
+    <cs:lnRef idx="0"/>
+    <cs:fillRef idx="0"/>
+    <cs:effectRef idx="0"/>
+    <cs:fontRef idx="minor">
+      <a:schemeClr val="tx1"/>
+    </cs:fontRef>
+    <cs:spPr>
+      <a:ln w="9525" cap="flat" cmpd="sng" algn="ctr">
+        <a:solidFill>
+          <a:schemeClr val="tx1">
+            <a:lumMod val="65000"/>
+            <a:lumOff val="35000"/>
+          </a:schemeClr>
+        </a:solidFill>
+        <a:round/>
+      </a:ln>
+    </cs:spPr>
+  </cs:errorBar>
+  <cs:floor>
+    <cs:lnRef idx="0"/>
+    <cs:fillRef idx="0"/>
+    <cs:effectRef idx="0"/>
+    <cs:fontRef idx="minor">
+      <a:schemeClr val="tx1"/>
+    </cs:fontRef>
+    <cs:spPr>
+      <a:noFill/>
+      <a:ln>
+        <a:noFill/>
+      </a:ln>
+    </cs:spPr>
+  </cs:floor>
+  <cs:gridlineMajor>
+    <cs:lnRef idx="0"/>
+    <cs:fillRef idx="0"/>
+    <cs:effectRef idx="0"/>
+    <cs:fontRef idx="minor">
+      <a:schemeClr val="tx1"/>
+    </cs:fontRef>
+    <cs:spPr>
+      <a:ln w="9525" cap="flat" cmpd="sng" algn="ctr">
+        <a:solidFill>
+          <a:schemeClr val="tx1">
+            <a:lumMod val="15000"/>
+            <a:lumOff val="85000"/>
+          </a:schemeClr>
+        </a:solidFill>
+        <a:round/>
+      </a:ln>
+    </cs:spPr>
+  </cs:gridlineMajor>
+  <cs:gridlineMinor>
+    <cs:lnRef idx="0"/>
+    <cs:fillRef idx="0"/>
+    <cs:effectRef idx="0"/>
+    <cs:fontRef idx="minor">
+      <a:schemeClr val="tx1"/>
+    </cs:fontRef>
+    <cs:spPr>
+      <a:ln w="9525" cap="flat" cmpd="sng" algn="ctr">
+        <a:solidFill>
+          <a:schemeClr val="tx1">
+            <a:lumMod val="5000"/>
+            <a:lumOff val="95000"/>
+          </a:schemeClr>
+        </a:solidFill>
+        <a:round/>
+      </a:ln>
+    </cs:spPr>
+  </cs:gridlineMinor>
+  <cs:hiLoLine>
+    <cs:lnRef idx="0"/>
+    <cs:fillRef idx="0"/>
+    <cs:effectRef idx="0"/>
+    <cs:fontRef idx="minor">
+      <a:schemeClr val="tx1"/>
+    </cs:fontRef>
+    <cs:spPr>
+      <a:ln w="9525" cap="flat" cmpd="sng" algn="ctr">
+        <a:solidFill>
+          <a:schemeClr val="tx1">
+            <a:lumMod val="50000"/>
+            <a:lumOff val="50000"/>
+          </a:schemeClr>
+        </a:solidFill>
+        <a:round/>
+      </a:ln>
+    </cs:spPr>
+  </cs:hiLoLine>
+  <cs:leaderLine>
+    <cs:lnRef idx="0"/>
+    <cs:fillRef idx="0"/>
+    <cs:effectRef idx="0"/>
+    <cs:fontRef idx="minor">
+      <a:schemeClr val="tx1"/>
+    </cs:fontRef>
+    <cs:spPr>
+      <a:ln w="9525" cap="flat" cmpd="sng" algn="ctr">
+        <a:solidFill>
+          <a:schemeClr val="tx1">
+            <a:lumMod val="35000"/>
+            <a:lumOff val="65000"/>
+          </a:schemeClr>
+        </a:solidFill>
+        <a:round/>
+      </a:ln>
+    </cs:spPr>
+  </cs:leaderLine>
+  <cs:legend>
+    <cs:lnRef idx="0"/>
+    <cs:fillRef idx="0"/>
+    <cs:effectRef idx="0"/>
+    <cs:fontRef idx="minor">
+      <a:schemeClr val="tx1">
+        <a:lumMod val="65000"/>
+        <a:lumOff val="35000"/>
+      </a:schemeClr>
+    </cs:fontRef>
+    <cs:defRPr sz="900" kern="1200"/>
+  </cs:legend>
+  <cs:plotArea mods="allowNoFillOverride allowNoLineOverride">
+    <cs:lnRef idx="0"/>
+    <cs:fillRef idx="0"/>
+    <cs:effectRef idx="0"/>
+    <cs:fontRef idx="minor">
+      <a:schemeClr val="tx1"/>
+    </cs:fontRef>
+  </cs:plotArea>
+  <cs:plotArea3D mods="allowNoFillOverride allowNoLineOverride">
+    <cs:lnRef idx="0"/>
+    <cs:fillRef idx="0"/>
+    <cs:effectRef idx="0"/>
+    <cs:fontRef idx="minor">
+      <a:schemeClr val="tx1"/>
+    </cs:fontRef>
+  </cs:plotArea3D>
+  <cs:seriesAxis>
+    <cs:lnRef idx="0"/>
+    <cs:fillRef idx="0"/>
+    <cs:effectRef idx="0"/>
+    <cs:fontRef idx="minor">
+      <a:schemeClr val="tx1">
+        <a:lumMod val="65000"/>
+        <a:lumOff val="35000"/>
+      </a:schemeClr>
+    </cs:fontRef>
+    <cs:defRPr sz="900" kern="1200"/>
+  </cs:seriesAxis>
+  <cs:seriesLine>
+    <cs:lnRef idx="0"/>
+    <cs:fillRef idx="0"/>
+    <cs:effectRef idx="0"/>
+    <cs:fontRef idx="minor">
+      <a:schemeClr val="tx1"/>
+    </cs:fontRef>
+    <cs:spPr>
+      <a:ln w="9525" cap="flat" cmpd="sng" algn="ctr">
+        <a:solidFill>
+          <a:schemeClr val="tx1">
+            <a:lumMod val="35000"/>
+            <a:lumOff val="65000"/>
+          </a:schemeClr>
+        </a:solidFill>
+        <a:round/>
+      </a:ln>
+    </cs:spPr>
+  </cs:seriesLine>
+  <cs:title>
+    <cs:lnRef idx="0"/>
+    <cs:fillRef idx="0"/>
+    <cs:effectRef idx="0"/>
+    <cs:fontRef idx="minor">
+      <a:schemeClr val="tx1">
+        <a:lumMod val="65000"/>
+        <a:lumOff val="35000"/>
+      </a:schemeClr>
+    </cs:fontRef>
+    <cs:defRPr sz="1400" b="0" kern="1200" spc="0" baseline="0"/>
+  </cs:title>
+  <cs:trendline>
+    <cs:lnRef idx="0">
+      <cs:styleClr val="auto"/>
+    </cs:lnRef>
+    <cs:fillRef idx="0"/>
+    <cs:effectRef idx="0"/>
+    <cs:fontRef idx="minor">
+      <a:schemeClr val="tx1"/>
+    </cs:fontRef>
+    <cs:spPr>
+      <a:ln w="19050" cap="rnd">
+        <a:solidFill>
+          <a:schemeClr val="phClr"/>
+        </a:solidFill>
+        <a:prstDash val="sysDot"/>
+      </a:ln>
+    </cs:spPr>
+  </cs:trendline>
+  <cs:trendlineLabel>
+    <cs:lnRef idx="0"/>
+    <cs:fillRef idx="0"/>
+    <cs:effectRef idx="0"/>
+    <cs:fontRef idx="minor">
+      <a:schemeClr val="tx1">
+        <a:lumMod val="65000"/>
+        <a:lumOff val="35000"/>
+      </a:schemeClr>
+    </cs:fontRef>
+    <cs:defRPr sz="900" kern="1200"/>
+  </cs:trendlineLabel>
+  <cs:upBar>
+    <cs:lnRef idx="0"/>
+    <cs:fillRef idx="0"/>
+    <cs:effectRef idx="0"/>
+    <cs:fontRef idx="minor">
+      <a:schemeClr val="tx1"/>
+    </cs:fontRef>
+    <cs:spPr>
+      <a:solidFill>
+        <a:schemeClr val="lt1"/>
+      </a:solidFill>
+      <a:ln w="9525" cap="flat" cmpd="sng" algn="ctr">
+        <a:solidFill>
+          <a:schemeClr val="tx1">
+            <a:lumMod val="65000"/>
+            <a:lumOff val="35000"/>
+          </a:schemeClr>
+        </a:solidFill>
+        <a:round/>
+      </a:ln>
+    </cs:spPr>
+  </cs:upBar>
+  <cs:valueAxis>
+    <cs:lnRef idx="0"/>
+    <cs:fillRef idx="0"/>
+    <cs:effectRef idx="0"/>
+    <cs:fontRef idx="minor">
+      <a:schemeClr val="tx1">
+        <a:lumMod val="65000"/>
+        <a:lumOff val="35000"/>
+      </a:schemeClr>
+    </cs:fontRef>
+    <cs:defRPr sz="900" kern="1200"/>
+  </cs:valueAxis>
+  <cs:wall>
+    <cs:lnRef idx="0"/>
+    <cs:fillRef idx="0"/>
+    <cs:effectRef idx="0"/>
+    <cs:fontRef idx="minor">
+      <a:schemeClr val="tx1"/>
+    </cs:fontRef>
+    <cs:spPr>
+      <a:noFill/>
+      <a:ln>
+        <a:noFill/>
+      </a:ln>
+    </cs:spPr>
+  </cs:wall>
+</cs:chartStyle>
+</file>
+
+<file path=ppt/charts/style2.xml><?xml version="1.0" encoding="utf-8"?>
 <cs:chartStyle xmlns:cs="http://schemas.microsoft.com/office/drawing/2012/chartStyle" xmlns:a="http://schemas.openxmlformats.org/drawingml/2006/main" id="201">
   <cs:axisTitle>
     <cs:lnRef idx="0"/>
@@ -4107,7 +5833,7 @@
           <a:p>
             <a:fld id="{9A591099-7EBE-4D12-B880-CCA6B38B92A6}" type="datetimeFigureOut">
               <a:rPr lang="en-US" smtClean="0"/>
-              <a:t>4/27/2021</a:t>
+              <a:t>4/29/2021</a:t>
             </a:fld>
             <a:endParaRPr lang="en-US" dirty="0"/>
           </a:p>
@@ -4272,7 +5998,7 @@
           <a:p>
             <a:fld id="{70CF4299-1721-48C6-878D-74296BE00D21}" type="datetimeFigureOut">
               <a:rPr lang="en-US" smtClean="0"/>
-              <a:t>4/27/2021</a:t>
+              <a:t>4/29/2021</a:t>
             </a:fld>
             <a:endParaRPr lang="en-US" dirty="0"/>
           </a:p>
@@ -5262,7 +6988,7 @@
             <a:fld id="{08B9EBBA-996F-894A-B54A-D6246ED52CEA}" type="datetimeFigureOut">
               <a:rPr lang="en-US" smtClean="0"/>
               <a:pPr/>
-              <a:t>4/27/2021</a:t>
+              <a:t>4/29/2021</a:t>
             </a:fld>
             <a:endParaRPr lang="en-US" dirty="0"/>
           </a:p>
@@ -5526,7 +7252,7 @@
           <a:p>
             <a:fld id="{CC444FFE-4BDB-4301-83D8-FE8B25E7CF5A}" type="datetime1">
               <a:rPr lang="en-US" smtClean="0"/>
-              <a:t>4/27/2021</a:t>
+              <a:t>4/29/2021</a:t>
             </a:fld>
             <a:endParaRPr lang="en-US" dirty="0"/>
           </a:p>
@@ -5845,7 +7571,7 @@
           <a:p>
             <a:fld id="{CC444FFE-4BDB-4301-83D8-FE8B25E7CF5A}" type="datetime1">
               <a:rPr lang="en-US" smtClean="0"/>
-              <a:t>4/27/2021</a:t>
+              <a:t>4/29/2021</a:t>
             </a:fld>
             <a:endParaRPr lang="en-US" dirty="0"/>
           </a:p>
@@ -6191,7 +7917,7 @@
           <a:p>
             <a:fld id="{CC444FFE-4BDB-4301-83D8-FE8B25E7CF5A}" type="datetime1">
               <a:rPr lang="en-US" smtClean="0"/>
-              <a:t>4/27/2021</a:t>
+              <a:t>4/29/2021</a:t>
             </a:fld>
             <a:endParaRPr lang="en-US" dirty="0"/>
           </a:p>
@@ -6510,7 +8236,7 @@
           <a:p>
             <a:fld id="{CC444FFE-4BDB-4301-83D8-FE8B25E7CF5A}" type="datetime1">
               <a:rPr lang="en-US" smtClean="0"/>
-              <a:t>4/27/2021</a:t>
+              <a:t>4/29/2021</a:t>
             </a:fld>
             <a:endParaRPr lang="en-US" dirty="0"/>
           </a:p>
@@ -6908,7 +8634,7 @@
           <a:p>
             <a:fld id="{CC444FFE-4BDB-4301-83D8-FE8B25E7CF5A}" type="datetime1">
               <a:rPr lang="en-US" smtClean="0"/>
-              <a:t>4/27/2021</a:t>
+              <a:t>4/29/2021</a:t>
             </a:fld>
             <a:endParaRPr lang="en-US" dirty="0"/>
           </a:p>
@@ -7083,7 +8809,7 @@
           <a:p>
             <a:fld id="{1C40B874-E53C-42B9-98BA-0781B387246C}" type="datetime1">
               <a:rPr lang="en-US" smtClean="0"/>
-              <a:t>4/27/2021</a:t>
+              <a:t>4/29/2021</a:t>
             </a:fld>
             <a:endParaRPr lang="en-US" dirty="0"/>
           </a:p>
@@ -7278,7 +9004,7 @@
           <a:p>
             <a:fld id="{75D402F4-45D7-406A-9C33-75238E131A1E}" type="datetime1">
               <a:rPr lang="en-US" smtClean="0"/>
-              <a:t>4/27/2021</a:t>
+              <a:t>4/29/2021</a:t>
             </a:fld>
             <a:endParaRPr lang="en-US" dirty="0"/>
           </a:p>
@@ -7469,7 +9195,7 @@
           <a:p>
             <a:fld id="{4506E011-4F7D-42D0-82E1-078A40B76F01}" type="datetime1">
               <a:rPr lang="en-US" smtClean="0"/>
-              <a:t>4/27/2021</a:t>
+              <a:t>4/29/2021</a:t>
             </a:fld>
             <a:endParaRPr lang="en-US" dirty="0"/>
           </a:p>
@@ -7731,7 +9457,7 @@
           <a:p>
             <a:fld id="{3DA471FE-0FCC-47A4-B218-06AF00AFA70F}" type="datetime1">
               <a:rPr lang="en-US" smtClean="0"/>
-              <a:t>4/27/2021</a:t>
+              <a:t>4/29/2021</a:t>
             </a:fld>
             <a:endParaRPr lang="en-US" dirty="0"/>
           </a:p>
@@ -7978,7 +9704,7 @@
           <a:p>
             <a:fld id="{BE42C22A-A385-4013-8BC3-1C712ED98224}" type="datetime1">
               <a:rPr lang="en-US" smtClean="0"/>
-              <a:t>4/27/2021</a:t>
+              <a:t>4/29/2021</a:t>
             </a:fld>
             <a:endParaRPr lang="en-US" dirty="0"/>
           </a:p>
@@ -8367,7 +10093,7 @@
           <a:p>
             <a:fld id="{A4143CD7-DDC2-4E28-B80E-11B3368F8846}" type="datetime1">
               <a:rPr lang="en-US" smtClean="0"/>
-              <a:t>4/27/2021</a:t>
+              <a:t>4/29/2021</a:t>
             </a:fld>
             <a:endParaRPr lang="en-US" dirty="0"/>
           </a:p>
@@ -8505,7 +10231,7 @@
           <a:p>
             <a:fld id="{68882D6B-0F0F-41E5-8A0F-FC2D7E2110E0}" type="datetime1">
               <a:rPr lang="en-US" smtClean="0"/>
-              <a:t>4/27/2021</a:t>
+              <a:t>4/29/2021</a:t>
             </a:fld>
             <a:endParaRPr lang="en-US" dirty="0"/>
           </a:p>
@@ -8615,7 +10341,7 @@
           <a:p>
             <a:fld id="{399C1A38-D70F-41CF-857C-945C6FF6B07D}" type="datetime1">
               <a:rPr lang="en-US" smtClean="0"/>
-              <a:t>4/27/2021</a:t>
+              <a:t>4/29/2021</a:t>
             </a:fld>
             <a:endParaRPr lang="en-US" dirty="0"/>
           </a:p>
@@ -8885,7 +10611,7 @@
           <a:p>
             <a:fld id="{E32B96DC-D1E7-4668-A471-A46ECA2AE34F}" type="datetime1">
               <a:rPr lang="en-US" smtClean="0"/>
-              <a:t>4/27/2021</a:t>
+              <a:t>4/29/2021</a:t>
             </a:fld>
             <a:endParaRPr lang="en-US" dirty="0"/>
           </a:p>
@@ -9214,7 +10940,7 @@
           <a:p>
             <a:fld id="{CC444FFE-4BDB-4301-83D8-FE8B25E7CF5A}" type="datetime1">
               <a:rPr lang="en-US" smtClean="0"/>
-              <a:t>4/27/2021</a:t>
+              <a:t>4/29/2021</a:t>
             </a:fld>
             <a:endParaRPr lang="en-US" dirty="0"/>
           </a:p>
@@ -9962,7 +11688,7 @@
           <a:p>
             <a:fld id="{CC444FFE-4BDB-4301-83D8-FE8B25E7CF5A}" type="datetime1">
               <a:rPr lang="en-US" smtClean="0"/>
-              <a:t>4/27/2021</a:t>
+              <a:t>4/29/2021</a:t>
             </a:fld>
             <a:endParaRPr lang="en-US" dirty="0"/>
           </a:p>
@@ -10729,2086 +12455,6 @@
           <a:chExt cx="0" cy="0"/>
         </a:xfrm>
       </p:grpSpPr>
-      <p:pic>
-        <p:nvPicPr>
-          <p:cNvPr id="2" name="Picture 1">
-            <a:extLst>
-              <a:ext uri="{FF2B5EF4-FFF2-40B4-BE49-F238E27FC236}">
-                <a16:creationId xmlns:a16="http://schemas.microsoft.com/office/drawing/2014/main" id="{34AAB33D-041B-4E0E-A088-0FB93D423711}"/>
-              </a:ext>
-            </a:extLst>
-          </p:cNvPr>
-          <p:cNvPicPr>
-            <a:picLocks noChangeAspect="1"/>
-          </p:cNvPicPr>
-          <p:nvPr/>
-        </p:nvPicPr>
-        <p:blipFill>
-          <a:blip r:embed="rId2"/>
-          <a:stretch>
-            <a:fillRect/>
-          </a:stretch>
-        </p:blipFill>
-        <p:spPr>
-          <a:xfrm>
-            <a:off x="0" y="0"/>
-            <a:ext cx="9268306" cy="6858000"/>
-          </a:xfrm>
-          <a:prstGeom prst="rect">
-            <a:avLst/>
-          </a:prstGeom>
-        </p:spPr>
-      </p:pic>
-      <p:sp>
-        <p:nvSpPr>
-          <p:cNvPr id="4" name="TextBox 3">
-            <a:extLst>
-              <a:ext uri="{FF2B5EF4-FFF2-40B4-BE49-F238E27FC236}">
-                <a16:creationId xmlns:a16="http://schemas.microsoft.com/office/drawing/2014/main" id="{F1190E81-30F7-41BF-8AB8-5C2D2DFE7AB0}"/>
-              </a:ext>
-            </a:extLst>
-          </p:cNvPr>
-          <p:cNvSpPr txBox="1"/>
-          <p:nvPr/>
-        </p:nvSpPr>
-        <p:spPr>
-          <a:xfrm>
-            <a:off x="2200275" y="739259"/>
-            <a:ext cx="6153150" cy="1015663"/>
-          </a:xfrm>
-          <a:prstGeom prst="rect">
-            <a:avLst/>
-          </a:prstGeom>
-          <a:noFill/>
-        </p:spPr>
-        <p:txBody>
-          <a:bodyPr wrap="square">
-            <a:spAutoFit/>
-          </a:bodyPr>
-          <a:lstStyle/>
-          <a:p>
-            <a:pPr algn="ctr"/>
-            <a:r>
-              <a:rPr lang="en-US" sz="6000" b="1" dirty="0">
-                <a:solidFill>
-                  <a:schemeClr val="accent2">
-                    <a:lumMod val="60000"/>
-                    <a:lumOff val="40000"/>
-                  </a:schemeClr>
-                </a:solidFill>
-              </a:rPr>
-              <a:t>Data Cleaning</a:t>
-            </a:r>
-            <a:endParaRPr lang="en-US" sz="6000" dirty="0">
-              <a:solidFill>
-                <a:schemeClr val="accent2">
-                  <a:lumMod val="60000"/>
-                  <a:lumOff val="40000"/>
-                </a:schemeClr>
-              </a:solidFill>
-            </a:endParaRPr>
-          </a:p>
-        </p:txBody>
-      </p:sp>
-    </p:spTree>
-    <p:extLst>
-      <p:ext uri="{BB962C8B-B14F-4D97-AF65-F5344CB8AC3E}">
-        <p14:creationId xmlns:p14="http://schemas.microsoft.com/office/powerpoint/2010/main" val="675932849"/>
-      </p:ext>
-    </p:extLst>
-  </p:cSld>
-  <p:clrMapOvr>
-    <a:masterClrMapping/>
-  </p:clrMapOvr>
-  <mc:AlternateContent xmlns:mc="http://schemas.openxmlformats.org/markup-compatibility/2006" xmlns:p14="http://schemas.microsoft.com/office/powerpoint/2010/main">
-    <mc:Choice Requires="p14">
-      <p:transition spd="med" p14:dur="700">
-        <p:fade/>
-      </p:transition>
-    </mc:Choice>
-    <mc:Fallback xmlns="">
-      <p:transition spd="med">
-        <p:fade/>
-      </p:transition>
-    </mc:Fallback>
-  </mc:AlternateContent>
-</p:sld>
-</file>
-
-<file path=ppt/slides/slide11.xml><?xml version="1.0" encoding="utf-8"?>
-<p:sld xmlns:a="http://schemas.openxmlformats.org/drawingml/2006/main" xmlns:r="http://schemas.openxmlformats.org/officeDocument/2006/relationships" xmlns:p="http://schemas.openxmlformats.org/presentationml/2006/main">
-  <p:cSld>
-    <p:spTree>
-      <p:nvGrpSpPr>
-        <p:cNvPr id="1" name=""/>
-        <p:cNvGrpSpPr/>
-        <p:nvPr/>
-      </p:nvGrpSpPr>
-      <p:grpSpPr>
-        <a:xfrm>
-          <a:off x="0" y="0"/>
-          <a:ext cx="0" cy="0"/>
-          <a:chOff x="0" y="0"/>
-          <a:chExt cx="0" cy="0"/>
-        </a:xfrm>
-      </p:grpSpPr>
-      <p:sp>
-        <p:nvSpPr>
-          <p:cNvPr id="2" name="Title 1"/>
-          <p:cNvSpPr>
-            <a:spLocks noGrp="1"/>
-          </p:cNvSpPr>
-          <p:nvPr>
-            <p:ph type="title"/>
-          </p:nvPr>
-        </p:nvSpPr>
-        <p:spPr/>
-        <p:txBody>
-          <a:bodyPr/>
-          <a:lstStyle/>
-          <a:p>
-            <a:r>
-              <a:rPr lang="en-US" dirty="0"/>
-              <a:t>Two content layout with SmartArt</a:t>
-            </a:r>
-          </a:p>
-        </p:txBody>
-      </p:sp>
-      <p:sp>
-        <p:nvSpPr>
-          <p:cNvPr id="3" name="Content Placeholder 2"/>
-          <p:cNvSpPr>
-            <a:spLocks noGrp="1"/>
-          </p:cNvSpPr>
-          <p:nvPr>
-            <p:ph sz="half" idx="1"/>
-          </p:nvPr>
-        </p:nvSpPr>
-        <p:spPr/>
-        <p:txBody>
-          <a:bodyPr/>
-          <a:lstStyle/>
-          <a:p>
-            <a:r>
-              <a:rPr lang="en-US" dirty="0"/>
-              <a:t>First bullet point here</a:t>
-            </a:r>
-          </a:p>
-          <a:p>
-            <a:r>
-              <a:rPr lang="en-US" dirty="0"/>
-              <a:t>Second bullet point here</a:t>
-            </a:r>
-          </a:p>
-          <a:p>
-            <a:r>
-              <a:rPr lang="en-US" dirty="0"/>
-              <a:t>Third bullet point here</a:t>
-            </a:r>
-          </a:p>
-        </p:txBody>
-      </p:sp>
-      <p:graphicFrame>
-        <p:nvGraphicFramePr>
-          <p:cNvPr id="5" name="Content Placeholder 4" descr="Converging radial diagram showing relationship of 3 steps pointing towards a central goal"/>
-          <p:cNvGraphicFramePr>
-            <a:graphicFrameLocks noGrp="1"/>
-          </p:cNvGraphicFramePr>
-          <p:nvPr>
-            <p:ph sz="half" idx="2"/>
-            <p:extLst>
-              <p:ext uri="{D42A27DB-BD31-4B8C-83A1-F6EECF244321}">
-                <p14:modId xmlns:p14="http://schemas.microsoft.com/office/powerpoint/2010/main" val="1704932073"/>
-              </p:ext>
-            </p:extLst>
-          </p:nvPr>
-        </p:nvGraphicFramePr>
-        <p:xfrm>
-          <a:off x="5089525" y="2160588"/>
-          <a:ext cx="4184650" cy="3881437"/>
-        </p:xfrm>
-        <a:graphic>
-          <a:graphicData uri="http://schemas.openxmlformats.org/drawingml/2006/diagram">
-            <dgm:relIds xmlns:dgm="http://schemas.openxmlformats.org/drawingml/2006/diagram" xmlns:r="http://schemas.openxmlformats.org/officeDocument/2006/relationships" r:dm="rId2" r:lo="rId3" r:qs="rId4" r:cs="rId5"/>
-          </a:graphicData>
-        </a:graphic>
-      </p:graphicFrame>
-    </p:spTree>
-    <p:extLst>
-      <p:ext uri="{BB962C8B-B14F-4D97-AF65-F5344CB8AC3E}">
-        <p14:creationId xmlns:p14="http://schemas.microsoft.com/office/powerpoint/2010/main" val="249977872"/>
-      </p:ext>
-    </p:extLst>
-  </p:cSld>
-  <p:clrMapOvr>
-    <a:masterClrMapping/>
-  </p:clrMapOvr>
-  <mc:AlternateContent xmlns:mc="http://schemas.openxmlformats.org/markup-compatibility/2006" xmlns:p14="http://schemas.microsoft.com/office/powerpoint/2010/main">
-    <mc:Choice Requires="p14">
-      <p:transition spd="med" p14:dur="700">
-        <p:fade/>
-      </p:transition>
-    </mc:Choice>
-    <mc:Fallback xmlns="">
-      <p:transition spd="med">
-        <p:fade/>
-      </p:transition>
-    </mc:Fallback>
-  </mc:AlternateContent>
-</p:sld>
-</file>
-
-<file path=ppt/slides/slide12.xml><?xml version="1.0" encoding="utf-8"?>
-<p:sld xmlns:a="http://schemas.openxmlformats.org/drawingml/2006/main" xmlns:r="http://schemas.openxmlformats.org/officeDocument/2006/relationships" xmlns:p="http://schemas.openxmlformats.org/presentationml/2006/main">
-  <p:cSld>
-    <p:spTree>
-      <p:nvGrpSpPr>
-        <p:cNvPr id="1" name=""/>
-        <p:cNvGrpSpPr/>
-        <p:nvPr/>
-      </p:nvGrpSpPr>
-      <p:grpSpPr>
-        <a:xfrm>
-          <a:off x="0" y="0"/>
-          <a:ext cx="0" cy="0"/>
-          <a:chOff x="0" y="0"/>
-          <a:chExt cx="0" cy="0"/>
-        </a:xfrm>
-      </p:grpSpPr>
-      <p:pic>
-        <p:nvPicPr>
-          <p:cNvPr id="5" name="Picture 4">
-            <a:extLst>
-              <a:ext uri="{FF2B5EF4-FFF2-40B4-BE49-F238E27FC236}">
-                <a16:creationId xmlns:a16="http://schemas.microsoft.com/office/drawing/2014/main" id="{B868BCB0-39DE-40C3-A4EE-B2AD6E225E2E}"/>
-              </a:ext>
-            </a:extLst>
-          </p:cNvPr>
-          <p:cNvPicPr>
-            <a:picLocks noChangeAspect="1"/>
-          </p:cNvPicPr>
-          <p:nvPr/>
-        </p:nvPicPr>
-        <p:blipFill rotWithShape="1">
-          <a:blip r:embed="rId2"/>
-          <a:srcRect b="6316"/>
-          <a:stretch/>
-        </p:blipFill>
-        <p:spPr>
-          <a:xfrm>
-            <a:off x="0" y="0"/>
-            <a:ext cx="12192000" cy="6857999"/>
-          </a:xfrm>
-          <a:prstGeom prst="rect">
-            <a:avLst/>
-          </a:prstGeom>
-        </p:spPr>
-      </p:pic>
-      <p:sp>
-        <p:nvSpPr>
-          <p:cNvPr id="2" name="Title 1">
-            <a:extLst>
-              <a:ext uri="{FF2B5EF4-FFF2-40B4-BE49-F238E27FC236}">
-                <a16:creationId xmlns:a16="http://schemas.microsoft.com/office/drawing/2014/main" id="{E692F99F-6503-405D-83EC-27DF8276EE28}"/>
-              </a:ext>
-            </a:extLst>
-          </p:cNvPr>
-          <p:cNvSpPr>
-            <a:spLocks noGrp="1"/>
-          </p:cNvSpPr>
-          <p:nvPr>
-            <p:ph type="title"/>
-          </p:nvPr>
-        </p:nvSpPr>
-        <p:spPr>
-          <a:xfrm>
-            <a:off x="3028950" y="1196182"/>
-            <a:ext cx="6134100" cy="1499393"/>
-          </a:xfrm>
-        </p:spPr>
-        <p:txBody>
-          <a:bodyPr>
-            <a:normAutofit/>
-          </a:bodyPr>
-          <a:lstStyle/>
-          <a:p>
-            <a:pPr algn="ctr"/>
-            <a:r>
-              <a:rPr lang="en-US" sz="4400" b="1" dirty="0"/>
-              <a:t>EV Cars </a:t>
-            </a:r>
-            <a:br>
-              <a:rPr lang="en-US" sz="4400" b="1" dirty="0"/>
-            </a:br>
-            <a:r>
-              <a:rPr lang="en-US" sz="4400" b="1" dirty="0"/>
-              <a:t>Environmental Impact</a:t>
-            </a:r>
-          </a:p>
-        </p:txBody>
-      </p:sp>
-    </p:spTree>
-    <p:extLst>
-      <p:ext uri="{BB962C8B-B14F-4D97-AF65-F5344CB8AC3E}">
-        <p14:creationId xmlns:p14="http://schemas.microsoft.com/office/powerpoint/2010/main" val="2765011733"/>
-      </p:ext>
-    </p:extLst>
-  </p:cSld>
-  <p:clrMapOvr>
-    <a:masterClrMapping/>
-  </p:clrMapOvr>
-  <mc:AlternateContent xmlns:mc="http://schemas.openxmlformats.org/markup-compatibility/2006" xmlns:p14="http://schemas.microsoft.com/office/powerpoint/2010/main">
-    <mc:Choice Requires="p14">
-      <p:transition spd="med" p14:dur="700">
-        <p:fade/>
-      </p:transition>
-    </mc:Choice>
-    <mc:Fallback xmlns="">
-      <p:transition spd="med">
-        <p:fade/>
-      </p:transition>
-    </mc:Fallback>
-  </mc:AlternateContent>
-</p:sld>
-</file>
-
-<file path=ppt/slides/slide13.xml><?xml version="1.0" encoding="utf-8"?>
-<p:sld xmlns:a="http://schemas.openxmlformats.org/drawingml/2006/main" xmlns:r="http://schemas.openxmlformats.org/officeDocument/2006/relationships" xmlns:p="http://schemas.openxmlformats.org/presentationml/2006/main">
-  <p:cSld>
-    <p:spTree>
-      <p:nvGrpSpPr>
-        <p:cNvPr id="1" name=""/>
-        <p:cNvGrpSpPr/>
-        <p:nvPr/>
-      </p:nvGrpSpPr>
-      <p:grpSpPr>
-        <a:xfrm>
-          <a:off x="0" y="0"/>
-          <a:ext cx="0" cy="0"/>
-          <a:chOff x="0" y="0"/>
-          <a:chExt cx="0" cy="0"/>
-        </a:xfrm>
-      </p:grpSpPr>
-      <p:sp>
-        <p:nvSpPr>
-          <p:cNvPr id="12" name="Title 11"/>
-          <p:cNvSpPr>
-            <a:spLocks noGrp="1"/>
-          </p:cNvSpPr>
-          <p:nvPr>
-            <p:ph type="title"/>
-          </p:nvPr>
-        </p:nvSpPr>
-        <p:spPr/>
-        <p:txBody>
-          <a:bodyPr/>
-          <a:lstStyle/>
-          <a:p>
-            <a:r>
-              <a:rPr lang="en-US" dirty="0"/>
-              <a:t>Add a Slide Title - 2</a:t>
-            </a:r>
-          </a:p>
-        </p:txBody>
-      </p:sp>
-      <p:sp>
-        <p:nvSpPr>
-          <p:cNvPr id="13" name="Text Placeholder 12"/>
-          <p:cNvSpPr>
-            <a:spLocks noGrp="1"/>
-          </p:cNvSpPr>
-          <p:nvPr>
-            <p:ph type="body" idx="1"/>
-          </p:nvPr>
-        </p:nvSpPr>
-        <p:spPr/>
-        <p:txBody>
-          <a:bodyPr/>
-          <a:lstStyle/>
-          <a:p>
-            <a:endParaRPr lang="en-US" dirty="0"/>
-          </a:p>
-        </p:txBody>
-      </p:sp>
-      <p:sp>
-        <p:nvSpPr>
-          <p:cNvPr id="14" name="Content Placeholder 13"/>
-          <p:cNvSpPr>
-            <a:spLocks noGrp="1"/>
-          </p:cNvSpPr>
-          <p:nvPr>
-            <p:ph sz="half" idx="2"/>
-          </p:nvPr>
-        </p:nvSpPr>
-        <p:spPr/>
-        <p:txBody>
-          <a:bodyPr/>
-          <a:lstStyle/>
-          <a:p>
-            <a:endParaRPr lang="en-US" dirty="0"/>
-          </a:p>
-        </p:txBody>
-      </p:sp>
-      <p:sp>
-        <p:nvSpPr>
-          <p:cNvPr id="15" name="Text Placeholder 14"/>
-          <p:cNvSpPr>
-            <a:spLocks noGrp="1"/>
-          </p:cNvSpPr>
-          <p:nvPr>
-            <p:ph type="body" sz="quarter" idx="3"/>
-          </p:nvPr>
-        </p:nvSpPr>
-        <p:spPr/>
-        <p:txBody>
-          <a:bodyPr/>
-          <a:lstStyle/>
-          <a:p>
-            <a:endParaRPr lang="en-US" dirty="0"/>
-          </a:p>
-        </p:txBody>
-      </p:sp>
-      <p:sp>
-        <p:nvSpPr>
-          <p:cNvPr id="16" name="Content Placeholder 15"/>
-          <p:cNvSpPr>
-            <a:spLocks noGrp="1"/>
-          </p:cNvSpPr>
-          <p:nvPr>
-            <p:ph sz="quarter" idx="4"/>
-          </p:nvPr>
-        </p:nvSpPr>
-        <p:spPr/>
-        <p:txBody>
-          <a:bodyPr/>
-          <a:lstStyle/>
-          <a:p>
-            <a:endParaRPr lang="en-US" dirty="0"/>
-          </a:p>
-        </p:txBody>
-      </p:sp>
-    </p:spTree>
-    <p:extLst>
-      <p:ext uri="{BB962C8B-B14F-4D97-AF65-F5344CB8AC3E}">
-        <p14:creationId xmlns:p14="http://schemas.microsoft.com/office/powerpoint/2010/main" val="1428607047"/>
-      </p:ext>
-    </p:extLst>
-  </p:cSld>
-  <p:clrMapOvr>
-    <a:masterClrMapping/>
-  </p:clrMapOvr>
-  <mc:AlternateContent xmlns:mc="http://schemas.openxmlformats.org/markup-compatibility/2006" xmlns:p14="http://schemas.microsoft.com/office/powerpoint/2010/main">
-    <mc:Choice Requires="p14">
-      <p:transition spd="med" p14:dur="700">
-        <p:fade/>
-      </p:transition>
-    </mc:Choice>
-    <mc:Fallback xmlns="">
-      <p:transition spd="med">
-        <p:fade/>
-      </p:transition>
-    </mc:Fallback>
-  </mc:AlternateContent>
-</p:sld>
-</file>
-
-<file path=ppt/slides/slide14.xml><?xml version="1.0" encoding="utf-8"?>
-<p:sld xmlns:a="http://schemas.openxmlformats.org/drawingml/2006/main" xmlns:r="http://schemas.openxmlformats.org/officeDocument/2006/relationships" xmlns:p="http://schemas.openxmlformats.org/presentationml/2006/main">
-  <p:cSld>
-    <p:spTree>
-      <p:nvGrpSpPr>
-        <p:cNvPr id="1" name=""/>
-        <p:cNvGrpSpPr/>
-        <p:nvPr/>
-      </p:nvGrpSpPr>
-      <p:grpSpPr>
-        <a:xfrm>
-          <a:off x="0" y="0"/>
-          <a:ext cx="0" cy="0"/>
-          <a:chOff x="0" y="0"/>
-          <a:chExt cx="0" cy="0"/>
-        </a:xfrm>
-      </p:grpSpPr>
-      <p:sp>
-        <p:nvSpPr>
-          <p:cNvPr id="4" name="Title 3"/>
-          <p:cNvSpPr>
-            <a:spLocks noGrp="1"/>
-          </p:cNvSpPr>
-          <p:nvPr>
-            <p:ph type="title"/>
-          </p:nvPr>
-        </p:nvSpPr>
-        <p:spPr/>
-        <p:txBody>
-          <a:bodyPr/>
-          <a:lstStyle/>
-          <a:p>
-            <a:r>
-              <a:rPr lang="en-US" dirty="0"/>
-              <a:t>Add a Slide Title - 3</a:t>
-            </a:r>
-          </a:p>
-        </p:txBody>
-      </p:sp>
-    </p:spTree>
-    <p:extLst>
-      <p:ext uri="{BB962C8B-B14F-4D97-AF65-F5344CB8AC3E}">
-        <p14:creationId xmlns:p14="http://schemas.microsoft.com/office/powerpoint/2010/main" val="3757355931"/>
-      </p:ext>
-    </p:extLst>
-  </p:cSld>
-  <p:clrMapOvr>
-    <a:masterClrMapping/>
-  </p:clrMapOvr>
-  <mc:AlternateContent xmlns:mc="http://schemas.openxmlformats.org/markup-compatibility/2006" xmlns:p14="http://schemas.microsoft.com/office/powerpoint/2010/main">
-    <mc:Choice Requires="p14">
-      <p:transition spd="med" p14:dur="700">
-        <p:fade/>
-      </p:transition>
-    </mc:Choice>
-    <mc:Fallback xmlns="">
-      <p:transition spd="med">
-        <p:fade/>
-      </p:transition>
-    </mc:Fallback>
-  </mc:AlternateContent>
-</p:sld>
-</file>
-
-<file path=ppt/slides/slide15.xml><?xml version="1.0" encoding="utf-8"?>
-<p:sld xmlns:a="http://schemas.openxmlformats.org/drawingml/2006/main" xmlns:r="http://schemas.openxmlformats.org/officeDocument/2006/relationships" xmlns:p="http://schemas.openxmlformats.org/presentationml/2006/main">
-  <p:cSld>
-    <p:spTree>
-      <p:nvGrpSpPr>
-        <p:cNvPr id="1" name=""/>
-        <p:cNvGrpSpPr/>
-        <p:nvPr/>
-      </p:nvGrpSpPr>
-      <p:grpSpPr>
-        <a:xfrm>
-          <a:off x="0" y="0"/>
-          <a:ext cx="0" cy="0"/>
-          <a:chOff x="0" y="0"/>
-          <a:chExt cx="0" cy="0"/>
-        </a:xfrm>
-      </p:grpSpPr>
-      <p:sp>
-        <p:nvSpPr>
-          <p:cNvPr id="3" name="Title 1">
-            <a:extLst>
-              <a:ext uri="{FF2B5EF4-FFF2-40B4-BE49-F238E27FC236}">
-                <a16:creationId xmlns:a16="http://schemas.microsoft.com/office/drawing/2014/main" id="{D999B5B6-13F8-4590-846A-34F73B063C5D}"/>
-              </a:ext>
-            </a:extLst>
-          </p:cNvPr>
-          <p:cNvSpPr txBox="1">
-            <a:spLocks/>
-          </p:cNvSpPr>
-          <p:nvPr/>
-        </p:nvSpPr>
-        <p:spPr>
-          <a:xfrm>
-            <a:off x="1076325" y="577057"/>
-            <a:ext cx="8067675" cy="1499393"/>
-          </a:xfrm>
-          <a:prstGeom prst="rect">
-            <a:avLst/>
-          </a:prstGeom>
-        </p:spPr>
-        <p:txBody>
-          <a:bodyPr>
-            <a:normAutofit/>
-          </a:bodyPr>
-          <a:lstStyle>
-            <a:lvl1pPr algn="l" defTabSz="457200" rtl="0" eaLnBrk="1" latinLnBrk="0" hangingPunct="1">
-              <a:spcBef>
-                <a:spcPct val="0"/>
-              </a:spcBef>
-              <a:buNone/>
-              <a:defRPr sz="3600" kern="1200">
-                <a:solidFill>
-                  <a:schemeClr val="accent1"/>
-                </a:solidFill>
-                <a:latin typeface="+mj-lt"/>
-                <a:ea typeface="+mj-ea"/>
-                <a:cs typeface="+mj-cs"/>
-              </a:defRPr>
-            </a:lvl1pPr>
-            <a:lvl2pPr eaLnBrk="1" hangingPunct="1">
-              <a:defRPr>
-                <a:solidFill>
-                  <a:schemeClr val="tx2"/>
-                </a:solidFill>
-              </a:defRPr>
-            </a:lvl2pPr>
-            <a:lvl3pPr eaLnBrk="1" hangingPunct="1">
-              <a:defRPr>
-                <a:solidFill>
-                  <a:schemeClr val="tx2"/>
-                </a:solidFill>
-              </a:defRPr>
-            </a:lvl3pPr>
-            <a:lvl4pPr eaLnBrk="1" hangingPunct="1">
-              <a:defRPr>
-                <a:solidFill>
-                  <a:schemeClr val="tx2"/>
-                </a:solidFill>
-              </a:defRPr>
-            </a:lvl4pPr>
-            <a:lvl5pPr eaLnBrk="1" hangingPunct="1">
-              <a:defRPr>
-                <a:solidFill>
-                  <a:schemeClr val="tx2"/>
-                </a:solidFill>
-              </a:defRPr>
-            </a:lvl5pPr>
-            <a:lvl6pPr eaLnBrk="1" hangingPunct="1">
-              <a:defRPr>
-                <a:solidFill>
-                  <a:schemeClr val="tx2"/>
-                </a:solidFill>
-              </a:defRPr>
-            </a:lvl6pPr>
-            <a:lvl7pPr eaLnBrk="1" hangingPunct="1">
-              <a:defRPr>
-                <a:solidFill>
-                  <a:schemeClr val="tx2"/>
-                </a:solidFill>
-              </a:defRPr>
-            </a:lvl7pPr>
-            <a:lvl8pPr eaLnBrk="1" hangingPunct="1">
-              <a:defRPr>
-                <a:solidFill>
-                  <a:schemeClr val="tx2"/>
-                </a:solidFill>
-              </a:defRPr>
-            </a:lvl8pPr>
-            <a:lvl9pPr eaLnBrk="1" hangingPunct="1">
-              <a:defRPr>
-                <a:solidFill>
-                  <a:schemeClr val="tx2"/>
-                </a:solidFill>
-              </a:defRPr>
-            </a:lvl9pPr>
-          </a:lstStyle>
-          <a:p>
-            <a:pPr algn="ctr"/>
-            <a:r>
-              <a:rPr lang="en-US" sz="4400" b="1" dirty="0"/>
-              <a:t>EV Cars </a:t>
-            </a:r>
-            <a:br>
-              <a:rPr lang="en-US" sz="4400" b="1" dirty="0"/>
-            </a:br>
-            <a:r>
-              <a:rPr lang="en-US" sz="4400" b="1" dirty="0"/>
-              <a:t>Charging Stations in Florida</a:t>
-            </a:r>
-          </a:p>
-        </p:txBody>
-      </p:sp>
-      <p:pic>
-        <p:nvPicPr>
-          <p:cNvPr id="5" name="Picture 4">
-            <a:extLst>
-              <a:ext uri="{FF2B5EF4-FFF2-40B4-BE49-F238E27FC236}">
-                <a16:creationId xmlns:a16="http://schemas.microsoft.com/office/drawing/2014/main" id="{1667C89B-A909-479C-A5EE-57AA56DBD34A}"/>
-              </a:ext>
-            </a:extLst>
-          </p:cNvPr>
-          <p:cNvPicPr>
-            <a:picLocks noChangeAspect="1"/>
-          </p:cNvPicPr>
-          <p:nvPr/>
-        </p:nvPicPr>
-        <p:blipFill>
-          <a:blip r:embed="rId2"/>
-          <a:stretch>
-            <a:fillRect/>
-          </a:stretch>
-        </p:blipFill>
-        <p:spPr>
-          <a:xfrm>
-            <a:off x="1647824" y="2704305"/>
-            <a:ext cx="7153275" cy="3576638"/>
-          </a:xfrm>
-          <a:prstGeom prst="rect">
-            <a:avLst/>
-          </a:prstGeom>
-        </p:spPr>
-      </p:pic>
-    </p:spTree>
-    <p:extLst>
-      <p:ext uri="{BB962C8B-B14F-4D97-AF65-F5344CB8AC3E}">
-        <p14:creationId xmlns:p14="http://schemas.microsoft.com/office/powerpoint/2010/main" val="726169185"/>
-      </p:ext>
-    </p:extLst>
-  </p:cSld>
-  <p:clrMapOvr>
-    <a:masterClrMapping/>
-  </p:clrMapOvr>
-  <mc:AlternateContent xmlns:mc="http://schemas.openxmlformats.org/markup-compatibility/2006" xmlns:p14="http://schemas.microsoft.com/office/powerpoint/2010/main">
-    <mc:Choice Requires="p14">
-      <p:transition spd="med" p14:dur="700">
-        <p:fade/>
-      </p:transition>
-    </mc:Choice>
-    <mc:Fallback xmlns="">
-      <p:transition spd="med">
-        <p:fade/>
-      </p:transition>
-    </mc:Fallback>
-  </mc:AlternateContent>
-</p:sld>
-</file>
-
-<file path=ppt/slides/slide16.xml><?xml version="1.0" encoding="utf-8"?>
-<p:sld xmlns:a="http://schemas.openxmlformats.org/drawingml/2006/main" xmlns:r="http://schemas.openxmlformats.org/officeDocument/2006/relationships" xmlns:p="http://schemas.openxmlformats.org/presentationml/2006/main">
-  <p:cSld>
-    <p:spTree>
-      <p:nvGrpSpPr>
-        <p:cNvPr id="1" name=""/>
-        <p:cNvGrpSpPr/>
-        <p:nvPr/>
-      </p:nvGrpSpPr>
-      <p:grpSpPr>
-        <a:xfrm>
-          <a:off x="0" y="0"/>
-          <a:ext cx="0" cy="0"/>
-          <a:chOff x="0" y="0"/>
-          <a:chExt cx="0" cy="0"/>
-        </a:xfrm>
-      </p:grpSpPr>
-      <p:pic>
-        <p:nvPicPr>
-          <p:cNvPr id="5" name="Picture 4">
-            <a:extLst>
-              <a:ext uri="{FF2B5EF4-FFF2-40B4-BE49-F238E27FC236}">
-                <a16:creationId xmlns:a16="http://schemas.microsoft.com/office/drawing/2014/main" id="{25B852C5-7C6D-4C26-9141-99C6F5F4D0E3}"/>
-              </a:ext>
-            </a:extLst>
-          </p:cNvPr>
-          <p:cNvPicPr>
-            <a:picLocks noChangeAspect="1"/>
-          </p:cNvPicPr>
-          <p:nvPr/>
-        </p:nvPicPr>
-        <p:blipFill>
-          <a:blip r:embed="rId2"/>
-          <a:stretch>
-            <a:fillRect/>
-          </a:stretch>
-        </p:blipFill>
-        <p:spPr>
-          <a:xfrm>
-            <a:off x="0" y="8841"/>
-            <a:ext cx="8991600" cy="6906309"/>
-          </a:xfrm>
-          <a:prstGeom prst="rect">
-            <a:avLst/>
-          </a:prstGeom>
-        </p:spPr>
-      </p:pic>
-      <p:sp>
-        <p:nvSpPr>
-          <p:cNvPr id="3" name="TextBox 2">
-            <a:extLst>
-              <a:ext uri="{FF2B5EF4-FFF2-40B4-BE49-F238E27FC236}">
-                <a16:creationId xmlns:a16="http://schemas.microsoft.com/office/drawing/2014/main" id="{BC2503CD-2066-411E-A235-F060EE4221F6}"/>
-              </a:ext>
-            </a:extLst>
-          </p:cNvPr>
-          <p:cNvSpPr txBox="1"/>
-          <p:nvPr/>
-        </p:nvSpPr>
-        <p:spPr>
-          <a:xfrm>
-            <a:off x="2519362" y="1134159"/>
-            <a:ext cx="4757737" cy="1569660"/>
-          </a:xfrm>
-          <a:prstGeom prst="rect">
-            <a:avLst/>
-          </a:prstGeom>
-          <a:noFill/>
-        </p:spPr>
-        <p:txBody>
-          <a:bodyPr wrap="square">
-            <a:spAutoFit/>
-          </a:bodyPr>
-          <a:lstStyle/>
-          <a:p>
-            <a:pPr algn="ctr"/>
-            <a:r>
-              <a:rPr lang="en-US" sz="4800" b="1" dirty="0">
-                <a:solidFill>
-                  <a:schemeClr val="accent2">
-                    <a:lumMod val="60000"/>
-                    <a:lumOff val="40000"/>
-                  </a:schemeClr>
-                </a:solidFill>
-              </a:rPr>
-              <a:t>Florida EV Cars Website</a:t>
-            </a:r>
-            <a:endParaRPr lang="en-US" sz="4800" dirty="0">
-              <a:solidFill>
-                <a:schemeClr val="accent2">
-                  <a:lumMod val="60000"/>
-                  <a:lumOff val="40000"/>
-                </a:schemeClr>
-              </a:solidFill>
-            </a:endParaRPr>
-          </a:p>
-        </p:txBody>
-      </p:sp>
-    </p:spTree>
-    <p:extLst>
-      <p:ext uri="{BB962C8B-B14F-4D97-AF65-F5344CB8AC3E}">
-        <p14:creationId xmlns:p14="http://schemas.microsoft.com/office/powerpoint/2010/main" val="1464733085"/>
-      </p:ext>
-    </p:extLst>
-  </p:cSld>
-  <p:clrMapOvr>
-    <a:masterClrMapping/>
-  </p:clrMapOvr>
-  <mc:AlternateContent xmlns:mc="http://schemas.openxmlformats.org/markup-compatibility/2006" xmlns:p14="http://schemas.microsoft.com/office/powerpoint/2010/main">
-    <mc:Choice Requires="p14">
-      <p:transition spd="med" p14:dur="700">
-        <p:fade/>
-      </p:transition>
-    </mc:Choice>
-    <mc:Fallback xmlns="">
-      <p:transition spd="med">
-        <p:fade/>
-      </p:transition>
-    </mc:Fallback>
-  </mc:AlternateContent>
-</p:sld>
-</file>
-
-<file path=ppt/slides/slide17.xml><?xml version="1.0" encoding="utf-8"?>
-<p:sld xmlns:a="http://schemas.openxmlformats.org/drawingml/2006/main" xmlns:r="http://schemas.openxmlformats.org/officeDocument/2006/relationships" xmlns:p="http://schemas.openxmlformats.org/presentationml/2006/main">
-  <p:cSld>
-    <p:spTree>
-      <p:nvGrpSpPr>
-        <p:cNvPr id="1" name=""/>
-        <p:cNvGrpSpPr/>
-        <p:nvPr/>
-      </p:nvGrpSpPr>
-      <p:grpSpPr>
-        <a:xfrm>
-          <a:off x="0" y="0"/>
-          <a:ext cx="0" cy="0"/>
-          <a:chOff x="0" y="0"/>
-          <a:chExt cx="0" cy="0"/>
-        </a:xfrm>
-      </p:grpSpPr>
-      <p:pic>
-        <p:nvPicPr>
-          <p:cNvPr id="3" name="Picture 2">
-            <a:extLst>
-              <a:ext uri="{FF2B5EF4-FFF2-40B4-BE49-F238E27FC236}">
-                <a16:creationId xmlns:a16="http://schemas.microsoft.com/office/drawing/2014/main" id="{4D648841-74B6-4E9A-8328-8DFBCEE7F3D5}"/>
-              </a:ext>
-            </a:extLst>
-          </p:cNvPr>
-          <p:cNvPicPr>
-            <a:picLocks noChangeAspect="1"/>
-          </p:cNvPicPr>
-          <p:nvPr/>
-        </p:nvPicPr>
-        <p:blipFill>
-          <a:blip r:embed="rId2"/>
-          <a:stretch>
-            <a:fillRect/>
-          </a:stretch>
-        </p:blipFill>
-        <p:spPr>
-          <a:xfrm>
-            <a:off x="3457575" y="3957637"/>
-            <a:ext cx="3657600" cy="2438400"/>
-          </a:xfrm>
-          <a:prstGeom prst="rect">
-            <a:avLst/>
-          </a:prstGeom>
-        </p:spPr>
-      </p:pic>
-      <p:pic>
-        <p:nvPicPr>
-          <p:cNvPr id="5" name="Picture 4">
-            <a:extLst>
-              <a:ext uri="{FF2B5EF4-FFF2-40B4-BE49-F238E27FC236}">
-                <a16:creationId xmlns:a16="http://schemas.microsoft.com/office/drawing/2014/main" id="{2357ECEB-7B2B-46A8-A529-5A2C55589449}"/>
-              </a:ext>
-            </a:extLst>
-          </p:cNvPr>
-          <p:cNvPicPr>
-            <a:picLocks noChangeAspect="1"/>
-          </p:cNvPicPr>
-          <p:nvPr/>
-        </p:nvPicPr>
-        <p:blipFill>
-          <a:blip r:embed="rId3"/>
-          <a:stretch>
-            <a:fillRect/>
-          </a:stretch>
-        </p:blipFill>
-        <p:spPr>
-          <a:xfrm>
-            <a:off x="390524" y="371475"/>
-            <a:ext cx="5191522" cy="3429000"/>
-          </a:xfrm>
-          <a:prstGeom prst="rect">
-            <a:avLst/>
-          </a:prstGeom>
-        </p:spPr>
-      </p:pic>
-      <p:pic>
-        <p:nvPicPr>
-          <p:cNvPr id="9" name="Picture 8">
-            <a:extLst>
-              <a:ext uri="{FF2B5EF4-FFF2-40B4-BE49-F238E27FC236}">
-                <a16:creationId xmlns:a16="http://schemas.microsoft.com/office/drawing/2014/main" id="{72B8907C-B9FA-4A2C-8359-70E006D320E5}"/>
-              </a:ext>
-            </a:extLst>
-          </p:cNvPr>
-          <p:cNvPicPr>
-            <a:picLocks noChangeAspect="1"/>
-          </p:cNvPicPr>
-          <p:nvPr/>
-        </p:nvPicPr>
-        <p:blipFill>
-          <a:blip r:embed="rId4"/>
-          <a:stretch>
-            <a:fillRect/>
-          </a:stretch>
-        </p:blipFill>
-        <p:spPr>
-          <a:xfrm>
-            <a:off x="528637" y="4252912"/>
-            <a:ext cx="2828925" cy="1609725"/>
-          </a:xfrm>
-          <a:prstGeom prst="rect">
-            <a:avLst/>
-          </a:prstGeom>
-        </p:spPr>
-      </p:pic>
-    </p:spTree>
-    <p:extLst>
-      <p:ext uri="{BB962C8B-B14F-4D97-AF65-F5344CB8AC3E}">
-        <p14:creationId xmlns:p14="http://schemas.microsoft.com/office/powerpoint/2010/main" val="790883198"/>
-      </p:ext>
-    </p:extLst>
-  </p:cSld>
-  <p:clrMapOvr>
-    <a:masterClrMapping/>
-  </p:clrMapOvr>
-  <mc:AlternateContent xmlns:mc="http://schemas.openxmlformats.org/markup-compatibility/2006" xmlns:p14="http://schemas.microsoft.com/office/powerpoint/2010/main">
-    <mc:Choice Requires="p14">
-      <p:transition spd="med" p14:dur="700">
-        <p:fade/>
-      </p:transition>
-    </mc:Choice>
-    <mc:Fallback xmlns="">
-      <p:transition spd="med">
-        <p:fade/>
-      </p:transition>
-    </mc:Fallback>
-  </mc:AlternateContent>
-</p:sld>
-</file>
-
-<file path=ppt/slides/slide18.xml><?xml version="1.0" encoding="utf-8"?>
-<p:sld xmlns:a="http://schemas.openxmlformats.org/drawingml/2006/main" xmlns:r="http://schemas.openxmlformats.org/officeDocument/2006/relationships" xmlns:p="http://schemas.openxmlformats.org/presentationml/2006/main">
-  <p:cSld>
-    <p:spTree>
-      <p:nvGrpSpPr>
-        <p:cNvPr id="1" name=""/>
-        <p:cNvGrpSpPr/>
-        <p:nvPr/>
-      </p:nvGrpSpPr>
-      <p:grpSpPr>
-        <a:xfrm>
-          <a:off x="0" y="0"/>
-          <a:ext cx="0" cy="0"/>
-          <a:chOff x="0" y="0"/>
-          <a:chExt cx="0" cy="0"/>
-        </a:xfrm>
-      </p:grpSpPr>
-      <p:sp>
-        <p:nvSpPr>
-          <p:cNvPr id="8" name="Title 7"/>
-          <p:cNvSpPr>
-            <a:spLocks noGrp="1"/>
-          </p:cNvSpPr>
-          <p:nvPr>
-            <p:ph type="title"/>
-          </p:nvPr>
-        </p:nvSpPr>
-        <p:spPr/>
-        <p:txBody>
-          <a:bodyPr/>
-          <a:lstStyle/>
-          <a:p>
-            <a:r>
-              <a:rPr lang="en-US" dirty="0"/>
-              <a:t>Add a Slide Title - 4</a:t>
-            </a:r>
-          </a:p>
-        </p:txBody>
-      </p:sp>
-      <p:sp>
-        <p:nvSpPr>
-          <p:cNvPr id="9" name="Content Placeholder 8"/>
-          <p:cNvSpPr>
-            <a:spLocks noGrp="1"/>
-          </p:cNvSpPr>
-          <p:nvPr>
-            <p:ph idx="1"/>
-          </p:nvPr>
-        </p:nvSpPr>
-        <p:spPr/>
-        <p:txBody>
-          <a:bodyPr/>
-          <a:lstStyle/>
-          <a:p>
-            <a:endParaRPr lang="en-US" dirty="0"/>
-          </a:p>
-        </p:txBody>
-      </p:sp>
-      <p:sp>
-        <p:nvSpPr>
-          <p:cNvPr id="10" name="Text Placeholder 9"/>
-          <p:cNvSpPr>
-            <a:spLocks noGrp="1"/>
-          </p:cNvSpPr>
-          <p:nvPr>
-            <p:ph type="body" sz="half" idx="2"/>
-          </p:nvPr>
-        </p:nvSpPr>
-        <p:spPr/>
-        <p:txBody>
-          <a:bodyPr/>
-          <a:lstStyle/>
-          <a:p>
-            <a:endParaRPr lang="en-US" dirty="0"/>
-          </a:p>
-        </p:txBody>
-      </p:sp>
-    </p:spTree>
-    <p:extLst>
-      <p:ext uri="{BB962C8B-B14F-4D97-AF65-F5344CB8AC3E}">
-        <p14:creationId xmlns:p14="http://schemas.microsoft.com/office/powerpoint/2010/main" val="1669418864"/>
-      </p:ext>
-    </p:extLst>
-  </p:cSld>
-  <p:clrMapOvr>
-    <a:masterClrMapping/>
-  </p:clrMapOvr>
-  <mc:AlternateContent xmlns:mc="http://schemas.openxmlformats.org/markup-compatibility/2006" xmlns:p14="http://schemas.microsoft.com/office/powerpoint/2010/main">
-    <mc:Choice Requires="p14">
-      <p:transition spd="med" p14:dur="700">
-        <p:fade/>
-      </p:transition>
-    </mc:Choice>
-    <mc:Fallback xmlns="">
-      <p:transition spd="med">
-        <p:fade/>
-      </p:transition>
-    </mc:Fallback>
-  </mc:AlternateContent>
-</p:sld>
-</file>
-
-<file path=ppt/slides/slide19.xml><?xml version="1.0" encoding="utf-8"?>
-<p:sld xmlns:a="http://schemas.openxmlformats.org/drawingml/2006/main" xmlns:r="http://schemas.openxmlformats.org/officeDocument/2006/relationships" xmlns:p="http://schemas.openxmlformats.org/presentationml/2006/main">
-  <p:cSld>
-    <p:spTree>
-      <p:nvGrpSpPr>
-        <p:cNvPr id="1" name=""/>
-        <p:cNvGrpSpPr/>
-        <p:nvPr/>
-      </p:nvGrpSpPr>
-      <p:grpSpPr>
-        <a:xfrm>
-          <a:off x="0" y="0"/>
-          <a:ext cx="0" cy="0"/>
-          <a:chOff x="0" y="0"/>
-          <a:chExt cx="0" cy="0"/>
-        </a:xfrm>
-      </p:grpSpPr>
-      <p:sp>
-        <p:nvSpPr>
-          <p:cNvPr id="8" name="Title 7"/>
-          <p:cNvSpPr>
-            <a:spLocks noGrp="1"/>
-          </p:cNvSpPr>
-          <p:nvPr>
-            <p:ph type="title"/>
-          </p:nvPr>
-        </p:nvSpPr>
-        <p:spPr/>
-        <p:txBody>
-          <a:bodyPr/>
-          <a:lstStyle/>
-          <a:p>
-            <a:r>
-              <a:rPr lang="en-US" dirty="0"/>
-              <a:t>Thank you letting us share our story!</a:t>
-            </a:r>
-          </a:p>
-        </p:txBody>
-      </p:sp>
-      <p:pic>
-        <p:nvPicPr>
-          <p:cNvPr id="3" name="Picture Placeholder 2">
-            <a:extLst>
-              <a:ext uri="{FF2B5EF4-FFF2-40B4-BE49-F238E27FC236}">
-                <a16:creationId xmlns:a16="http://schemas.microsoft.com/office/drawing/2014/main" id="{1DE29613-B19C-4541-92B5-5CA589E9AE0E}"/>
-              </a:ext>
-            </a:extLst>
-          </p:cNvPr>
-          <p:cNvPicPr>
-            <a:picLocks noGrp="1" noChangeAspect="1"/>
-          </p:cNvPicPr>
-          <p:nvPr>
-            <p:ph type="pic" idx="1"/>
-          </p:nvPr>
-        </p:nvPicPr>
-        <p:blipFill>
-          <a:blip r:embed="rId2"/>
-          <a:srcRect t="533" b="533"/>
-          <a:stretch>
-            <a:fillRect/>
-          </a:stretch>
-        </p:blipFill>
-        <p:spPr>
-          <a:xfrm>
-            <a:off x="1323974" y="1164059"/>
-            <a:ext cx="7378527" cy="3300783"/>
-          </a:xfrm>
-        </p:spPr>
-      </p:pic>
-      <p:sp>
-        <p:nvSpPr>
-          <p:cNvPr id="10" name="Text Placeholder 9"/>
-          <p:cNvSpPr>
-            <a:spLocks noGrp="1"/>
-          </p:cNvSpPr>
-          <p:nvPr>
-            <p:ph type="body" sz="half" idx="2"/>
-          </p:nvPr>
-        </p:nvSpPr>
-        <p:spPr/>
-        <p:txBody>
-          <a:bodyPr/>
-          <a:lstStyle/>
-          <a:p>
-            <a:endParaRPr lang="en-US" dirty="0"/>
-          </a:p>
-        </p:txBody>
-      </p:sp>
-    </p:spTree>
-    <p:extLst>
-      <p:ext uri="{BB962C8B-B14F-4D97-AF65-F5344CB8AC3E}">
-        <p14:creationId xmlns:p14="http://schemas.microsoft.com/office/powerpoint/2010/main" val="1303301948"/>
-      </p:ext>
-    </p:extLst>
-  </p:cSld>
-  <p:clrMapOvr>
-    <a:masterClrMapping/>
-  </p:clrMapOvr>
-  <mc:AlternateContent xmlns:mc="http://schemas.openxmlformats.org/markup-compatibility/2006" xmlns:p14="http://schemas.microsoft.com/office/powerpoint/2010/main">
-    <mc:Choice Requires="p14">
-      <p:transition spd="med" p14:dur="700">
-        <p:fade/>
-      </p:transition>
-    </mc:Choice>
-    <mc:Fallback xmlns="">
-      <p:transition spd="med">
-        <p:fade/>
-      </p:transition>
-    </mc:Fallback>
-  </mc:AlternateContent>
-</p:sld>
-</file>
-
-<file path=ppt/slides/slide2.xml><?xml version="1.0" encoding="utf-8"?>
-<p:sld xmlns:a="http://schemas.openxmlformats.org/drawingml/2006/main" xmlns:r="http://schemas.openxmlformats.org/officeDocument/2006/relationships" xmlns:p="http://schemas.openxmlformats.org/presentationml/2006/main">
-  <p:cSld>
-    <p:spTree>
-      <p:nvGrpSpPr>
-        <p:cNvPr id="1" name=""/>
-        <p:cNvGrpSpPr/>
-        <p:nvPr/>
-      </p:nvGrpSpPr>
-      <p:grpSpPr>
-        <a:xfrm>
-          <a:off x="0" y="0"/>
-          <a:ext cx="0" cy="0"/>
-          <a:chOff x="0" y="0"/>
-          <a:chExt cx="0" cy="0"/>
-        </a:xfrm>
-      </p:grpSpPr>
-      <p:pic>
-        <p:nvPicPr>
-          <p:cNvPr id="6" name="Picture 5">
-            <a:extLst>
-              <a:ext uri="{FF2B5EF4-FFF2-40B4-BE49-F238E27FC236}">
-                <a16:creationId xmlns:a16="http://schemas.microsoft.com/office/drawing/2014/main" id="{28BDA05A-9AC1-46EF-ADA3-B75951036893}"/>
-              </a:ext>
-            </a:extLst>
-          </p:cNvPr>
-          <p:cNvPicPr>
-            <a:picLocks noChangeAspect="1"/>
-          </p:cNvPicPr>
-          <p:nvPr/>
-        </p:nvPicPr>
-        <p:blipFill>
-          <a:blip r:embed="rId2"/>
-          <a:stretch>
-            <a:fillRect/>
-          </a:stretch>
-        </p:blipFill>
-        <p:spPr>
-          <a:xfrm>
-            <a:off x="0" y="0"/>
-            <a:ext cx="11201401" cy="6858000"/>
-          </a:xfrm>
-          <a:prstGeom prst="rect">
-            <a:avLst/>
-          </a:prstGeom>
-        </p:spPr>
-      </p:pic>
-      <p:sp>
-        <p:nvSpPr>
-          <p:cNvPr id="2" name="Title 1"/>
-          <p:cNvSpPr>
-            <a:spLocks noGrp="1"/>
-          </p:cNvSpPr>
-          <p:nvPr>
-            <p:ph type="title"/>
-          </p:nvPr>
-        </p:nvSpPr>
-        <p:spPr>
-          <a:xfrm>
-            <a:off x="2200275" y="190500"/>
-            <a:ext cx="8058150" cy="952500"/>
-          </a:xfrm>
-        </p:spPr>
-        <p:txBody>
-          <a:bodyPr>
-            <a:normAutofit/>
-          </a:bodyPr>
-          <a:lstStyle/>
-          <a:p>
-            <a:r>
-              <a:rPr lang="en-US" sz="4800" b="1" dirty="0">
-                <a:solidFill>
-                  <a:schemeClr val="tx1"/>
-                </a:solidFill>
-              </a:rPr>
-              <a:t>EV Cars Florida Story</a:t>
-            </a:r>
-          </a:p>
-        </p:txBody>
-      </p:sp>
-      <p:sp>
-        <p:nvSpPr>
-          <p:cNvPr id="3" name="Content Placeholder 2"/>
-          <p:cNvSpPr>
-            <a:spLocks noGrp="1"/>
-          </p:cNvSpPr>
-          <p:nvPr>
-            <p:ph idx="1"/>
-          </p:nvPr>
-        </p:nvSpPr>
-        <p:spPr>
-          <a:xfrm>
-            <a:off x="134408" y="1438275"/>
-            <a:ext cx="5037667" cy="2295525"/>
-          </a:xfrm>
-        </p:spPr>
-        <p:txBody>
-          <a:bodyPr/>
-          <a:lstStyle/>
-          <a:p>
-            <a:r>
-              <a:rPr lang="en-US" sz="2200" b="1" dirty="0">
-                <a:solidFill>
-                  <a:schemeClr val="tx1"/>
-                </a:solidFill>
-              </a:rPr>
-              <a:t>Investigation in EV Cars in Florida</a:t>
-            </a:r>
-          </a:p>
-          <a:p>
-            <a:r>
-              <a:rPr lang="en-US" sz="2200" b="1" dirty="0">
-                <a:solidFill>
-                  <a:schemeClr val="tx1"/>
-                </a:solidFill>
-              </a:rPr>
-              <a:t>Data Analysis and Data Cleaning</a:t>
-            </a:r>
-          </a:p>
-          <a:p>
-            <a:r>
-              <a:rPr lang="en-US" sz="2200" b="1" dirty="0">
-                <a:solidFill>
-                  <a:schemeClr val="tx1"/>
-                </a:solidFill>
-              </a:rPr>
-              <a:t>Environmental Impact</a:t>
-            </a:r>
-          </a:p>
-          <a:p>
-            <a:r>
-              <a:rPr lang="en-US" sz="2200" b="1" dirty="0">
-                <a:solidFill>
-                  <a:schemeClr val="tx1"/>
-                </a:solidFill>
-              </a:rPr>
-              <a:t>EV Stations in Florida</a:t>
-            </a:r>
-          </a:p>
-          <a:p>
-            <a:r>
-              <a:rPr lang="en-US" sz="2200" b="1" dirty="0">
-                <a:solidFill>
-                  <a:schemeClr val="tx1"/>
-                </a:solidFill>
-              </a:rPr>
-              <a:t>Website</a:t>
-            </a:r>
-          </a:p>
-          <a:p>
-            <a:endParaRPr lang="en-US" dirty="0"/>
-          </a:p>
-        </p:txBody>
-      </p:sp>
-    </p:spTree>
-    <p:extLst>
-      <p:ext uri="{BB962C8B-B14F-4D97-AF65-F5344CB8AC3E}">
-        <p14:creationId xmlns:p14="http://schemas.microsoft.com/office/powerpoint/2010/main" val="3346596536"/>
-      </p:ext>
-    </p:extLst>
-  </p:cSld>
-  <p:clrMapOvr>
-    <a:masterClrMapping/>
-  </p:clrMapOvr>
-  <mc:AlternateContent xmlns:mc="http://schemas.openxmlformats.org/markup-compatibility/2006" xmlns:p14="http://schemas.microsoft.com/office/powerpoint/2010/main">
-    <mc:Choice Requires="p14">
-      <p:transition spd="med" p14:dur="700">
-        <p:fade/>
-      </p:transition>
-    </mc:Choice>
-    <mc:Fallback xmlns="">
-      <p:transition spd="med">
-        <p:fade/>
-      </p:transition>
-    </mc:Fallback>
-  </mc:AlternateContent>
-</p:sld>
-</file>
-
-<file path=ppt/slides/slide3.xml><?xml version="1.0" encoding="utf-8"?>
-<p:sld xmlns:a="http://schemas.openxmlformats.org/drawingml/2006/main" xmlns:r="http://schemas.openxmlformats.org/officeDocument/2006/relationships" xmlns:p="http://schemas.openxmlformats.org/presentationml/2006/main">
-  <p:cSld>
-    <p:spTree>
-      <p:nvGrpSpPr>
-        <p:cNvPr id="1" name=""/>
-        <p:cNvGrpSpPr/>
-        <p:nvPr/>
-      </p:nvGrpSpPr>
-      <p:grpSpPr>
-        <a:xfrm>
-          <a:off x="0" y="0"/>
-          <a:ext cx="0" cy="0"/>
-          <a:chOff x="0" y="0"/>
-          <a:chExt cx="0" cy="0"/>
-        </a:xfrm>
-      </p:grpSpPr>
-      <p:pic>
-        <p:nvPicPr>
-          <p:cNvPr id="11" name="Picture 10">
-            <a:extLst>
-              <a:ext uri="{FF2B5EF4-FFF2-40B4-BE49-F238E27FC236}">
-                <a16:creationId xmlns:a16="http://schemas.microsoft.com/office/drawing/2014/main" id="{F01DBF69-12DD-439E-A3EF-C4BCB6DE3397}"/>
-              </a:ext>
-            </a:extLst>
-          </p:cNvPr>
-          <p:cNvPicPr>
-            <a:picLocks noChangeAspect="1"/>
-          </p:cNvPicPr>
-          <p:nvPr/>
-        </p:nvPicPr>
-        <p:blipFill>
-          <a:blip r:embed="rId2"/>
-          <a:stretch>
-            <a:fillRect/>
-          </a:stretch>
-        </p:blipFill>
-        <p:spPr>
-          <a:xfrm>
-            <a:off x="0" y="0"/>
-            <a:ext cx="12192000" cy="6991350"/>
-          </a:xfrm>
-          <a:prstGeom prst="rect">
-            <a:avLst/>
-          </a:prstGeom>
-        </p:spPr>
-      </p:pic>
-      <p:sp>
-        <p:nvSpPr>
-          <p:cNvPr id="4" name="Title 3"/>
-          <p:cNvSpPr>
-            <a:spLocks noGrp="1"/>
-          </p:cNvSpPr>
-          <p:nvPr>
-            <p:ph type="title"/>
-          </p:nvPr>
-        </p:nvSpPr>
-        <p:spPr>
-          <a:xfrm>
-            <a:off x="219077" y="4276725"/>
-            <a:ext cx="7458073" cy="1657349"/>
-          </a:xfrm>
-          <a:solidFill>
-            <a:srgbClr val="92D050"/>
-          </a:solidFill>
-        </p:spPr>
-        <p:txBody>
-          <a:bodyPr anchor="ctr"/>
-          <a:lstStyle/>
-          <a:p>
-            <a:pPr algn="ctr"/>
-            <a:r>
-              <a:rPr lang="en-US" b="1" dirty="0">
-                <a:solidFill>
-                  <a:schemeClr val="bg1"/>
-                </a:solidFill>
-              </a:rPr>
-              <a:t>Investigation in EV Cars</a:t>
-            </a:r>
-            <a:br>
-              <a:rPr lang="en-US" b="1" dirty="0">
-                <a:solidFill>
-                  <a:schemeClr val="bg1"/>
-                </a:solidFill>
-              </a:rPr>
-            </a:br>
-            <a:r>
-              <a:rPr lang="en-US" b="1" dirty="0">
-                <a:solidFill>
-                  <a:schemeClr val="bg1"/>
-                </a:solidFill>
-              </a:rPr>
-              <a:t>in Florida</a:t>
-            </a:r>
-          </a:p>
-        </p:txBody>
-      </p:sp>
-    </p:spTree>
-    <p:extLst>
-      <p:ext uri="{BB962C8B-B14F-4D97-AF65-F5344CB8AC3E}">
-        <p14:creationId xmlns:p14="http://schemas.microsoft.com/office/powerpoint/2010/main" val="2312531367"/>
-      </p:ext>
-    </p:extLst>
-  </p:cSld>
-  <p:clrMapOvr>
-    <a:masterClrMapping/>
-  </p:clrMapOvr>
-  <mc:AlternateContent xmlns:mc="http://schemas.openxmlformats.org/markup-compatibility/2006" xmlns:p14="http://schemas.microsoft.com/office/powerpoint/2010/main">
-    <mc:Choice Requires="p14">
-      <p:transition spd="med" p14:dur="700">
-        <p:fade/>
-      </p:transition>
-    </mc:Choice>
-    <mc:Fallback xmlns="">
-      <p:transition spd="med">
-        <p:fade/>
-      </p:transition>
-    </mc:Fallback>
-  </mc:AlternateContent>
-</p:sld>
-</file>
-
-<file path=ppt/slides/slide4.xml><?xml version="1.0" encoding="utf-8"?>
-<p:sld xmlns:a="http://schemas.openxmlformats.org/drawingml/2006/main" xmlns:r="http://schemas.openxmlformats.org/officeDocument/2006/relationships" xmlns:p="http://schemas.openxmlformats.org/presentationml/2006/main">
-  <p:cSld>
-    <p:spTree>
-      <p:nvGrpSpPr>
-        <p:cNvPr id="1" name=""/>
-        <p:cNvGrpSpPr/>
-        <p:nvPr/>
-      </p:nvGrpSpPr>
-      <p:grpSpPr>
-        <a:xfrm>
-          <a:off x="0" y="0"/>
-          <a:ext cx="0" cy="0"/>
-          <a:chOff x="0" y="0"/>
-          <a:chExt cx="0" cy="0"/>
-        </a:xfrm>
-      </p:grpSpPr>
-      <p:sp>
-        <p:nvSpPr>
-          <p:cNvPr id="12" name="Title 11"/>
-          <p:cNvSpPr>
-            <a:spLocks noGrp="1"/>
-          </p:cNvSpPr>
-          <p:nvPr>
-            <p:ph type="title"/>
-          </p:nvPr>
-        </p:nvSpPr>
-        <p:spPr/>
-        <p:txBody>
-          <a:bodyPr/>
-          <a:lstStyle/>
-          <a:p>
-            <a:r>
-              <a:rPr lang="en-US" dirty="0"/>
-              <a:t>Add a Slide Title - 2</a:t>
-            </a:r>
-          </a:p>
-        </p:txBody>
-      </p:sp>
-      <p:sp>
-        <p:nvSpPr>
-          <p:cNvPr id="13" name="Text Placeholder 12"/>
-          <p:cNvSpPr>
-            <a:spLocks noGrp="1"/>
-          </p:cNvSpPr>
-          <p:nvPr>
-            <p:ph type="body" idx="1"/>
-          </p:nvPr>
-        </p:nvSpPr>
-        <p:spPr/>
-        <p:txBody>
-          <a:bodyPr/>
-          <a:lstStyle/>
-          <a:p>
-            <a:endParaRPr lang="en-US" dirty="0"/>
-          </a:p>
-        </p:txBody>
-      </p:sp>
-      <p:sp>
-        <p:nvSpPr>
-          <p:cNvPr id="14" name="Content Placeholder 13"/>
-          <p:cNvSpPr>
-            <a:spLocks noGrp="1"/>
-          </p:cNvSpPr>
-          <p:nvPr>
-            <p:ph sz="half" idx="2"/>
-          </p:nvPr>
-        </p:nvSpPr>
-        <p:spPr/>
-        <p:txBody>
-          <a:bodyPr/>
-          <a:lstStyle/>
-          <a:p>
-            <a:endParaRPr lang="en-US" dirty="0"/>
-          </a:p>
-        </p:txBody>
-      </p:sp>
-      <p:sp>
-        <p:nvSpPr>
-          <p:cNvPr id="15" name="Text Placeholder 14"/>
-          <p:cNvSpPr>
-            <a:spLocks noGrp="1"/>
-          </p:cNvSpPr>
-          <p:nvPr>
-            <p:ph type="body" sz="quarter" idx="3"/>
-          </p:nvPr>
-        </p:nvSpPr>
-        <p:spPr/>
-        <p:txBody>
-          <a:bodyPr/>
-          <a:lstStyle/>
-          <a:p>
-            <a:endParaRPr lang="en-US" dirty="0"/>
-          </a:p>
-        </p:txBody>
-      </p:sp>
-      <p:sp>
-        <p:nvSpPr>
-          <p:cNvPr id="16" name="Content Placeholder 15"/>
-          <p:cNvSpPr>
-            <a:spLocks noGrp="1"/>
-          </p:cNvSpPr>
-          <p:nvPr>
-            <p:ph sz="quarter" idx="4"/>
-          </p:nvPr>
-        </p:nvSpPr>
-        <p:spPr/>
-        <p:txBody>
-          <a:bodyPr/>
-          <a:lstStyle/>
-          <a:p>
-            <a:endParaRPr lang="en-US" dirty="0"/>
-          </a:p>
-        </p:txBody>
-      </p:sp>
-    </p:spTree>
-    <p:extLst>
-      <p:ext uri="{BB962C8B-B14F-4D97-AF65-F5344CB8AC3E}">
-        <p14:creationId xmlns:p14="http://schemas.microsoft.com/office/powerpoint/2010/main" val="805503380"/>
-      </p:ext>
-    </p:extLst>
-  </p:cSld>
-  <p:clrMapOvr>
-    <a:masterClrMapping/>
-  </p:clrMapOvr>
-  <mc:AlternateContent xmlns:mc="http://schemas.openxmlformats.org/markup-compatibility/2006" xmlns:p14="http://schemas.microsoft.com/office/powerpoint/2010/main">
-    <mc:Choice Requires="p14">
-      <p:transition spd="med" p14:dur="700">
-        <p:fade/>
-      </p:transition>
-    </mc:Choice>
-    <mc:Fallback xmlns="">
-      <p:transition spd="med">
-        <p:fade/>
-      </p:transition>
-    </mc:Fallback>
-  </mc:AlternateContent>
-</p:sld>
-</file>
-
-<file path=ppt/slides/slide5.xml><?xml version="1.0" encoding="utf-8"?>
-<p:sld xmlns:a="http://schemas.openxmlformats.org/drawingml/2006/main" xmlns:r="http://schemas.openxmlformats.org/officeDocument/2006/relationships" xmlns:p="http://schemas.openxmlformats.org/presentationml/2006/main">
-  <p:cSld>
-    <p:spTree>
-      <p:nvGrpSpPr>
-        <p:cNvPr id="1" name=""/>
-        <p:cNvGrpSpPr/>
-        <p:nvPr/>
-      </p:nvGrpSpPr>
-      <p:grpSpPr>
-        <a:xfrm>
-          <a:off x="0" y="0"/>
-          <a:ext cx="0" cy="0"/>
-          <a:chOff x="0" y="0"/>
-          <a:chExt cx="0" cy="0"/>
-        </a:xfrm>
-      </p:grpSpPr>
-      <p:sp>
-        <p:nvSpPr>
-          <p:cNvPr id="12" name="Title 11"/>
-          <p:cNvSpPr>
-            <a:spLocks noGrp="1"/>
-          </p:cNvSpPr>
-          <p:nvPr>
-            <p:ph type="title"/>
-          </p:nvPr>
-        </p:nvSpPr>
-        <p:spPr/>
-        <p:txBody>
-          <a:bodyPr/>
-          <a:lstStyle/>
-          <a:p>
-            <a:r>
-              <a:rPr lang="en-US" dirty="0"/>
-              <a:t>Add a Slide Title - 3</a:t>
-            </a:r>
-          </a:p>
-        </p:txBody>
-      </p:sp>
-      <p:sp>
-        <p:nvSpPr>
-          <p:cNvPr id="13" name="Text Placeholder 12"/>
-          <p:cNvSpPr>
-            <a:spLocks noGrp="1"/>
-          </p:cNvSpPr>
-          <p:nvPr>
-            <p:ph type="body" idx="1"/>
-          </p:nvPr>
-        </p:nvSpPr>
-        <p:spPr/>
-        <p:txBody>
-          <a:bodyPr/>
-          <a:lstStyle/>
-          <a:p>
-            <a:endParaRPr lang="en-US" dirty="0"/>
-          </a:p>
-        </p:txBody>
-      </p:sp>
-      <p:sp>
-        <p:nvSpPr>
-          <p:cNvPr id="14" name="Content Placeholder 13"/>
-          <p:cNvSpPr>
-            <a:spLocks noGrp="1"/>
-          </p:cNvSpPr>
-          <p:nvPr>
-            <p:ph sz="half" idx="2"/>
-          </p:nvPr>
-        </p:nvSpPr>
-        <p:spPr/>
-        <p:txBody>
-          <a:bodyPr/>
-          <a:lstStyle/>
-          <a:p>
-            <a:endParaRPr lang="en-US" dirty="0"/>
-          </a:p>
-        </p:txBody>
-      </p:sp>
-      <p:sp>
-        <p:nvSpPr>
-          <p:cNvPr id="15" name="Text Placeholder 14"/>
-          <p:cNvSpPr>
-            <a:spLocks noGrp="1"/>
-          </p:cNvSpPr>
-          <p:nvPr>
-            <p:ph type="body" sz="quarter" idx="3"/>
-          </p:nvPr>
-        </p:nvSpPr>
-        <p:spPr/>
-        <p:txBody>
-          <a:bodyPr/>
-          <a:lstStyle/>
-          <a:p>
-            <a:endParaRPr lang="en-US" dirty="0"/>
-          </a:p>
-        </p:txBody>
-      </p:sp>
-      <p:sp>
-        <p:nvSpPr>
-          <p:cNvPr id="16" name="Content Placeholder 15"/>
-          <p:cNvSpPr>
-            <a:spLocks noGrp="1"/>
-          </p:cNvSpPr>
-          <p:nvPr>
-            <p:ph sz="quarter" idx="4"/>
-          </p:nvPr>
-        </p:nvSpPr>
-        <p:spPr/>
-        <p:txBody>
-          <a:bodyPr/>
-          <a:lstStyle/>
-          <a:p>
-            <a:endParaRPr lang="en-US" dirty="0"/>
-          </a:p>
-        </p:txBody>
-      </p:sp>
-    </p:spTree>
-    <p:extLst>
-      <p:ext uri="{BB962C8B-B14F-4D97-AF65-F5344CB8AC3E}">
-        <p14:creationId xmlns:p14="http://schemas.microsoft.com/office/powerpoint/2010/main" val="3166979570"/>
-      </p:ext>
-    </p:extLst>
-  </p:cSld>
-  <p:clrMapOvr>
-    <a:masterClrMapping/>
-  </p:clrMapOvr>
-  <mc:AlternateContent xmlns:mc="http://schemas.openxmlformats.org/markup-compatibility/2006" xmlns:p14="http://schemas.microsoft.com/office/powerpoint/2010/main">
-    <mc:Choice Requires="p14">
-      <p:transition spd="med" p14:dur="700">
-        <p:fade/>
-      </p:transition>
-    </mc:Choice>
-    <mc:Fallback xmlns="">
-      <p:transition spd="med">
-        <p:fade/>
-      </p:transition>
-    </mc:Fallback>
-  </mc:AlternateContent>
-</p:sld>
-</file>
-
-<file path=ppt/slides/slide6.xml><?xml version="1.0" encoding="utf-8"?>
-<p:sld xmlns:a="http://schemas.openxmlformats.org/drawingml/2006/main" xmlns:r="http://schemas.openxmlformats.org/officeDocument/2006/relationships" xmlns:p="http://schemas.openxmlformats.org/presentationml/2006/main">
-  <p:cSld>
-    <p:spTree>
-      <p:nvGrpSpPr>
-        <p:cNvPr id="1" name=""/>
-        <p:cNvGrpSpPr/>
-        <p:nvPr/>
-      </p:nvGrpSpPr>
-      <p:grpSpPr>
-        <a:xfrm>
-          <a:off x="0" y="0"/>
-          <a:ext cx="0" cy="0"/>
-          <a:chOff x="0" y="0"/>
-          <a:chExt cx="0" cy="0"/>
-        </a:xfrm>
-      </p:grpSpPr>
-      <p:sp>
-        <p:nvSpPr>
-          <p:cNvPr id="2" name="Title 1"/>
-          <p:cNvSpPr>
-            <a:spLocks noGrp="1"/>
-          </p:cNvSpPr>
-          <p:nvPr>
-            <p:ph type="title"/>
-          </p:nvPr>
-        </p:nvSpPr>
-        <p:spPr/>
-        <p:txBody>
-          <a:bodyPr>
-            <a:normAutofit/>
-          </a:bodyPr>
-          <a:lstStyle/>
-          <a:p>
-            <a:r>
-              <a:rPr lang="en-US" dirty="0"/>
-              <a:t>Title and content layout with chart</a:t>
-            </a:r>
-          </a:p>
-        </p:txBody>
-      </p:sp>
-      <p:graphicFrame>
-        <p:nvGraphicFramePr>
-          <p:cNvPr id="6" name="Content Placeholder 5" descr="Clustered column chart showing the values of 3 series for 4 categories"/>
-          <p:cNvGraphicFramePr>
-            <a:graphicFrameLocks noGrp="1"/>
-          </p:cNvGraphicFramePr>
-          <p:nvPr>
-            <p:ph idx="1"/>
-            <p:extLst>
-              <p:ext uri="{D42A27DB-BD31-4B8C-83A1-F6EECF244321}">
-                <p14:modId xmlns:p14="http://schemas.microsoft.com/office/powerpoint/2010/main" val="62090218"/>
-              </p:ext>
-            </p:extLst>
-          </p:nvPr>
-        </p:nvGraphicFramePr>
-        <p:xfrm>
-          <a:off x="677863" y="2160588"/>
-          <a:ext cx="8596312" cy="3881437"/>
-        </p:xfrm>
-        <a:graphic>
-          <a:graphicData uri="http://schemas.openxmlformats.org/drawingml/2006/chart">
-            <c:chart xmlns:c="http://schemas.openxmlformats.org/drawingml/2006/chart" xmlns:r="http://schemas.openxmlformats.org/officeDocument/2006/relationships" r:id="rId2"/>
-          </a:graphicData>
-        </a:graphic>
-      </p:graphicFrame>
-    </p:spTree>
-    <p:extLst>
-      <p:ext uri="{BB962C8B-B14F-4D97-AF65-F5344CB8AC3E}">
-        <p14:creationId xmlns:p14="http://schemas.microsoft.com/office/powerpoint/2010/main" val="67957042"/>
-      </p:ext>
-    </p:extLst>
-  </p:cSld>
-  <p:clrMapOvr>
-    <a:masterClrMapping/>
-  </p:clrMapOvr>
-  <mc:AlternateContent xmlns:mc="http://schemas.openxmlformats.org/markup-compatibility/2006" xmlns:p14="http://schemas.microsoft.com/office/powerpoint/2010/main">
-    <mc:Choice Requires="p14">
-      <p:transition spd="med" p14:dur="700">
-        <p:fade/>
-      </p:transition>
-    </mc:Choice>
-    <mc:Fallback xmlns="">
-      <p:transition spd="med">
-        <p:fade/>
-      </p:transition>
-    </mc:Fallback>
-  </mc:AlternateContent>
-</p:sld>
-</file>
-
-<file path=ppt/slides/slide7.xml><?xml version="1.0" encoding="utf-8"?>
-<p:sld xmlns:a="http://schemas.openxmlformats.org/drawingml/2006/main" xmlns:r="http://schemas.openxmlformats.org/officeDocument/2006/relationships" xmlns:p="http://schemas.openxmlformats.org/presentationml/2006/main">
-  <p:cSld>
-    <p:spTree>
-      <p:nvGrpSpPr>
-        <p:cNvPr id="1" name=""/>
-        <p:cNvGrpSpPr/>
-        <p:nvPr/>
-      </p:nvGrpSpPr>
-      <p:grpSpPr>
-        <a:xfrm>
-          <a:off x="0" y="0"/>
-          <a:ext cx="0" cy="0"/>
-          <a:chOff x="0" y="0"/>
-          <a:chExt cx="0" cy="0"/>
-        </a:xfrm>
-      </p:grpSpPr>
-      <p:pic>
-        <p:nvPicPr>
-          <p:cNvPr id="4" name="Picture 3">
-            <a:extLst>
-              <a:ext uri="{FF2B5EF4-FFF2-40B4-BE49-F238E27FC236}">
-                <a16:creationId xmlns:a16="http://schemas.microsoft.com/office/drawing/2014/main" id="{E2FF6D8B-B80B-4661-B63F-2B874835274F}"/>
-              </a:ext>
-            </a:extLst>
-          </p:cNvPr>
-          <p:cNvPicPr>
-            <a:picLocks noChangeAspect="1"/>
-          </p:cNvPicPr>
-          <p:nvPr/>
-        </p:nvPicPr>
-        <p:blipFill>
-          <a:blip r:embed="rId2"/>
-          <a:stretch>
-            <a:fillRect/>
-          </a:stretch>
-        </p:blipFill>
-        <p:spPr>
-          <a:xfrm>
-            <a:off x="0" y="-1"/>
-            <a:ext cx="12192000" cy="6858001"/>
-          </a:xfrm>
-          <a:prstGeom prst="rect">
-            <a:avLst/>
-          </a:prstGeom>
-        </p:spPr>
-      </p:pic>
-      <p:sp>
-        <p:nvSpPr>
-          <p:cNvPr id="2" name="Title 1">
-            <a:extLst>
-              <a:ext uri="{FF2B5EF4-FFF2-40B4-BE49-F238E27FC236}">
-                <a16:creationId xmlns:a16="http://schemas.microsoft.com/office/drawing/2014/main" id="{3EE96425-70B7-4191-84C2-49BE22C05710}"/>
-              </a:ext>
-            </a:extLst>
-          </p:cNvPr>
-          <p:cNvSpPr txBox="1">
-            <a:spLocks/>
-          </p:cNvSpPr>
-          <p:nvPr/>
-        </p:nvSpPr>
-        <p:spPr>
-          <a:xfrm>
-            <a:off x="6000750" y="514350"/>
-            <a:ext cx="4248150" cy="2562225"/>
-          </a:xfrm>
-          <a:prstGeom prst="rect">
-            <a:avLst/>
-          </a:prstGeom>
-        </p:spPr>
-        <p:txBody>
-          <a:bodyPr>
-            <a:normAutofit/>
-          </a:bodyPr>
-          <a:lstStyle>
-            <a:lvl1pPr algn="l" defTabSz="457200" rtl="0" eaLnBrk="1" latinLnBrk="0" hangingPunct="1">
-              <a:spcBef>
-                <a:spcPct val="0"/>
-              </a:spcBef>
-              <a:buNone/>
-              <a:defRPr sz="3600" kern="1200">
-                <a:solidFill>
-                  <a:schemeClr val="accent1"/>
-                </a:solidFill>
-                <a:latin typeface="+mj-lt"/>
-                <a:ea typeface="+mj-ea"/>
-                <a:cs typeface="+mj-cs"/>
-              </a:defRPr>
-            </a:lvl1pPr>
-            <a:lvl2pPr eaLnBrk="1" hangingPunct="1">
-              <a:defRPr>
-                <a:solidFill>
-                  <a:schemeClr val="tx2"/>
-                </a:solidFill>
-              </a:defRPr>
-            </a:lvl2pPr>
-            <a:lvl3pPr eaLnBrk="1" hangingPunct="1">
-              <a:defRPr>
-                <a:solidFill>
-                  <a:schemeClr val="tx2"/>
-                </a:solidFill>
-              </a:defRPr>
-            </a:lvl3pPr>
-            <a:lvl4pPr eaLnBrk="1" hangingPunct="1">
-              <a:defRPr>
-                <a:solidFill>
-                  <a:schemeClr val="tx2"/>
-                </a:solidFill>
-              </a:defRPr>
-            </a:lvl4pPr>
-            <a:lvl5pPr eaLnBrk="1" hangingPunct="1">
-              <a:defRPr>
-                <a:solidFill>
-                  <a:schemeClr val="tx2"/>
-                </a:solidFill>
-              </a:defRPr>
-            </a:lvl5pPr>
-            <a:lvl6pPr eaLnBrk="1" hangingPunct="1">
-              <a:defRPr>
-                <a:solidFill>
-                  <a:schemeClr val="tx2"/>
-                </a:solidFill>
-              </a:defRPr>
-            </a:lvl6pPr>
-            <a:lvl7pPr eaLnBrk="1" hangingPunct="1">
-              <a:defRPr>
-                <a:solidFill>
-                  <a:schemeClr val="tx2"/>
-                </a:solidFill>
-              </a:defRPr>
-            </a:lvl7pPr>
-            <a:lvl8pPr eaLnBrk="1" hangingPunct="1">
-              <a:defRPr>
-                <a:solidFill>
-                  <a:schemeClr val="tx2"/>
-                </a:solidFill>
-              </a:defRPr>
-            </a:lvl8pPr>
-            <a:lvl9pPr eaLnBrk="1" hangingPunct="1">
-              <a:defRPr>
-                <a:solidFill>
-                  <a:schemeClr val="tx2"/>
-                </a:solidFill>
-              </a:defRPr>
-            </a:lvl9pPr>
-          </a:lstStyle>
-          <a:p>
-            <a:pPr algn="ctr"/>
-            <a:r>
-              <a:rPr lang="en-US" sz="7200" b="1" dirty="0">
-                <a:solidFill>
-                  <a:schemeClr val="accent2">
-                    <a:lumMod val="60000"/>
-                    <a:lumOff val="40000"/>
-                  </a:schemeClr>
-                </a:solidFill>
-              </a:rPr>
-              <a:t>Data Analysis </a:t>
-            </a:r>
-          </a:p>
-        </p:txBody>
-      </p:sp>
-    </p:spTree>
-    <p:extLst>
-      <p:ext uri="{BB962C8B-B14F-4D97-AF65-F5344CB8AC3E}">
-        <p14:creationId xmlns:p14="http://schemas.microsoft.com/office/powerpoint/2010/main" val="397299718"/>
-      </p:ext>
-    </p:extLst>
-  </p:cSld>
-  <p:clrMapOvr>
-    <a:masterClrMapping/>
-  </p:clrMapOvr>
-  <mc:AlternateContent xmlns:mc="http://schemas.openxmlformats.org/markup-compatibility/2006" xmlns:p14="http://schemas.microsoft.com/office/powerpoint/2010/main">
-    <mc:Choice Requires="p14">
-      <p:transition spd="med" p14:dur="700">
-        <p:fade/>
-      </p:transition>
-    </mc:Choice>
-    <mc:Fallback xmlns="">
-      <p:transition spd="med">
-        <p:fade/>
-      </p:transition>
-    </mc:Fallback>
-  </mc:AlternateContent>
-</p:sld>
-</file>
-
-<file path=ppt/slides/slide8.xml><?xml version="1.0" encoding="utf-8"?>
-<p:sld xmlns:a="http://schemas.openxmlformats.org/drawingml/2006/main" xmlns:r="http://schemas.openxmlformats.org/officeDocument/2006/relationships" xmlns:p="http://schemas.openxmlformats.org/presentationml/2006/main">
-  <p:cSld>
-    <p:spTree>
-      <p:nvGrpSpPr>
-        <p:cNvPr id="1" name=""/>
-        <p:cNvGrpSpPr/>
-        <p:nvPr/>
-      </p:nvGrpSpPr>
-      <p:grpSpPr>
-        <a:xfrm>
-          <a:off x="0" y="0"/>
-          <a:ext cx="0" cy="0"/>
-          <a:chOff x="0" y="0"/>
-          <a:chExt cx="0" cy="0"/>
-        </a:xfrm>
-      </p:grpSpPr>
       <p:sp>
         <p:nvSpPr>
           <p:cNvPr id="12" name="Title 11"/>
@@ -12932,7 +12578,7 @@
 </p:sld>
 </file>
 
-<file path=ppt/slides/slide9.xml><?xml version="1.0" encoding="utf-8"?>
+<file path=ppt/slides/slide11.xml><?xml version="1.0" encoding="utf-8"?>
 <p:sld xmlns:a="http://schemas.openxmlformats.org/drawingml/2006/main" xmlns:r="http://schemas.openxmlformats.org/officeDocument/2006/relationships" xmlns:p="http://schemas.openxmlformats.org/presentationml/2006/main">
   <p:cSld>
     <p:spTree>
@@ -13253,6 +12899,2392 @@
     <p:extLst>
       <p:ext uri="{BB962C8B-B14F-4D97-AF65-F5344CB8AC3E}">
         <p14:creationId xmlns:p14="http://schemas.microsoft.com/office/powerpoint/2010/main" val="762081027"/>
+      </p:ext>
+    </p:extLst>
+  </p:cSld>
+  <p:clrMapOvr>
+    <a:masterClrMapping/>
+  </p:clrMapOvr>
+  <mc:AlternateContent xmlns:mc="http://schemas.openxmlformats.org/markup-compatibility/2006" xmlns:p14="http://schemas.microsoft.com/office/powerpoint/2010/main">
+    <mc:Choice Requires="p14">
+      <p:transition spd="med" p14:dur="700">
+        <p:fade/>
+      </p:transition>
+    </mc:Choice>
+    <mc:Fallback xmlns="">
+      <p:transition spd="med">
+        <p:fade/>
+      </p:transition>
+    </mc:Fallback>
+  </mc:AlternateContent>
+</p:sld>
+</file>
+
+<file path=ppt/slides/slide12.xml><?xml version="1.0" encoding="utf-8"?>
+<p:sld xmlns:a="http://schemas.openxmlformats.org/drawingml/2006/main" xmlns:r="http://schemas.openxmlformats.org/officeDocument/2006/relationships" xmlns:p="http://schemas.openxmlformats.org/presentationml/2006/main">
+  <p:cSld>
+    <p:spTree>
+      <p:nvGrpSpPr>
+        <p:cNvPr id="1" name=""/>
+        <p:cNvGrpSpPr/>
+        <p:nvPr/>
+      </p:nvGrpSpPr>
+      <p:grpSpPr>
+        <a:xfrm>
+          <a:off x="0" y="0"/>
+          <a:ext cx="0" cy="0"/>
+          <a:chOff x="0" y="0"/>
+          <a:chExt cx="0" cy="0"/>
+        </a:xfrm>
+      </p:grpSpPr>
+      <p:pic>
+        <p:nvPicPr>
+          <p:cNvPr id="2" name="Picture 1">
+            <a:extLst>
+              <a:ext uri="{FF2B5EF4-FFF2-40B4-BE49-F238E27FC236}">
+                <a16:creationId xmlns:a16="http://schemas.microsoft.com/office/drawing/2014/main" id="{34AAB33D-041B-4E0E-A088-0FB93D423711}"/>
+              </a:ext>
+            </a:extLst>
+          </p:cNvPr>
+          <p:cNvPicPr>
+            <a:picLocks noChangeAspect="1"/>
+          </p:cNvPicPr>
+          <p:nvPr/>
+        </p:nvPicPr>
+        <p:blipFill>
+          <a:blip r:embed="rId2"/>
+          <a:stretch>
+            <a:fillRect/>
+          </a:stretch>
+        </p:blipFill>
+        <p:spPr>
+          <a:xfrm>
+            <a:off x="0" y="0"/>
+            <a:ext cx="9268306" cy="6858000"/>
+          </a:xfrm>
+          <a:prstGeom prst="rect">
+            <a:avLst/>
+          </a:prstGeom>
+        </p:spPr>
+      </p:pic>
+      <p:sp>
+        <p:nvSpPr>
+          <p:cNvPr id="4" name="TextBox 3">
+            <a:extLst>
+              <a:ext uri="{FF2B5EF4-FFF2-40B4-BE49-F238E27FC236}">
+                <a16:creationId xmlns:a16="http://schemas.microsoft.com/office/drawing/2014/main" id="{F1190E81-30F7-41BF-8AB8-5C2D2DFE7AB0}"/>
+              </a:ext>
+            </a:extLst>
+          </p:cNvPr>
+          <p:cNvSpPr txBox="1"/>
+          <p:nvPr/>
+        </p:nvSpPr>
+        <p:spPr>
+          <a:xfrm>
+            <a:off x="2200275" y="739259"/>
+            <a:ext cx="6153150" cy="1015663"/>
+          </a:xfrm>
+          <a:prstGeom prst="rect">
+            <a:avLst/>
+          </a:prstGeom>
+          <a:noFill/>
+        </p:spPr>
+        <p:txBody>
+          <a:bodyPr wrap="square">
+            <a:spAutoFit/>
+          </a:bodyPr>
+          <a:lstStyle/>
+          <a:p>
+            <a:pPr algn="ctr"/>
+            <a:r>
+              <a:rPr lang="en-US" sz="6000" b="1" dirty="0">
+                <a:solidFill>
+                  <a:schemeClr val="accent2">
+                    <a:lumMod val="60000"/>
+                    <a:lumOff val="40000"/>
+                  </a:schemeClr>
+                </a:solidFill>
+              </a:rPr>
+              <a:t>Data Cleaning</a:t>
+            </a:r>
+            <a:endParaRPr lang="en-US" sz="6000" dirty="0">
+              <a:solidFill>
+                <a:schemeClr val="accent2">
+                  <a:lumMod val="60000"/>
+                  <a:lumOff val="40000"/>
+                </a:schemeClr>
+              </a:solidFill>
+            </a:endParaRPr>
+          </a:p>
+        </p:txBody>
+      </p:sp>
+    </p:spTree>
+    <p:extLst>
+      <p:ext uri="{BB962C8B-B14F-4D97-AF65-F5344CB8AC3E}">
+        <p14:creationId xmlns:p14="http://schemas.microsoft.com/office/powerpoint/2010/main" val="675932849"/>
+      </p:ext>
+    </p:extLst>
+  </p:cSld>
+  <p:clrMapOvr>
+    <a:masterClrMapping/>
+  </p:clrMapOvr>
+  <mc:AlternateContent xmlns:mc="http://schemas.openxmlformats.org/markup-compatibility/2006" xmlns:p14="http://schemas.microsoft.com/office/powerpoint/2010/main">
+    <mc:Choice Requires="p14">
+      <p:transition spd="med" p14:dur="700">
+        <p:fade/>
+      </p:transition>
+    </mc:Choice>
+    <mc:Fallback xmlns="">
+      <p:transition spd="med">
+        <p:fade/>
+      </p:transition>
+    </mc:Fallback>
+  </mc:AlternateContent>
+</p:sld>
+</file>
+
+<file path=ppt/slides/slide13.xml><?xml version="1.0" encoding="utf-8"?>
+<p:sld xmlns:a="http://schemas.openxmlformats.org/drawingml/2006/main" xmlns:r="http://schemas.openxmlformats.org/officeDocument/2006/relationships" xmlns:p="http://schemas.openxmlformats.org/presentationml/2006/main">
+  <p:cSld>
+    <p:spTree>
+      <p:nvGrpSpPr>
+        <p:cNvPr id="1" name=""/>
+        <p:cNvGrpSpPr/>
+        <p:nvPr/>
+      </p:nvGrpSpPr>
+      <p:grpSpPr>
+        <a:xfrm>
+          <a:off x="0" y="0"/>
+          <a:ext cx="0" cy="0"/>
+          <a:chOff x="0" y="0"/>
+          <a:chExt cx="0" cy="0"/>
+        </a:xfrm>
+      </p:grpSpPr>
+      <p:sp>
+        <p:nvSpPr>
+          <p:cNvPr id="2" name="Title 1"/>
+          <p:cNvSpPr>
+            <a:spLocks noGrp="1"/>
+          </p:cNvSpPr>
+          <p:nvPr>
+            <p:ph type="title"/>
+          </p:nvPr>
+        </p:nvSpPr>
+        <p:spPr/>
+        <p:txBody>
+          <a:bodyPr/>
+          <a:lstStyle/>
+          <a:p>
+            <a:r>
+              <a:rPr lang="en-US" dirty="0"/>
+              <a:t>Two content layout with SmartArt</a:t>
+            </a:r>
+          </a:p>
+        </p:txBody>
+      </p:sp>
+      <p:sp>
+        <p:nvSpPr>
+          <p:cNvPr id="3" name="Content Placeholder 2"/>
+          <p:cNvSpPr>
+            <a:spLocks noGrp="1"/>
+          </p:cNvSpPr>
+          <p:nvPr>
+            <p:ph sz="half" idx="1"/>
+          </p:nvPr>
+        </p:nvSpPr>
+        <p:spPr/>
+        <p:txBody>
+          <a:bodyPr/>
+          <a:lstStyle/>
+          <a:p>
+            <a:r>
+              <a:rPr lang="en-US" dirty="0"/>
+              <a:t>First bullet point here</a:t>
+            </a:r>
+          </a:p>
+          <a:p>
+            <a:r>
+              <a:rPr lang="en-US" dirty="0"/>
+              <a:t>Second bullet point here</a:t>
+            </a:r>
+          </a:p>
+          <a:p>
+            <a:r>
+              <a:rPr lang="en-US" dirty="0"/>
+              <a:t>Third bullet point here</a:t>
+            </a:r>
+          </a:p>
+        </p:txBody>
+      </p:sp>
+      <p:graphicFrame>
+        <p:nvGraphicFramePr>
+          <p:cNvPr id="5" name="Content Placeholder 4" descr="Converging radial diagram showing relationship of 3 steps pointing towards a central goal"/>
+          <p:cNvGraphicFramePr>
+            <a:graphicFrameLocks noGrp="1"/>
+          </p:cNvGraphicFramePr>
+          <p:nvPr>
+            <p:ph sz="half" idx="2"/>
+            <p:extLst>
+              <p:ext uri="{D42A27DB-BD31-4B8C-83A1-F6EECF244321}">
+                <p14:modId xmlns:p14="http://schemas.microsoft.com/office/powerpoint/2010/main" val="1704932073"/>
+              </p:ext>
+            </p:extLst>
+          </p:nvPr>
+        </p:nvGraphicFramePr>
+        <p:xfrm>
+          <a:off x="5089525" y="2160588"/>
+          <a:ext cx="4184650" cy="3881437"/>
+        </p:xfrm>
+        <a:graphic>
+          <a:graphicData uri="http://schemas.openxmlformats.org/drawingml/2006/diagram">
+            <dgm:relIds xmlns:dgm="http://schemas.openxmlformats.org/drawingml/2006/diagram" xmlns:r="http://schemas.openxmlformats.org/officeDocument/2006/relationships" r:dm="rId2" r:lo="rId3" r:qs="rId4" r:cs="rId5"/>
+          </a:graphicData>
+        </a:graphic>
+      </p:graphicFrame>
+    </p:spTree>
+    <p:extLst>
+      <p:ext uri="{BB962C8B-B14F-4D97-AF65-F5344CB8AC3E}">
+        <p14:creationId xmlns:p14="http://schemas.microsoft.com/office/powerpoint/2010/main" val="249977872"/>
+      </p:ext>
+    </p:extLst>
+  </p:cSld>
+  <p:clrMapOvr>
+    <a:masterClrMapping/>
+  </p:clrMapOvr>
+  <mc:AlternateContent xmlns:mc="http://schemas.openxmlformats.org/markup-compatibility/2006" xmlns:p14="http://schemas.microsoft.com/office/powerpoint/2010/main">
+    <mc:Choice Requires="p14">
+      <p:transition spd="med" p14:dur="700">
+        <p:fade/>
+      </p:transition>
+    </mc:Choice>
+    <mc:Fallback xmlns="">
+      <p:transition spd="med">
+        <p:fade/>
+      </p:transition>
+    </mc:Fallback>
+  </mc:AlternateContent>
+</p:sld>
+</file>
+
+<file path=ppt/slides/slide14.xml><?xml version="1.0" encoding="utf-8"?>
+<p:sld xmlns:a="http://schemas.openxmlformats.org/drawingml/2006/main" xmlns:r="http://schemas.openxmlformats.org/officeDocument/2006/relationships" xmlns:p="http://schemas.openxmlformats.org/presentationml/2006/main">
+  <p:cSld>
+    <p:spTree>
+      <p:nvGrpSpPr>
+        <p:cNvPr id="1" name=""/>
+        <p:cNvGrpSpPr/>
+        <p:nvPr/>
+      </p:nvGrpSpPr>
+      <p:grpSpPr>
+        <a:xfrm>
+          <a:off x="0" y="0"/>
+          <a:ext cx="0" cy="0"/>
+          <a:chOff x="0" y="0"/>
+          <a:chExt cx="0" cy="0"/>
+        </a:xfrm>
+      </p:grpSpPr>
+      <p:pic>
+        <p:nvPicPr>
+          <p:cNvPr id="5" name="Picture 4">
+            <a:extLst>
+              <a:ext uri="{FF2B5EF4-FFF2-40B4-BE49-F238E27FC236}">
+                <a16:creationId xmlns:a16="http://schemas.microsoft.com/office/drawing/2014/main" id="{B868BCB0-39DE-40C3-A4EE-B2AD6E225E2E}"/>
+              </a:ext>
+            </a:extLst>
+          </p:cNvPr>
+          <p:cNvPicPr>
+            <a:picLocks noChangeAspect="1"/>
+          </p:cNvPicPr>
+          <p:nvPr/>
+        </p:nvPicPr>
+        <p:blipFill rotWithShape="1">
+          <a:blip r:embed="rId2"/>
+          <a:srcRect b="6316"/>
+          <a:stretch/>
+        </p:blipFill>
+        <p:spPr>
+          <a:xfrm>
+            <a:off x="0" y="0"/>
+            <a:ext cx="12192000" cy="6857999"/>
+          </a:xfrm>
+          <a:prstGeom prst="rect">
+            <a:avLst/>
+          </a:prstGeom>
+        </p:spPr>
+      </p:pic>
+      <p:sp>
+        <p:nvSpPr>
+          <p:cNvPr id="2" name="Title 1">
+            <a:extLst>
+              <a:ext uri="{FF2B5EF4-FFF2-40B4-BE49-F238E27FC236}">
+                <a16:creationId xmlns:a16="http://schemas.microsoft.com/office/drawing/2014/main" id="{E692F99F-6503-405D-83EC-27DF8276EE28}"/>
+              </a:ext>
+            </a:extLst>
+          </p:cNvPr>
+          <p:cNvSpPr>
+            <a:spLocks noGrp="1"/>
+          </p:cNvSpPr>
+          <p:nvPr>
+            <p:ph type="title"/>
+          </p:nvPr>
+        </p:nvSpPr>
+        <p:spPr>
+          <a:xfrm>
+            <a:off x="3028950" y="1196182"/>
+            <a:ext cx="6134100" cy="1499393"/>
+          </a:xfrm>
+        </p:spPr>
+        <p:txBody>
+          <a:bodyPr>
+            <a:normAutofit/>
+          </a:bodyPr>
+          <a:lstStyle/>
+          <a:p>
+            <a:pPr algn="ctr"/>
+            <a:r>
+              <a:rPr lang="en-US" sz="4400" b="1" dirty="0"/>
+              <a:t>EV Cars </a:t>
+            </a:r>
+            <a:br>
+              <a:rPr lang="en-US" sz="4400" b="1" dirty="0"/>
+            </a:br>
+            <a:r>
+              <a:rPr lang="en-US" sz="4400" b="1" dirty="0"/>
+              <a:t>Environmental Impact</a:t>
+            </a:r>
+          </a:p>
+        </p:txBody>
+      </p:sp>
+    </p:spTree>
+    <p:extLst>
+      <p:ext uri="{BB962C8B-B14F-4D97-AF65-F5344CB8AC3E}">
+        <p14:creationId xmlns:p14="http://schemas.microsoft.com/office/powerpoint/2010/main" val="2765011733"/>
+      </p:ext>
+    </p:extLst>
+  </p:cSld>
+  <p:clrMapOvr>
+    <a:masterClrMapping/>
+  </p:clrMapOvr>
+  <mc:AlternateContent xmlns:mc="http://schemas.openxmlformats.org/markup-compatibility/2006" xmlns:p14="http://schemas.microsoft.com/office/powerpoint/2010/main">
+    <mc:Choice Requires="p14">
+      <p:transition spd="med" p14:dur="700">
+        <p:fade/>
+      </p:transition>
+    </mc:Choice>
+    <mc:Fallback xmlns="">
+      <p:transition spd="med">
+        <p:fade/>
+      </p:transition>
+    </mc:Fallback>
+  </mc:AlternateContent>
+</p:sld>
+</file>
+
+<file path=ppt/slides/slide15.xml><?xml version="1.0" encoding="utf-8"?>
+<p:sld xmlns:a="http://schemas.openxmlformats.org/drawingml/2006/main" xmlns:r="http://schemas.openxmlformats.org/officeDocument/2006/relationships" xmlns:p="http://schemas.openxmlformats.org/presentationml/2006/main">
+  <p:cSld>
+    <p:spTree>
+      <p:nvGrpSpPr>
+        <p:cNvPr id="1" name=""/>
+        <p:cNvGrpSpPr/>
+        <p:nvPr/>
+      </p:nvGrpSpPr>
+      <p:grpSpPr>
+        <a:xfrm>
+          <a:off x="0" y="0"/>
+          <a:ext cx="0" cy="0"/>
+          <a:chOff x="0" y="0"/>
+          <a:chExt cx="0" cy="0"/>
+        </a:xfrm>
+      </p:grpSpPr>
+      <p:sp>
+        <p:nvSpPr>
+          <p:cNvPr id="12" name="Title 11"/>
+          <p:cNvSpPr>
+            <a:spLocks noGrp="1"/>
+          </p:cNvSpPr>
+          <p:nvPr>
+            <p:ph type="title"/>
+          </p:nvPr>
+        </p:nvSpPr>
+        <p:spPr/>
+        <p:txBody>
+          <a:bodyPr/>
+          <a:lstStyle/>
+          <a:p>
+            <a:r>
+              <a:rPr lang="en-US" dirty="0"/>
+              <a:t>Add a Slide Title - 2</a:t>
+            </a:r>
+          </a:p>
+        </p:txBody>
+      </p:sp>
+      <p:sp>
+        <p:nvSpPr>
+          <p:cNvPr id="13" name="Text Placeholder 12"/>
+          <p:cNvSpPr>
+            <a:spLocks noGrp="1"/>
+          </p:cNvSpPr>
+          <p:nvPr>
+            <p:ph type="body" idx="1"/>
+          </p:nvPr>
+        </p:nvSpPr>
+        <p:spPr/>
+        <p:txBody>
+          <a:bodyPr/>
+          <a:lstStyle/>
+          <a:p>
+            <a:endParaRPr lang="en-US" dirty="0"/>
+          </a:p>
+        </p:txBody>
+      </p:sp>
+      <p:sp>
+        <p:nvSpPr>
+          <p:cNvPr id="14" name="Content Placeholder 13"/>
+          <p:cNvSpPr>
+            <a:spLocks noGrp="1"/>
+          </p:cNvSpPr>
+          <p:nvPr>
+            <p:ph sz="half" idx="2"/>
+          </p:nvPr>
+        </p:nvSpPr>
+        <p:spPr/>
+        <p:txBody>
+          <a:bodyPr/>
+          <a:lstStyle/>
+          <a:p>
+            <a:endParaRPr lang="en-US" dirty="0"/>
+          </a:p>
+        </p:txBody>
+      </p:sp>
+      <p:sp>
+        <p:nvSpPr>
+          <p:cNvPr id="15" name="Text Placeholder 14"/>
+          <p:cNvSpPr>
+            <a:spLocks noGrp="1"/>
+          </p:cNvSpPr>
+          <p:nvPr>
+            <p:ph type="body" sz="quarter" idx="3"/>
+          </p:nvPr>
+        </p:nvSpPr>
+        <p:spPr/>
+        <p:txBody>
+          <a:bodyPr/>
+          <a:lstStyle/>
+          <a:p>
+            <a:endParaRPr lang="en-US" dirty="0"/>
+          </a:p>
+        </p:txBody>
+      </p:sp>
+      <p:sp>
+        <p:nvSpPr>
+          <p:cNvPr id="16" name="Content Placeholder 15"/>
+          <p:cNvSpPr>
+            <a:spLocks noGrp="1"/>
+          </p:cNvSpPr>
+          <p:nvPr>
+            <p:ph sz="quarter" idx="4"/>
+          </p:nvPr>
+        </p:nvSpPr>
+        <p:spPr/>
+        <p:txBody>
+          <a:bodyPr/>
+          <a:lstStyle/>
+          <a:p>
+            <a:endParaRPr lang="en-US" dirty="0"/>
+          </a:p>
+        </p:txBody>
+      </p:sp>
+    </p:spTree>
+    <p:extLst>
+      <p:ext uri="{BB962C8B-B14F-4D97-AF65-F5344CB8AC3E}">
+        <p14:creationId xmlns:p14="http://schemas.microsoft.com/office/powerpoint/2010/main" val="1428607047"/>
+      </p:ext>
+    </p:extLst>
+  </p:cSld>
+  <p:clrMapOvr>
+    <a:masterClrMapping/>
+  </p:clrMapOvr>
+  <mc:AlternateContent xmlns:mc="http://schemas.openxmlformats.org/markup-compatibility/2006" xmlns:p14="http://schemas.microsoft.com/office/powerpoint/2010/main">
+    <mc:Choice Requires="p14">
+      <p:transition spd="med" p14:dur="700">
+        <p:fade/>
+      </p:transition>
+    </mc:Choice>
+    <mc:Fallback xmlns="">
+      <p:transition spd="med">
+        <p:fade/>
+      </p:transition>
+    </mc:Fallback>
+  </mc:AlternateContent>
+</p:sld>
+</file>
+
+<file path=ppt/slides/slide16.xml><?xml version="1.0" encoding="utf-8"?>
+<p:sld xmlns:a="http://schemas.openxmlformats.org/drawingml/2006/main" xmlns:r="http://schemas.openxmlformats.org/officeDocument/2006/relationships" xmlns:p="http://schemas.openxmlformats.org/presentationml/2006/main">
+  <p:cSld>
+    <p:spTree>
+      <p:nvGrpSpPr>
+        <p:cNvPr id="1" name=""/>
+        <p:cNvGrpSpPr/>
+        <p:nvPr/>
+      </p:nvGrpSpPr>
+      <p:grpSpPr>
+        <a:xfrm>
+          <a:off x="0" y="0"/>
+          <a:ext cx="0" cy="0"/>
+          <a:chOff x="0" y="0"/>
+          <a:chExt cx="0" cy="0"/>
+        </a:xfrm>
+      </p:grpSpPr>
+      <p:sp>
+        <p:nvSpPr>
+          <p:cNvPr id="4" name="Title 3"/>
+          <p:cNvSpPr>
+            <a:spLocks noGrp="1"/>
+          </p:cNvSpPr>
+          <p:nvPr>
+            <p:ph type="title"/>
+          </p:nvPr>
+        </p:nvSpPr>
+        <p:spPr/>
+        <p:txBody>
+          <a:bodyPr/>
+          <a:lstStyle/>
+          <a:p>
+            <a:r>
+              <a:rPr lang="en-US" dirty="0"/>
+              <a:t>Add a Slide Title - 3</a:t>
+            </a:r>
+          </a:p>
+        </p:txBody>
+      </p:sp>
+    </p:spTree>
+    <p:extLst>
+      <p:ext uri="{BB962C8B-B14F-4D97-AF65-F5344CB8AC3E}">
+        <p14:creationId xmlns:p14="http://schemas.microsoft.com/office/powerpoint/2010/main" val="3757355931"/>
+      </p:ext>
+    </p:extLst>
+  </p:cSld>
+  <p:clrMapOvr>
+    <a:masterClrMapping/>
+  </p:clrMapOvr>
+  <mc:AlternateContent xmlns:mc="http://schemas.openxmlformats.org/markup-compatibility/2006" xmlns:p14="http://schemas.microsoft.com/office/powerpoint/2010/main">
+    <mc:Choice Requires="p14">
+      <p:transition spd="med" p14:dur="700">
+        <p:fade/>
+      </p:transition>
+    </mc:Choice>
+    <mc:Fallback xmlns="">
+      <p:transition spd="med">
+        <p:fade/>
+      </p:transition>
+    </mc:Fallback>
+  </mc:AlternateContent>
+</p:sld>
+</file>
+
+<file path=ppt/slides/slide17.xml><?xml version="1.0" encoding="utf-8"?>
+<p:sld xmlns:a="http://schemas.openxmlformats.org/drawingml/2006/main" xmlns:r="http://schemas.openxmlformats.org/officeDocument/2006/relationships" xmlns:p="http://schemas.openxmlformats.org/presentationml/2006/main">
+  <p:cSld>
+    <p:spTree>
+      <p:nvGrpSpPr>
+        <p:cNvPr id="1" name=""/>
+        <p:cNvGrpSpPr/>
+        <p:nvPr/>
+      </p:nvGrpSpPr>
+      <p:grpSpPr>
+        <a:xfrm>
+          <a:off x="0" y="0"/>
+          <a:ext cx="0" cy="0"/>
+          <a:chOff x="0" y="0"/>
+          <a:chExt cx="0" cy="0"/>
+        </a:xfrm>
+      </p:grpSpPr>
+      <p:sp>
+        <p:nvSpPr>
+          <p:cNvPr id="3" name="Title 1">
+            <a:extLst>
+              <a:ext uri="{FF2B5EF4-FFF2-40B4-BE49-F238E27FC236}">
+                <a16:creationId xmlns:a16="http://schemas.microsoft.com/office/drawing/2014/main" id="{D999B5B6-13F8-4590-846A-34F73B063C5D}"/>
+              </a:ext>
+            </a:extLst>
+          </p:cNvPr>
+          <p:cNvSpPr txBox="1">
+            <a:spLocks/>
+          </p:cNvSpPr>
+          <p:nvPr/>
+        </p:nvSpPr>
+        <p:spPr>
+          <a:xfrm>
+            <a:off x="1076325" y="577057"/>
+            <a:ext cx="8067675" cy="1499393"/>
+          </a:xfrm>
+          <a:prstGeom prst="rect">
+            <a:avLst/>
+          </a:prstGeom>
+        </p:spPr>
+        <p:txBody>
+          <a:bodyPr>
+            <a:normAutofit/>
+          </a:bodyPr>
+          <a:lstStyle>
+            <a:lvl1pPr algn="l" defTabSz="457200" rtl="0" eaLnBrk="1" latinLnBrk="0" hangingPunct="1">
+              <a:spcBef>
+                <a:spcPct val="0"/>
+              </a:spcBef>
+              <a:buNone/>
+              <a:defRPr sz="3600" kern="1200">
+                <a:solidFill>
+                  <a:schemeClr val="accent1"/>
+                </a:solidFill>
+                <a:latin typeface="+mj-lt"/>
+                <a:ea typeface="+mj-ea"/>
+                <a:cs typeface="+mj-cs"/>
+              </a:defRPr>
+            </a:lvl1pPr>
+            <a:lvl2pPr eaLnBrk="1" hangingPunct="1">
+              <a:defRPr>
+                <a:solidFill>
+                  <a:schemeClr val="tx2"/>
+                </a:solidFill>
+              </a:defRPr>
+            </a:lvl2pPr>
+            <a:lvl3pPr eaLnBrk="1" hangingPunct="1">
+              <a:defRPr>
+                <a:solidFill>
+                  <a:schemeClr val="tx2"/>
+                </a:solidFill>
+              </a:defRPr>
+            </a:lvl3pPr>
+            <a:lvl4pPr eaLnBrk="1" hangingPunct="1">
+              <a:defRPr>
+                <a:solidFill>
+                  <a:schemeClr val="tx2"/>
+                </a:solidFill>
+              </a:defRPr>
+            </a:lvl4pPr>
+            <a:lvl5pPr eaLnBrk="1" hangingPunct="1">
+              <a:defRPr>
+                <a:solidFill>
+                  <a:schemeClr val="tx2"/>
+                </a:solidFill>
+              </a:defRPr>
+            </a:lvl5pPr>
+            <a:lvl6pPr eaLnBrk="1" hangingPunct="1">
+              <a:defRPr>
+                <a:solidFill>
+                  <a:schemeClr val="tx2"/>
+                </a:solidFill>
+              </a:defRPr>
+            </a:lvl6pPr>
+            <a:lvl7pPr eaLnBrk="1" hangingPunct="1">
+              <a:defRPr>
+                <a:solidFill>
+                  <a:schemeClr val="tx2"/>
+                </a:solidFill>
+              </a:defRPr>
+            </a:lvl7pPr>
+            <a:lvl8pPr eaLnBrk="1" hangingPunct="1">
+              <a:defRPr>
+                <a:solidFill>
+                  <a:schemeClr val="tx2"/>
+                </a:solidFill>
+              </a:defRPr>
+            </a:lvl8pPr>
+            <a:lvl9pPr eaLnBrk="1" hangingPunct="1">
+              <a:defRPr>
+                <a:solidFill>
+                  <a:schemeClr val="tx2"/>
+                </a:solidFill>
+              </a:defRPr>
+            </a:lvl9pPr>
+          </a:lstStyle>
+          <a:p>
+            <a:pPr algn="ctr"/>
+            <a:r>
+              <a:rPr lang="en-US" sz="4400" b="1" dirty="0"/>
+              <a:t>EV Cars </a:t>
+            </a:r>
+            <a:br>
+              <a:rPr lang="en-US" sz="4400" b="1" dirty="0"/>
+            </a:br>
+            <a:r>
+              <a:rPr lang="en-US" sz="4400" b="1" dirty="0"/>
+              <a:t>Charging Stations in Florida</a:t>
+            </a:r>
+          </a:p>
+        </p:txBody>
+      </p:sp>
+      <p:pic>
+        <p:nvPicPr>
+          <p:cNvPr id="5" name="Picture 4">
+            <a:extLst>
+              <a:ext uri="{FF2B5EF4-FFF2-40B4-BE49-F238E27FC236}">
+                <a16:creationId xmlns:a16="http://schemas.microsoft.com/office/drawing/2014/main" id="{1667C89B-A909-479C-A5EE-57AA56DBD34A}"/>
+              </a:ext>
+            </a:extLst>
+          </p:cNvPr>
+          <p:cNvPicPr>
+            <a:picLocks noChangeAspect="1"/>
+          </p:cNvPicPr>
+          <p:nvPr/>
+        </p:nvPicPr>
+        <p:blipFill>
+          <a:blip r:embed="rId2"/>
+          <a:stretch>
+            <a:fillRect/>
+          </a:stretch>
+        </p:blipFill>
+        <p:spPr>
+          <a:xfrm>
+            <a:off x="1647824" y="2704305"/>
+            <a:ext cx="7153275" cy="3576638"/>
+          </a:xfrm>
+          <a:prstGeom prst="rect">
+            <a:avLst/>
+          </a:prstGeom>
+        </p:spPr>
+      </p:pic>
+    </p:spTree>
+    <p:extLst>
+      <p:ext uri="{BB962C8B-B14F-4D97-AF65-F5344CB8AC3E}">
+        <p14:creationId xmlns:p14="http://schemas.microsoft.com/office/powerpoint/2010/main" val="726169185"/>
+      </p:ext>
+    </p:extLst>
+  </p:cSld>
+  <p:clrMapOvr>
+    <a:masterClrMapping/>
+  </p:clrMapOvr>
+  <mc:AlternateContent xmlns:mc="http://schemas.openxmlformats.org/markup-compatibility/2006" xmlns:p14="http://schemas.microsoft.com/office/powerpoint/2010/main">
+    <mc:Choice Requires="p14">
+      <p:transition spd="med" p14:dur="700">
+        <p:fade/>
+      </p:transition>
+    </mc:Choice>
+    <mc:Fallback xmlns="">
+      <p:transition spd="med">
+        <p:fade/>
+      </p:transition>
+    </mc:Fallback>
+  </mc:AlternateContent>
+</p:sld>
+</file>
+
+<file path=ppt/slides/slide18.xml><?xml version="1.0" encoding="utf-8"?>
+<p:sld xmlns:a="http://schemas.openxmlformats.org/drawingml/2006/main" xmlns:r="http://schemas.openxmlformats.org/officeDocument/2006/relationships" xmlns:p="http://schemas.openxmlformats.org/presentationml/2006/main">
+  <p:cSld>
+    <p:spTree>
+      <p:nvGrpSpPr>
+        <p:cNvPr id="1" name=""/>
+        <p:cNvGrpSpPr/>
+        <p:nvPr/>
+      </p:nvGrpSpPr>
+      <p:grpSpPr>
+        <a:xfrm>
+          <a:off x="0" y="0"/>
+          <a:ext cx="0" cy="0"/>
+          <a:chOff x="0" y="0"/>
+          <a:chExt cx="0" cy="0"/>
+        </a:xfrm>
+      </p:grpSpPr>
+      <p:pic>
+        <p:nvPicPr>
+          <p:cNvPr id="5" name="Picture 4">
+            <a:extLst>
+              <a:ext uri="{FF2B5EF4-FFF2-40B4-BE49-F238E27FC236}">
+                <a16:creationId xmlns:a16="http://schemas.microsoft.com/office/drawing/2014/main" id="{25B852C5-7C6D-4C26-9141-99C6F5F4D0E3}"/>
+              </a:ext>
+            </a:extLst>
+          </p:cNvPr>
+          <p:cNvPicPr>
+            <a:picLocks noChangeAspect="1"/>
+          </p:cNvPicPr>
+          <p:nvPr/>
+        </p:nvPicPr>
+        <p:blipFill>
+          <a:blip r:embed="rId2"/>
+          <a:stretch>
+            <a:fillRect/>
+          </a:stretch>
+        </p:blipFill>
+        <p:spPr>
+          <a:xfrm>
+            <a:off x="0" y="8841"/>
+            <a:ext cx="8991600" cy="6906309"/>
+          </a:xfrm>
+          <a:prstGeom prst="rect">
+            <a:avLst/>
+          </a:prstGeom>
+        </p:spPr>
+      </p:pic>
+      <p:sp>
+        <p:nvSpPr>
+          <p:cNvPr id="3" name="TextBox 2">
+            <a:extLst>
+              <a:ext uri="{FF2B5EF4-FFF2-40B4-BE49-F238E27FC236}">
+                <a16:creationId xmlns:a16="http://schemas.microsoft.com/office/drawing/2014/main" id="{BC2503CD-2066-411E-A235-F060EE4221F6}"/>
+              </a:ext>
+            </a:extLst>
+          </p:cNvPr>
+          <p:cNvSpPr txBox="1"/>
+          <p:nvPr/>
+        </p:nvSpPr>
+        <p:spPr>
+          <a:xfrm>
+            <a:off x="2519362" y="1134159"/>
+            <a:ext cx="4757737" cy="1569660"/>
+          </a:xfrm>
+          <a:prstGeom prst="rect">
+            <a:avLst/>
+          </a:prstGeom>
+          <a:noFill/>
+        </p:spPr>
+        <p:txBody>
+          <a:bodyPr wrap="square">
+            <a:spAutoFit/>
+          </a:bodyPr>
+          <a:lstStyle/>
+          <a:p>
+            <a:pPr algn="ctr"/>
+            <a:r>
+              <a:rPr lang="en-US" sz="4800" b="1" dirty="0">
+                <a:solidFill>
+                  <a:schemeClr val="accent2">
+                    <a:lumMod val="60000"/>
+                    <a:lumOff val="40000"/>
+                  </a:schemeClr>
+                </a:solidFill>
+              </a:rPr>
+              <a:t>Florida EV Cars Website</a:t>
+            </a:r>
+            <a:endParaRPr lang="en-US" sz="4800" dirty="0">
+              <a:solidFill>
+                <a:schemeClr val="accent2">
+                  <a:lumMod val="60000"/>
+                  <a:lumOff val="40000"/>
+                </a:schemeClr>
+              </a:solidFill>
+            </a:endParaRPr>
+          </a:p>
+        </p:txBody>
+      </p:sp>
+    </p:spTree>
+    <p:extLst>
+      <p:ext uri="{BB962C8B-B14F-4D97-AF65-F5344CB8AC3E}">
+        <p14:creationId xmlns:p14="http://schemas.microsoft.com/office/powerpoint/2010/main" val="1464733085"/>
+      </p:ext>
+    </p:extLst>
+  </p:cSld>
+  <p:clrMapOvr>
+    <a:masterClrMapping/>
+  </p:clrMapOvr>
+  <mc:AlternateContent xmlns:mc="http://schemas.openxmlformats.org/markup-compatibility/2006" xmlns:p14="http://schemas.microsoft.com/office/powerpoint/2010/main">
+    <mc:Choice Requires="p14">
+      <p:transition spd="med" p14:dur="700">
+        <p:fade/>
+      </p:transition>
+    </mc:Choice>
+    <mc:Fallback xmlns="">
+      <p:transition spd="med">
+        <p:fade/>
+      </p:transition>
+    </mc:Fallback>
+  </mc:AlternateContent>
+</p:sld>
+</file>
+
+<file path=ppt/slides/slide19.xml><?xml version="1.0" encoding="utf-8"?>
+<p:sld xmlns:a="http://schemas.openxmlformats.org/drawingml/2006/main" xmlns:r="http://schemas.openxmlformats.org/officeDocument/2006/relationships" xmlns:p="http://schemas.openxmlformats.org/presentationml/2006/main">
+  <p:cSld>
+    <p:spTree>
+      <p:nvGrpSpPr>
+        <p:cNvPr id="1" name=""/>
+        <p:cNvGrpSpPr/>
+        <p:nvPr/>
+      </p:nvGrpSpPr>
+      <p:grpSpPr>
+        <a:xfrm>
+          <a:off x="0" y="0"/>
+          <a:ext cx="0" cy="0"/>
+          <a:chOff x="0" y="0"/>
+          <a:chExt cx="0" cy="0"/>
+        </a:xfrm>
+      </p:grpSpPr>
+      <p:pic>
+        <p:nvPicPr>
+          <p:cNvPr id="3" name="Picture 2">
+            <a:extLst>
+              <a:ext uri="{FF2B5EF4-FFF2-40B4-BE49-F238E27FC236}">
+                <a16:creationId xmlns:a16="http://schemas.microsoft.com/office/drawing/2014/main" id="{4D648841-74B6-4E9A-8328-8DFBCEE7F3D5}"/>
+              </a:ext>
+            </a:extLst>
+          </p:cNvPr>
+          <p:cNvPicPr>
+            <a:picLocks noChangeAspect="1"/>
+          </p:cNvPicPr>
+          <p:nvPr/>
+        </p:nvPicPr>
+        <p:blipFill>
+          <a:blip r:embed="rId2"/>
+          <a:stretch>
+            <a:fillRect/>
+          </a:stretch>
+        </p:blipFill>
+        <p:spPr>
+          <a:xfrm>
+            <a:off x="3457575" y="3957637"/>
+            <a:ext cx="3657600" cy="2438400"/>
+          </a:xfrm>
+          <a:prstGeom prst="rect">
+            <a:avLst/>
+          </a:prstGeom>
+        </p:spPr>
+      </p:pic>
+      <p:pic>
+        <p:nvPicPr>
+          <p:cNvPr id="5" name="Picture 4">
+            <a:extLst>
+              <a:ext uri="{FF2B5EF4-FFF2-40B4-BE49-F238E27FC236}">
+                <a16:creationId xmlns:a16="http://schemas.microsoft.com/office/drawing/2014/main" id="{2357ECEB-7B2B-46A8-A529-5A2C55589449}"/>
+              </a:ext>
+            </a:extLst>
+          </p:cNvPr>
+          <p:cNvPicPr>
+            <a:picLocks noChangeAspect="1"/>
+          </p:cNvPicPr>
+          <p:nvPr/>
+        </p:nvPicPr>
+        <p:blipFill>
+          <a:blip r:embed="rId3"/>
+          <a:stretch>
+            <a:fillRect/>
+          </a:stretch>
+        </p:blipFill>
+        <p:spPr>
+          <a:xfrm>
+            <a:off x="390524" y="371475"/>
+            <a:ext cx="5191522" cy="3429000"/>
+          </a:xfrm>
+          <a:prstGeom prst="rect">
+            <a:avLst/>
+          </a:prstGeom>
+        </p:spPr>
+      </p:pic>
+      <p:pic>
+        <p:nvPicPr>
+          <p:cNvPr id="9" name="Picture 8">
+            <a:extLst>
+              <a:ext uri="{FF2B5EF4-FFF2-40B4-BE49-F238E27FC236}">
+                <a16:creationId xmlns:a16="http://schemas.microsoft.com/office/drawing/2014/main" id="{72B8907C-B9FA-4A2C-8359-70E006D320E5}"/>
+              </a:ext>
+            </a:extLst>
+          </p:cNvPr>
+          <p:cNvPicPr>
+            <a:picLocks noChangeAspect="1"/>
+          </p:cNvPicPr>
+          <p:nvPr/>
+        </p:nvPicPr>
+        <p:blipFill>
+          <a:blip r:embed="rId4"/>
+          <a:stretch>
+            <a:fillRect/>
+          </a:stretch>
+        </p:blipFill>
+        <p:spPr>
+          <a:xfrm>
+            <a:off x="528637" y="4252912"/>
+            <a:ext cx="2828925" cy="1609725"/>
+          </a:xfrm>
+          <a:prstGeom prst="rect">
+            <a:avLst/>
+          </a:prstGeom>
+        </p:spPr>
+      </p:pic>
+    </p:spTree>
+    <p:extLst>
+      <p:ext uri="{BB962C8B-B14F-4D97-AF65-F5344CB8AC3E}">
+        <p14:creationId xmlns:p14="http://schemas.microsoft.com/office/powerpoint/2010/main" val="790883198"/>
+      </p:ext>
+    </p:extLst>
+  </p:cSld>
+  <p:clrMapOvr>
+    <a:masterClrMapping/>
+  </p:clrMapOvr>
+  <mc:AlternateContent xmlns:mc="http://schemas.openxmlformats.org/markup-compatibility/2006" xmlns:p14="http://schemas.microsoft.com/office/powerpoint/2010/main">
+    <mc:Choice Requires="p14">
+      <p:transition spd="med" p14:dur="700">
+        <p:fade/>
+      </p:transition>
+    </mc:Choice>
+    <mc:Fallback xmlns="">
+      <p:transition spd="med">
+        <p:fade/>
+      </p:transition>
+    </mc:Fallback>
+  </mc:AlternateContent>
+</p:sld>
+</file>
+
+<file path=ppt/slides/slide2.xml><?xml version="1.0" encoding="utf-8"?>
+<p:sld xmlns:a="http://schemas.openxmlformats.org/drawingml/2006/main" xmlns:r="http://schemas.openxmlformats.org/officeDocument/2006/relationships" xmlns:p="http://schemas.openxmlformats.org/presentationml/2006/main">
+  <p:cSld>
+    <p:spTree>
+      <p:nvGrpSpPr>
+        <p:cNvPr id="1" name=""/>
+        <p:cNvGrpSpPr/>
+        <p:nvPr/>
+      </p:nvGrpSpPr>
+      <p:grpSpPr>
+        <a:xfrm>
+          <a:off x="0" y="0"/>
+          <a:ext cx="0" cy="0"/>
+          <a:chOff x="0" y="0"/>
+          <a:chExt cx="0" cy="0"/>
+        </a:xfrm>
+      </p:grpSpPr>
+      <p:pic>
+        <p:nvPicPr>
+          <p:cNvPr id="6" name="Picture 5">
+            <a:extLst>
+              <a:ext uri="{FF2B5EF4-FFF2-40B4-BE49-F238E27FC236}">
+                <a16:creationId xmlns:a16="http://schemas.microsoft.com/office/drawing/2014/main" id="{28BDA05A-9AC1-46EF-ADA3-B75951036893}"/>
+              </a:ext>
+            </a:extLst>
+          </p:cNvPr>
+          <p:cNvPicPr>
+            <a:picLocks noChangeAspect="1"/>
+          </p:cNvPicPr>
+          <p:nvPr/>
+        </p:nvPicPr>
+        <p:blipFill>
+          <a:blip r:embed="rId2"/>
+          <a:stretch>
+            <a:fillRect/>
+          </a:stretch>
+        </p:blipFill>
+        <p:spPr>
+          <a:xfrm>
+            <a:off x="17991" y="0"/>
+            <a:ext cx="11201401" cy="6858000"/>
+          </a:xfrm>
+          <a:prstGeom prst="rect">
+            <a:avLst/>
+          </a:prstGeom>
+        </p:spPr>
+      </p:pic>
+      <p:sp>
+        <p:nvSpPr>
+          <p:cNvPr id="2" name="Title 1"/>
+          <p:cNvSpPr>
+            <a:spLocks noGrp="1"/>
+          </p:cNvSpPr>
+          <p:nvPr>
+            <p:ph type="title"/>
+          </p:nvPr>
+        </p:nvSpPr>
+        <p:spPr>
+          <a:xfrm>
+            <a:off x="2200275" y="190500"/>
+            <a:ext cx="8058150" cy="952500"/>
+          </a:xfrm>
+        </p:spPr>
+        <p:txBody>
+          <a:bodyPr>
+            <a:normAutofit/>
+          </a:bodyPr>
+          <a:lstStyle/>
+          <a:p>
+            <a:r>
+              <a:rPr lang="en-US" sz="4800" b="1" dirty="0">
+                <a:solidFill>
+                  <a:schemeClr val="tx1"/>
+                </a:solidFill>
+              </a:rPr>
+              <a:t>EV Cars Florida Story</a:t>
+            </a:r>
+          </a:p>
+        </p:txBody>
+      </p:sp>
+      <p:sp>
+        <p:nvSpPr>
+          <p:cNvPr id="3" name="Content Placeholder 2"/>
+          <p:cNvSpPr>
+            <a:spLocks noGrp="1"/>
+          </p:cNvSpPr>
+          <p:nvPr>
+            <p:ph idx="1"/>
+          </p:nvPr>
+        </p:nvSpPr>
+        <p:spPr>
+          <a:xfrm>
+            <a:off x="124883" y="1333500"/>
+            <a:ext cx="5037667" cy="2295525"/>
+          </a:xfrm>
+        </p:spPr>
+        <p:txBody>
+          <a:bodyPr>
+            <a:normAutofit/>
+          </a:bodyPr>
+          <a:lstStyle/>
+          <a:p>
+            <a:r>
+              <a:rPr lang="en-US" sz="2200" b="1" dirty="0">
+                <a:solidFill>
+                  <a:schemeClr val="tx1"/>
+                </a:solidFill>
+              </a:rPr>
+              <a:t>Environmental Impact</a:t>
+            </a:r>
+          </a:p>
+          <a:p>
+            <a:r>
+              <a:rPr lang="en-US" sz="2200" b="1" dirty="0">
+                <a:solidFill>
+                  <a:schemeClr val="tx1"/>
+                </a:solidFill>
+              </a:rPr>
+              <a:t>Investigation in EV Cars in Florida</a:t>
+            </a:r>
+          </a:p>
+          <a:p>
+            <a:r>
+              <a:rPr lang="en-US" sz="2200" b="1" dirty="0">
+                <a:solidFill>
+                  <a:schemeClr val="tx1"/>
+                </a:solidFill>
+              </a:rPr>
+              <a:t>Data Munging</a:t>
+            </a:r>
+          </a:p>
+          <a:p>
+            <a:r>
+              <a:rPr lang="en-US" sz="2200" b="1" dirty="0">
+                <a:solidFill>
+                  <a:schemeClr val="tx1"/>
+                </a:solidFill>
+              </a:rPr>
+              <a:t>EV Stations in Florida</a:t>
+            </a:r>
+          </a:p>
+          <a:p>
+            <a:r>
+              <a:rPr lang="en-US" sz="2200" b="1" dirty="0">
+                <a:solidFill>
+                  <a:schemeClr val="tx1"/>
+                </a:solidFill>
+              </a:rPr>
+              <a:t>Website</a:t>
+            </a:r>
+          </a:p>
+          <a:p>
+            <a:endParaRPr lang="en-US" dirty="0"/>
+          </a:p>
+        </p:txBody>
+      </p:sp>
+    </p:spTree>
+    <p:extLst>
+      <p:ext uri="{BB962C8B-B14F-4D97-AF65-F5344CB8AC3E}">
+        <p14:creationId xmlns:p14="http://schemas.microsoft.com/office/powerpoint/2010/main" val="2719144567"/>
+      </p:ext>
+    </p:extLst>
+  </p:cSld>
+  <p:clrMapOvr>
+    <a:masterClrMapping/>
+  </p:clrMapOvr>
+  <mc:AlternateContent xmlns:mc="http://schemas.openxmlformats.org/markup-compatibility/2006" xmlns:p14="http://schemas.microsoft.com/office/powerpoint/2010/main">
+    <mc:Choice Requires="p14">
+      <p:transition spd="med" p14:dur="700">
+        <p:fade/>
+      </p:transition>
+    </mc:Choice>
+    <mc:Fallback xmlns="">
+      <p:transition spd="med">
+        <p:fade/>
+      </p:transition>
+    </mc:Fallback>
+  </mc:AlternateContent>
+</p:sld>
+</file>
+
+<file path=ppt/slides/slide20.xml><?xml version="1.0" encoding="utf-8"?>
+<p:sld xmlns:a="http://schemas.openxmlformats.org/drawingml/2006/main" xmlns:r="http://schemas.openxmlformats.org/officeDocument/2006/relationships" xmlns:p="http://schemas.openxmlformats.org/presentationml/2006/main">
+  <p:cSld>
+    <p:spTree>
+      <p:nvGrpSpPr>
+        <p:cNvPr id="1" name=""/>
+        <p:cNvGrpSpPr/>
+        <p:nvPr/>
+      </p:nvGrpSpPr>
+      <p:grpSpPr>
+        <a:xfrm>
+          <a:off x="0" y="0"/>
+          <a:ext cx="0" cy="0"/>
+          <a:chOff x="0" y="0"/>
+          <a:chExt cx="0" cy="0"/>
+        </a:xfrm>
+      </p:grpSpPr>
+      <p:sp>
+        <p:nvSpPr>
+          <p:cNvPr id="8" name="Title 7"/>
+          <p:cNvSpPr>
+            <a:spLocks noGrp="1"/>
+          </p:cNvSpPr>
+          <p:nvPr>
+            <p:ph type="title"/>
+          </p:nvPr>
+        </p:nvSpPr>
+        <p:spPr/>
+        <p:txBody>
+          <a:bodyPr/>
+          <a:lstStyle/>
+          <a:p>
+            <a:r>
+              <a:rPr lang="en-US" dirty="0"/>
+              <a:t>Add a Slide Title - 4</a:t>
+            </a:r>
+          </a:p>
+        </p:txBody>
+      </p:sp>
+      <p:sp>
+        <p:nvSpPr>
+          <p:cNvPr id="9" name="Content Placeholder 8"/>
+          <p:cNvSpPr>
+            <a:spLocks noGrp="1"/>
+          </p:cNvSpPr>
+          <p:nvPr>
+            <p:ph idx="1"/>
+          </p:nvPr>
+        </p:nvSpPr>
+        <p:spPr/>
+        <p:txBody>
+          <a:bodyPr/>
+          <a:lstStyle/>
+          <a:p>
+            <a:endParaRPr lang="en-US" dirty="0"/>
+          </a:p>
+        </p:txBody>
+      </p:sp>
+      <p:sp>
+        <p:nvSpPr>
+          <p:cNvPr id="10" name="Text Placeholder 9"/>
+          <p:cNvSpPr>
+            <a:spLocks noGrp="1"/>
+          </p:cNvSpPr>
+          <p:nvPr>
+            <p:ph type="body" sz="half" idx="2"/>
+          </p:nvPr>
+        </p:nvSpPr>
+        <p:spPr/>
+        <p:txBody>
+          <a:bodyPr/>
+          <a:lstStyle/>
+          <a:p>
+            <a:endParaRPr lang="en-US" dirty="0"/>
+          </a:p>
+        </p:txBody>
+      </p:sp>
+    </p:spTree>
+    <p:extLst>
+      <p:ext uri="{BB962C8B-B14F-4D97-AF65-F5344CB8AC3E}">
+        <p14:creationId xmlns:p14="http://schemas.microsoft.com/office/powerpoint/2010/main" val="1669418864"/>
+      </p:ext>
+    </p:extLst>
+  </p:cSld>
+  <p:clrMapOvr>
+    <a:masterClrMapping/>
+  </p:clrMapOvr>
+  <mc:AlternateContent xmlns:mc="http://schemas.openxmlformats.org/markup-compatibility/2006" xmlns:p14="http://schemas.microsoft.com/office/powerpoint/2010/main">
+    <mc:Choice Requires="p14">
+      <p:transition spd="med" p14:dur="700">
+        <p:fade/>
+      </p:transition>
+    </mc:Choice>
+    <mc:Fallback xmlns="">
+      <p:transition spd="med">
+        <p:fade/>
+      </p:transition>
+    </mc:Fallback>
+  </mc:AlternateContent>
+</p:sld>
+</file>
+
+<file path=ppt/slides/slide21.xml><?xml version="1.0" encoding="utf-8"?>
+<p:sld xmlns:a="http://schemas.openxmlformats.org/drawingml/2006/main" xmlns:r="http://schemas.openxmlformats.org/officeDocument/2006/relationships" xmlns:p="http://schemas.openxmlformats.org/presentationml/2006/main">
+  <p:cSld>
+    <p:spTree>
+      <p:nvGrpSpPr>
+        <p:cNvPr id="1" name=""/>
+        <p:cNvGrpSpPr/>
+        <p:nvPr/>
+      </p:nvGrpSpPr>
+      <p:grpSpPr>
+        <a:xfrm>
+          <a:off x="0" y="0"/>
+          <a:ext cx="0" cy="0"/>
+          <a:chOff x="0" y="0"/>
+          <a:chExt cx="0" cy="0"/>
+        </a:xfrm>
+      </p:grpSpPr>
+      <p:sp>
+        <p:nvSpPr>
+          <p:cNvPr id="8" name="Title 7"/>
+          <p:cNvSpPr>
+            <a:spLocks noGrp="1"/>
+          </p:cNvSpPr>
+          <p:nvPr>
+            <p:ph type="title"/>
+          </p:nvPr>
+        </p:nvSpPr>
+        <p:spPr/>
+        <p:txBody>
+          <a:bodyPr/>
+          <a:lstStyle/>
+          <a:p>
+            <a:r>
+              <a:rPr lang="en-US" dirty="0"/>
+              <a:t>Thank you letting us share our story!</a:t>
+            </a:r>
+          </a:p>
+        </p:txBody>
+      </p:sp>
+      <p:pic>
+        <p:nvPicPr>
+          <p:cNvPr id="3" name="Picture Placeholder 2">
+            <a:extLst>
+              <a:ext uri="{FF2B5EF4-FFF2-40B4-BE49-F238E27FC236}">
+                <a16:creationId xmlns:a16="http://schemas.microsoft.com/office/drawing/2014/main" id="{1DE29613-B19C-4541-92B5-5CA589E9AE0E}"/>
+              </a:ext>
+            </a:extLst>
+          </p:cNvPr>
+          <p:cNvPicPr>
+            <a:picLocks noGrp="1" noChangeAspect="1"/>
+          </p:cNvPicPr>
+          <p:nvPr>
+            <p:ph type="pic" idx="1"/>
+          </p:nvPr>
+        </p:nvPicPr>
+        <p:blipFill>
+          <a:blip r:embed="rId2"/>
+          <a:srcRect t="533" b="533"/>
+          <a:stretch>
+            <a:fillRect/>
+          </a:stretch>
+        </p:blipFill>
+        <p:spPr>
+          <a:xfrm>
+            <a:off x="1323974" y="1164059"/>
+            <a:ext cx="7378527" cy="3300783"/>
+          </a:xfrm>
+        </p:spPr>
+      </p:pic>
+      <p:sp>
+        <p:nvSpPr>
+          <p:cNvPr id="10" name="Text Placeholder 9"/>
+          <p:cNvSpPr>
+            <a:spLocks noGrp="1"/>
+          </p:cNvSpPr>
+          <p:nvPr>
+            <p:ph type="body" sz="half" idx="2"/>
+          </p:nvPr>
+        </p:nvSpPr>
+        <p:spPr/>
+        <p:txBody>
+          <a:bodyPr/>
+          <a:lstStyle/>
+          <a:p>
+            <a:endParaRPr lang="en-US" dirty="0"/>
+          </a:p>
+        </p:txBody>
+      </p:sp>
+    </p:spTree>
+    <p:extLst>
+      <p:ext uri="{BB962C8B-B14F-4D97-AF65-F5344CB8AC3E}">
+        <p14:creationId xmlns:p14="http://schemas.microsoft.com/office/powerpoint/2010/main" val="1303301948"/>
+      </p:ext>
+    </p:extLst>
+  </p:cSld>
+  <p:clrMapOvr>
+    <a:masterClrMapping/>
+  </p:clrMapOvr>
+  <mc:AlternateContent xmlns:mc="http://schemas.openxmlformats.org/markup-compatibility/2006" xmlns:p14="http://schemas.microsoft.com/office/powerpoint/2010/main">
+    <mc:Choice Requires="p14">
+      <p:transition spd="med" p14:dur="700">
+        <p:fade/>
+      </p:transition>
+    </mc:Choice>
+    <mc:Fallback xmlns="">
+      <p:transition spd="med">
+        <p:fade/>
+      </p:transition>
+    </mc:Fallback>
+  </mc:AlternateContent>
+</p:sld>
+</file>
+
+<file path=ppt/slides/slide3.xml><?xml version="1.0" encoding="utf-8"?>
+<p:sld xmlns:a="http://schemas.openxmlformats.org/drawingml/2006/main" xmlns:r="http://schemas.openxmlformats.org/officeDocument/2006/relationships" xmlns:p="http://schemas.openxmlformats.org/presentationml/2006/main">
+  <p:cSld>
+    <p:spTree>
+      <p:nvGrpSpPr>
+        <p:cNvPr id="1" name=""/>
+        <p:cNvGrpSpPr/>
+        <p:nvPr/>
+      </p:nvGrpSpPr>
+      <p:grpSpPr>
+        <a:xfrm>
+          <a:off x="0" y="0"/>
+          <a:ext cx="0" cy="0"/>
+          <a:chOff x="0" y="0"/>
+          <a:chExt cx="0" cy="0"/>
+        </a:xfrm>
+      </p:grpSpPr>
+      <p:pic>
+        <p:nvPicPr>
+          <p:cNvPr id="5" name="Picture 4">
+            <a:extLst>
+              <a:ext uri="{FF2B5EF4-FFF2-40B4-BE49-F238E27FC236}">
+                <a16:creationId xmlns:a16="http://schemas.microsoft.com/office/drawing/2014/main" id="{B868BCB0-39DE-40C3-A4EE-B2AD6E225E2E}"/>
+              </a:ext>
+            </a:extLst>
+          </p:cNvPr>
+          <p:cNvPicPr>
+            <a:picLocks noChangeAspect="1"/>
+          </p:cNvPicPr>
+          <p:nvPr/>
+        </p:nvPicPr>
+        <p:blipFill rotWithShape="1">
+          <a:blip r:embed="rId2"/>
+          <a:srcRect b="6316"/>
+          <a:stretch/>
+        </p:blipFill>
+        <p:spPr>
+          <a:xfrm>
+            <a:off x="0" y="0"/>
+            <a:ext cx="12192000" cy="6857999"/>
+          </a:xfrm>
+          <a:prstGeom prst="rect">
+            <a:avLst/>
+          </a:prstGeom>
+        </p:spPr>
+      </p:pic>
+      <p:sp>
+        <p:nvSpPr>
+          <p:cNvPr id="2" name="Title 1">
+            <a:extLst>
+              <a:ext uri="{FF2B5EF4-FFF2-40B4-BE49-F238E27FC236}">
+                <a16:creationId xmlns:a16="http://schemas.microsoft.com/office/drawing/2014/main" id="{E692F99F-6503-405D-83EC-27DF8276EE28}"/>
+              </a:ext>
+            </a:extLst>
+          </p:cNvPr>
+          <p:cNvSpPr>
+            <a:spLocks noGrp="1"/>
+          </p:cNvSpPr>
+          <p:nvPr>
+            <p:ph type="title"/>
+          </p:nvPr>
+        </p:nvSpPr>
+        <p:spPr>
+          <a:xfrm>
+            <a:off x="3028950" y="1196182"/>
+            <a:ext cx="6134100" cy="1499393"/>
+          </a:xfrm>
+        </p:spPr>
+        <p:txBody>
+          <a:bodyPr>
+            <a:normAutofit/>
+          </a:bodyPr>
+          <a:lstStyle/>
+          <a:p>
+            <a:pPr algn="ctr"/>
+            <a:r>
+              <a:rPr lang="en-US" sz="4400" b="1" dirty="0"/>
+              <a:t>EV Cars </a:t>
+            </a:r>
+            <a:br>
+              <a:rPr lang="en-US" sz="4400" b="1" dirty="0"/>
+            </a:br>
+            <a:r>
+              <a:rPr lang="en-US" sz="4400" b="1" dirty="0"/>
+              <a:t>Environmental Impact</a:t>
+            </a:r>
+          </a:p>
+        </p:txBody>
+      </p:sp>
+    </p:spTree>
+    <p:extLst>
+      <p:ext uri="{BB962C8B-B14F-4D97-AF65-F5344CB8AC3E}">
+        <p14:creationId xmlns:p14="http://schemas.microsoft.com/office/powerpoint/2010/main" val="4085777526"/>
+      </p:ext>
+    </p:extLst>
+  </p:cSld>
+  <p:clrMapOvr>
+    <a:masterClrMapping/>
+  </p:clrMapOvr>
+  <mc:AlternateContent xmlns:mc="http://schemas.openxmlformats.org/markup-compatibility/2006" xmlns:p14="http://schemas.microsoft.com/office/powerpoint/2010/main">
+    <mc:Choice Requires="p14">
+      <p:transition spd="med" p14:dur="700">
+        <p:fade/>
+      </p:transition>
+    </mc:Choice>
+    <mc:Fallback xmlns="">
+      <p:transition spd="med">
+        <p:fade/>
+      </p:transition>
+    </mc:Fallback>
+  </mc:AlternateContent>
+</p:sld>
+</file>
+
+<file path=ppt/slides/slide4.xml><?xml version="1.0" encoding="utf-8"?>
+<p:sld xmlns:a="http://schemas.openxmlformats.org/drawingml/2006/main" xmlns:r="http://schemas.openxmlformats.org/officeDocument/2006/relationships" xmlns:p="http://schemas.openxmlformats.org/presentationml/2006/main">
+  <p:cSld>
+    <p:spTree>
+      <p:nvGrpSpPr>
+        <p:cNvPr id="1" name=""/>
+        <p:cNvGrpSpPr/>
+        <p:nvPr/>
+      </p:nvGrpSpPr>
+      <p:grpSpPr>
+        <a:xfrm>
+          <a:off x="0" y="0"/>
+          <a:ext cx="0" cy="0"/>
+          <a:chOff x="0" y="0"/>
+          <a:chExt cx="0" cy="0"/>
+        </a:xfrm>
+      </p:grpSpPr>
+      <p:sp>
+        <p:nvSpPr>
+          <p:cNvPr id="2" name="Title 1">
+            <a:extLst>
+              <a:ext uri="{FF2B5EF4-FFF2-40B4-BE49-F238E27FC236}">
+                <a16:creationId xmlns:a16="http://schemas.microsoft.com/office/drawing/2014/main" id="{8C86023D-C224-42B9-8045-6951F6E5D422}"/>
+              </a:ext>
+            </a:extLst>
+          </p:cNvPr>
+          <p:cNvSpPr>
+            <a:spLocks noGrp="1"/>
+          </p:cNvSpPr>
+          <p:nvPr>
+            <p:ph type="title"/>
+          </p:nvPr>
+        </p:nvSpPr>
+        <p:spPr>
+          <a:xfrm>
+            <a:off x="1353609" y="790575"/>
+            <a:ext cx="8596668" cy="1320800"/>
+          </a:xfrm>
+        </p:spPr>
+        <p:txBody>
+          <a:bodyPr/>
+          <a:lstStyle/>
+          <a:p>
+            <a:r>
+              <a:rPr lang="en-US" dirty="0"/>
+              <a:t>EV Cars Environmental Impact</a:t>
+            </a:r>
+          </a:p>
+        </p:txBody>
+      </p:sp>
+      <p:sp>
+        <p:nvSpPr>
+          <p:cNvPr id="4" name="Content Placeholder 3">
+            <a:extLst>
+              <a:ext uri="{FF2B5EF4-FFF2-40B4-BE49-F238E27FC236}">
+                <a16:creationId xmlns:a16="http://schemas.microsoft.com/office/drawing/2014/main" id="{5A164DEC-DB9E-4498-AA14-D7585F137DD4}"/>
+              </a:ext>
+            </a:extLst>
+          </p:cNvPr>
+          <p:cNvSpPr>
+            <a:spLocks noGrp="1"/>
+          </p:cNvSpPr>
+          <p:nvPr>
+            <p:ph sz="half" idx="2"/>
+          </p:nvPr>
+        </p:nvSpPr>
+        <p:spPr>
+          <a:xfrm>
+            <a:off x="675745" y="2028825"/>
+            <a:ext cx="3924829" cy="2162175"/>
+          </a:xfrm>
+        </p:spPr>
+        <p:txBody>
+          <a:bodyPr/>
+          <a:lstStyle/>
+          <a:p>
+            <a:r>
+              <a:rPr lang="en-US" dirty="0">
+                <a:hlinkClick r:id="rId2" action="ppaction://hlinksldjump"/>
+              </a:rPr>
+              <a:t>Are Electric Cars Really Greener?</a:t>
+            </a:r>
+            <a:endParaRPr lang="en-US" dirty="0"/>
+          </a:p>
+          <a:p>
+            <a:r>
+              <a:rPr lang="en-US" dirty="0">
+                <a:hlinkClick r:id="rId2" action="ppaction://hlinksldjump"/>
+              </a:rPr>
+              <a:t>Are Electric Cars Really Better for the Environment?</a:t>
+            </a:r>
+            <a:endParaRPr lang="en-US" dirty="0"/>
+          </a:p>
+          <a:p>
+            <a:r>
+              <a:rPr lang="en-US" dirty="0">
+                <a:hlinkClick r:id="rId2" action="ppaction://hlinksldjump"/>
+              </a:rPr>
+              <a:t>Electrical Vehicles and EV Infrastructure</a:t>
+            </a:r>
+            <a:endParaRPr lang="en-US" dirty="0"/>
+          </a:p>
+        </p:txBody>
+      </p:sp>
+      <p:sp>
+        <p:nvSpPr>
+          <p:cNvPr id="6" name="Content Placeholder 5">
+            <a:extLst>
+              <a:ext uri="{FF2B5EF4-FFF2-40B4-BE49-F238E27FC236}">
+                <a16:creationId xmlns:a16="http://schemas.microsoft.com/office/drawing/2014/main" id="{7D1A840B-E2BF-4E22-97EE-2E9B7C165EBD}"/>
+              </a:ext>
+            </a:extLst>
+          </p:cNvPr>
+          <p:cNvSpPr>
+            <a:spLocks noGrp="1"/>
+          </p:cNvSpPr>
+          <p:nvPr>
+            <p:ph sz="quarter" idx="4"/>
+          </p:nvPr>
+        </p:nvSpPr>
+        <p:spPr>
+          <a:xfrm>
+            <a:off x="5945634" y="2803920"/>
+            <a:ext cx="4185617" cy="1968105"/>
+          </a:xfrm>
+        </p:spPr>
+        <p:txBody>
+          <a:bodyPr/>
+          <a:lstStyle/>
+          <a:p>
+            <a:r>
+              <a:rPr lang="en-US" dirty="0">
+                <a:hlinkClick r:id="rId2" action="ppaction://hlinksldjump"/>
+              </a:rPr>
+              <a:t>Transportation Electrification in Florida</a:t>
+            </a:r>
+            <a:endParaRPr lang="en-US" dirty="0"/>
+          </a:p>
+          <a:p>
+            <a:r>
+              <a:rPr lang="en-US" dirty="0">
+                <a:hlinkClick r:id="rId2" action="ppaction://hlinksldjump"/>
+              </a:rPr>
+              <a:t>Drive Electric Florida</a:t>
+            </a:r>
+            <a:endParaRPr lang="en-US" dirty="0"/>
+          </a:p>
+          <a:p>
+            <a:r>
+              <a:rPr lang="en-US" dirty="0">
+                <a:hlinkClick r:id="rId2" action="ppaction://hlinksldjump"/>
+              </a:rPr>
+              <a:t>Electric Cars vs. Gas Cars: Everything You Need to Know </a:t>
+            </a:r>
+            <a:endParaRPr lang="en-US" dirty="0"/>
+          </a:p>
+          <a:p>
+            <a:endParaRPr lang="en-US" dirty="0"/>
+          </a:p>
+        </p:txBody>
+      </p:sp>
+    </p:spTree>
+    <p:extLst>
+      <p:ext uri="{BB962C8B-B14F-4D97-AF65-F5344CB8AC3E}">
+        <p14:creationId xmlns:p14="http://schemas.microsoft.com/office/powerpoint/2010/main" val="586084436"/>
+      </p:ext>
+    </p:extLst>
+  </p:cSld>
+  <p:clrMapOvr>
+    <a:masterClrMapping/>
+  </p:clrMapOvr>
+  <mc:AlternateContent xmlns:mc="http://schemas.openxmlformats.org/markup-compatibility/2006" xmlns:p14="http://schemas.microsoft.com/office/powerpoint/2010/main">
+    <mc:Choice Requires="p14">
+      <p:transition spd="med" p14:dur="700">
+        <p:fade/>
+      </p:transition>
+    </mc:Choice>
+    <mc:Fallback xmlns="">
+      <p:transition spd="med">
+        <p:fade/>
+      </p:transition>
+    </mc:Fallback>
+  </mc:AlternateContent>
+</p:sld>
+</file>
+
+<file path=ppt/slides/slide5.xml><?xml version="1.0" encoding="utf-8"?>
+<p:sld xmlns:a="http://schemas.openxmlformats.org/drawingml/2006/main" xmlns:r="http://schemas.openxmlformats.org/officeDocument/2006/relationships" xmlns:p="http://schemas.openxmlformats.org/presentationml/2006/main">
+  <p:cSld>
+    <p:spTree>
+      <p:nvGrpSpPr>
+        <p:cNvPr id="1" name=""/>
+        <p:cNvGrpSpPr/>
+        <p:nvPr/>
+      </p:nvGrpSpPr>
+      <p:grpSpPr>
+        <a:xfrm>
+          <a:off x="0" y="0"/>
+          <a:ext cx="0" cy="0"/>
+          <a:chOff x="0" y="0"/>
+          <a:chExt cx="0" cy="0"/>
+        </a:xfrm>
+      </p:grpSpPr>
+      <p:sp>
+        <p:nvSpPr>
+          <p:cNvPr id="12" name="Title 11"/>
+          <p:cNvSpPr>
+            <a:spLocks noGrp="1"/>
+          </p:cNvSpPr>
+          <p:nvPr>
+            <p:ph type="title"/>
+          </p:nvPr>
+        </p:nvSpPr>
+        <p:spPr>
+          <a:xfrm>
+            <a:off x="1210420" y="605518"/>
+            <a:ext cx="7301895" cy="1089932"/>
+          </a:xfrm>
+        </p:spPr>
+        <p:txBody>
+          <a:bodyPr>
+            <a:normAutofit fontScale="90000"/>
+          </a:bodyPr>
+          <a:lstStyle/>
+          <a:p>
+            <a:pPr algn="ctr"/>
+            <a:r>
+              <a:rPr lang="en-US" dirty="0"/>
+              <a:t>Environmental Impact Driving Factors for EV Car Purchase</a:t>
+            </a:r>
+          </a:p>
+        </p:txBody>
+      </p:sp>
+      <p:sp>
+        <p:nvSpPr>
+          <p:cNvPr id="14" name="Content Placeholder 13"/>
+          <p:cNvSpPr>
+            <a:spLocks noGrp="1"/>
+          </p:cNvSpPr>
+          <p:nvPr>
+            <p:ph sz="half" idx="2"/>
+          </p:nvPr>
+        </p:nvSpPr>
+        <p:spPr>
+          <a:xfrm>
+            <a:off x="675745" y="2266951"/>
+            <a:ext cx="4185623" cy="3774412"/>
+          </a:xfrm>
+        </p:spPr>
+        <p:txBody>
+          <a:bodyPr/>
+          <a:lstStyle/>
+          <a:p>
+            <a:r>
+              <a:rPr lang="en-US" b="1" i="0" dirty="0">
+                <a:solidFill>
+                  <a:srgbClr val="000000"/>
+                </a:solidFill>
+                <a:effectLst/>
+                <a:latin typeface="Graphik"/>
+              </a:rPr>
+              <a:t>Environmental and sustainability objectives drive electric vehicle policy support at all governance levels</a:t>
+            </a:r>
+          </a:p>
+          <a:p>
+            <a:r>
+              <a:rPr lang="en-US" b="1" i="0" dirty="0">
+                <a:solidFill>
+                  <a:srgbClr val="000000"/>
+                </a:solidFill>
+                <a:effectLst/>
+                <a:latin typeface="Graphik"/>
+              </a:rPr>
+              <a:t>Policies are being tailored to support market transition</a:t>
+            </a:r>
+          </a:p>
+          <a:p>
+            <a:r>
+              <a:rPr lang="en-US" b="1" i="0" dirty="0">
+                <a:solidFill>
+                  <a:srgbClr val="000000"/>
+                </a:solidFill>
+                <a:effectLst/>
+                <a:latin typeface="Graphik"/>
+              </a:rPr>
+              <a:t>Electric car sales drive cost reductions in batteries, which boosts deployment across all road vehicle categories</a:t>
+            </a:r>
+          </a:p>
+          <a:p>
+            <a:endParaRPr lang="en-US" dirty="0"/>
+          </a:p>
+        </p:txBody>
+      </p:sp>
+      <p:sp>
+        <p:nvSpPr>
+          <p:cNvPr id="16" name="Content Placeholder 15"/>
+          <p:cNvSpPr>
+            <a:spLocks noGrp="1"/>
+          </p:cNvSpPr>
+          <p:nvPr>
+            <p:ph sz="quarter" idx="4"/>
+          </p:nvPr>
+        </p:nvSpPr>
+        <p:spPr>
+          <a:xfrm>
+            <a:off x="5088385" y="2266951"/>
+            <a:ext cx="4185617" cy="3304117"/>
+          </a:xfrm>
+        </p:spPr>
+        <p:txBody>
+          <a:bodyPr/>
+          <a:lstStyle/>
+          <a:p>
+            <a:r>
+              <a:rPr lang="en-US" b="1" i="0" dirty="0">
+                <a:solidFill>
+                  <a:srgbClr val="000000"/>
+                </a:solidFill>
+                <a:effectLst/>
+                <a:latin typeface="Graphik"/>
+              </a:rPr>
+              <a:t>Electric vehicles increase electricity demand but reduce oil demand and well-to-wheel greenhouse gas emissions</a:t>
+            </a:r>
+          </a:p>
+          <a:p>
+            <a:r>
+              <a:rPr lang="en-US" b="1" i="0" dirty="0">
+                <a:solidFill>
+                  <a:srgbClr val="000000"/>
+                </a:solidFill>
+                <a:effectLst/>
+                <a:latin typeface="Graphik"/>
+              </a:rPr>
+              <a:t>Battery technologies improve and costs drop</a:t>
+            </a:r>
+          </a:p>
+          <a:p>
+            <a:r>
+              <a:rPr lang="en-US" b="1" dirty="0">
+                <a:solidFill>
+                  <a:srgbClr val="000000"/>
+                </a:solidFill>
+                <a:latin typeface="Graphik"/>
+              </a:rPr>
+              <a:t>Battery manufacturing</a:t>
+            </a:r>
+          </a:p>
+        </p:txBody>
+      </p:sp>
+    </p:spTree>
+    <p:extLst>
+      <p:ext uri="{BB962C8B-B14F-4D97-AF65-F5344CB8AC3E}">
+        <p14:creationId xmlns:p14="http://schemas.microsoft.com/office/powerpoint/2010/main" val="3119048675"/>
+      </p:ext>
+    </p:extLst>
+  </p:cSld>
+  <p:clrMapOvr>
+    <a:masterClrMapping/>
+  </p:clrMapOvr>
+  <mc:AlternateContent xmlns:mc="http://schemas.openxmlformats.org/markup-compatibility/2006" xmlns:p14="http://schemas.microsoft.com/office/powerpoint/2010/main">
+    <mc:Choice Requires="p14">
+      <p:transition spd="med" p14:dur="700">
+        <p:fade/>
+      </p:transition>
+    </mc:Choice>
+    <mc:Fallback xmlns="">
+      <p:transition spd="med">
+        <p:fade/>
+      </p:transition>
+    </mc:Fallback>
+  </mc:AlternateContent>
+</p:sld>
+</file>
+
+<file path=ppt/slides/slide6.xml><?xml version="1.0" encoding="utf-8"?>
+<p:sld xmlns:a="http://schemas.openxmlformats.org/drawingml/2006/main" xmlns:r="http://schemas.openxmlformats.org/officeDocument/2006/relationships" xmlns:p="http://schemas.openxmlformats.org/presentationml/2006/main">
+  <p:cSld>
+    <p:spTree>
+      <p:nvGrpSpPr>
+        <p:cNvPr id="1" name=""/>
+        <p:cNvGrpSpPr/>
+        <p:nvPr/>
+      </p:nvGrpSpPr>
+      <p:grpSpPr>
+        <a:xfrm>
+          <a:off x="0" y="0"/>
+          <a:ext cx="0" cy="0"/>
+          <a:chOff x="0" y="0"/>
+          <a:chExt cx="0" cy="0"/>
+        </a:xfrm>
+      </p:grpSpPr>
+      <p:sp>
+        <p:nvSpPr>
+          <p:cNvPr id="2" name="Title 1"/>
+          <p:cNvSpPr>
+            <a:spLocks noGrp="1"/>
+          </p:cNvSpPr>
+          <p:nvPr>
+            <p:ph type="title"/>
+          </p:nvPr>
+        </p:nvSpPr>
+        <p:spPr>
+          <a:xfrm>
+            <a:off x="677334" y="609600"/>
+            <a:ext cx="8596668" cy="704850"/>
+          </a:xfrm>
+        </p:spPr>
+        <p:txBody>
+          <a:bodyPr>
+            <a:normAutofit/>
+          </a:bodyPr>
+          <a:lstStyle/>
+          <a:p>
+            <a:pPr algn="ctr"/>
+            <a:r>
+              <a:rPr lang="en-US" dirty="0"/>
+              <a:t>EV Environmental Impact</a:t>
+            </a:r>
+          </a:p>
+        </p:txBody>
+      </p:sp>
+      <p:graphicFrame>
+        <p:nvGraphicFramePr>
+          <p:cNvPr id="7" name="Chart 6">
+            <a:extLst>
+              <a:ext uri="{FF2B5EF4-FFF2-40B4-BE49-F238E27FC236}">
+                <a16:creationId xmlns:a16="http://schemas.microsoft.com/office/drawing/2014/main" id="{AE32B78F-6B46-40AE-BA22-B12CA46187CD}"/>
+              </a:ext>
+            </a:extLst>
+          </p:cNvPr>
+          <p:cNvGraphicFramePr>
+            <a:graphicFrameLocks/>
+          </p:cNvGraphicFramePr>
+          <p:nvPr/>
+        </p:nvGraphicFramePr>
+        <p:xfrm>
+          <a:off x="542925" y="1474787"/>
+          <a:ext cx="9201150" cy="4583113"/>
+        </p:xfrm>
+        <a:graphic>
+          <a:graphicData uri="http://schemas.openxmlformats.org/drawingml/2006/chart">
+            <c:chart xmlns:c="http://schemas.openxmlformats.org/drawingml/2006/chart" xmlns:r="http://schemas.openxmlformats.org/officeDocument/2006/relationships" r:id="rId2"/>
+          </a:graphicData>
+        </a:graphic>
+      </p:graphicFrame>
+    </p:spTree>
+    <p:extLst>
+      <p:ext uri="{BB962C8B-B14F-4D97-AF65-F5344CB8AC3E}">
+        <p14:creationId xmlns:p14="http://schemas.microsoft.com/office/powerpoint/2010/main" val="911925043"/>
+      </p:ext>
+    </p:extLst>
+  </p:cSld>
+  <p:clrMapOvr>
+    <a:masterClrMapping/>
+  </p:clrMapOvr>
+  <mc:AlternateContent xmlns:mc="http://schemas.openxmlformats.org/markup-compatibility/2006" xmlns:p14="http://schemas.microsoft.com/office/powerpoint/2010/main">
+    <mc:Choice Requires="p14">
+      <p:transition spd="med" p14:dur="700">
+        <p:fade/>
+      </p:transition>
+    </mc:Choice>
+    <mc:Fallback xmlns="">
+      <p:transition spd="med">
+        <p:fade/>
+      </p:transition>
+    </mc:Fallback>
+  </mc:AlternateContent>
+</p:sld>
+</file>
+
+<file path=ppt/slides/slide7.xml><?xml version="1.0" encoding="utf-8"?>
+<p:sld xmlns:a="http://schemas.openxmlformats.org/drawingml/2006/main" xmlns:r="http://schemas.openxmlformats.org/officeDocument/2006/relationships" xmlns:p="http://schemas.openxmlformats.org/presentationml/2006/main">
+  <p:cSld>
+    <p:spTree>
+      <p:nvGrpSpPr>
+        <p:cNvPr id="1" name=""/>
+        <p:cNvGrpSpPr/>
+        <p:nvPr/>
+      </p:nvGrpSpPr>
+      <p:grpSpPr>
+        <a:xfrm>
+          <a:off x="0" y="0"/>
+          <a:ext cx="0" cy="0"/>
+          <a:chOff x="0" y="0"/>
+          <a:chExt cx="0" cy="0"/>
+        </a:xfrm>
+      </p:grpSpPr>
+      <p:pic>
+        <p:nvPicPr>
+          <p:cNvPr id="11" name="Picture 10">
+            <a:extLst>
+              <a:ext uri="{FF2B5EF4-FFF2-40B4-BE49-F238E27FC236}">
+                <a16:creationId xmlns:a16="http://schemas.microsoft.com/office/drawing/2014/main" id="{F01DBF69-12DD-439E-A3EF-C4BCB6DE3397}"/>
+              </a:ext>
+            </a:extLst>
+          </p:cNvPr>
+          <p:cNvPicPr>
+            <a:picLocks noChangeAspect="1"/>
+          </p:cNvPicPr>
+          <p:nvPr/>
+        </p:nvPicPr>
+        <p:blipFill>
+          <a:blip r:embed="rId2"/>
+          <a:stretch>
+            <a:fillRect/>
+          </a:stretch>
+        </p:blipFill>
+        <p:spPr>
+          <a:xfrm>
+            <a:off x="0" y="0"/>
+            <a:ext cx="12192000" cy="6991350"/>
+          </a:xfrm>
+          <a:prstGeom prst="rect">
+            <a:avLst/>
+          </a:prstGeom>
+        </p:spPr>
+      </p:pic>
+      <p:sp>
+        <p:nvSpPr>
+          <p:cNvPr id="4" name="Title 3"/>
+          <p:cNvSpPr>
+            <a:spLocks noGrp="1"/>
+          </p:cNvSpPr>
+          <p:nvPr>
+            <p:ph type="title"/>
+          </p:nvPr>
+        </p:nvSpPr>
+        <p:spPr>
+          <a:xfrm>
+            <a:off x="219077" y="4276725"/>
+            <a:ext cx="7458073" cy="1657349"/>
+          </a:xfrm>
+          <a:solidFill>
+            <a:srgbClr val="92D050"/>
+          </a:solidFill>
+        </p:spPr>
+        <p:txBody>
+          <a:bodyPr anchor="ctr"/>
+          <a:lstStyle/>
+          <a:p>
+            <a:pPr algn="ctr"/>
+            <a:r>
+              <a:rPr lang="en-US" b="1" dirty="0">
+                <a:solidFill>
+                  <a:schemeClr val="bg1"/>
+                </a:solidFill>
+              </a:rPr>
+              <a:t>Investigation in EV Cars</a:t>
+            </a:r>
+            <a:br>
+              <a:rPr lang="en-US" b="1" dirty="0">
+                <a:solidFill>
+                  <a:schemeClr val="bg1"/>
+                </a:solidFill>
+              </a:rPr>
+            </a:br>
+            <a:r>
+              <a:rPr lang="en-US" b="1" dirty="0">
+                <a:solidFill>
+                  <a:schemeClr val="bg1"/>
+                </a:solidFill>
+              </a:rPr>
+              <a:t>in Florida</a:t>
+            </a:r>
+          </a:p>
+        </p:txBody>
+      </p:sp>
+    </p:spTree>
+    <p:extLst>
+      <p:ext uri="{BB962C8B-B14F-4D97-AF65-F5344CB8AC3E}">
+        <p14:creationId xmlns:p14="http://schemas.microsoft.com/office/powerpoint/2010/main" val="2312531367"/>
+      </p:ext>
+    </p:extLst>
+  </p:cSld>
+  <p:clrMapOvr>
+    <a:masterClrMapping/>
+  </p:clrMapOvr>
+  <mc:AlternateContent xmlns:mc="http://schemas.openxmlformats.org/markup-compatibility/2006" xmlns:p14="http://schemas.microsoft.com/office/powerpoint/2010/main">
+    <mc:Choice Requires="p14">
+      <p:transition spd="med" p14:dur="700">
+        <p:fade/>
+      </p:transition>
+    </mc:Choice>
+    <mc:Fallback xmlns="">
+      <p:transition spd="med">
+        <p:fade/>
+      </p:transition>
+    </mc:Fallback>
+  </mc:AlternateContent>
+</p:sld>
+</file>
+
+<file path=ppt/slides/slide8.xml><?xml version="1.0" encoding="utf-8"?>
+<p:sld xmlns:a="http://schemas.openxmlformats.org/drawingml/2006/main" xmlns:r="http://schemas.openxmlformats.org/officeDocument/2006/relationships" xmlns:p="http://schemas.openxmlformats.org/presentationml/2006/main">
+  <p:cSld>
+    <p:spTree>
+      <p:nvGrpSpPr>
+        <p:cNvPr id="1" name=""/>
+        <p:cNvGrpSpPr/>
+        <p:nvPr/>
+      </p:nvGrpSpPr>
+      <p:grpSpPr>
+        <a:xfrm>
+          <a:off x="0" y="0"/>
+          <a:ext cx="0" cy="0"/>
+          <a:chOff x="0" y="0"/>
+          <a:chExt cx="0" cy="0"/>
+        </a:xfrm>
+      </p:grpSpPr>
+      <p:sp>
+        <p:nvSpPr>
+          <p:cNvPr id="2" name="Title 1"/>
+          <p:cNvSpPr>
+            <a:spLocks noGrp="1"/>
+          </p:cNvSpPr>
+          <p:nvPr>
+            <p:ph type="title"/>
+          </p:nvPr>
+        </p:nvSpPr>
+        <p:spPr/>
+        <p:txBody>
+          <a:bodyPr>
+            <a:normAutofit/>
+          </a:bodyPr>
+          <a:lstStyle/>
+          <a:p>
+            <a:r>
+              <a:rPr lang="en-US" dirty="0"/>
+              <a:t>Title and content layout with chart</a:t>
+            </a:r>
+          </a:p>
+        </p:txBody>
+      </p:sp>
+      <p:graphicFrame>
+        <p:nvGraphicFramePr>
+          <p:cNvPr id="6" name="Content Placeholder 5" descr="Clustered column chart showing the values of 3 series for 4 categories"/>
+          <p:cNvGraphicFramePr>
+            <a:graphicFrameLocks noGrp="1"/>
+          </p:cNvGraphicFramePr>
+          <p:nvPr>
+            <p:ph idx="1"/>
+            <p:extLst>
+              <p:ext uri="{D42A27DB-BD31-4B8C-83A1-F6EECF244321}">
+                <p14:modId xmlns:p14="http://schemas.microsoft.com/office/powerpoint/2010/main" val="62090218"/>
+              </p:ext>
+            </p:extLst>
+          </p:nvPr>
+        </p:nvGraphicFramePr>
+        <p:xfrm>
+          <a:off x="677863" y="2160588"/>
+          <a:ext cx="8596312" cy="3881437"/>
+        </p:xfrm>
+        <a:graphic>
+          <a:graphicData uri="http://schemas.openxmlformats.org/drawingml/2006/chart">
+            <c:chart xmlns:c="http://schemas.openxmlformats.org/drawingml/2006/chart" xmlns:r="http://schemas.openxmlformats.org/officeDocument/2006/relationships" r:id="rId2"/>
+          </a:graphicData>
+        </a:graphic>
+      </p:graphicFrame>
+    </p:spTree>
+    <p:extLst>
+      <p:ext uri="{BB962C8B-B14F-4D97-AF65-F5344CB8AC3E}">
+        <p14:creationId xmlns:p14="http://schemas.microsoft.com/office/powerpoint/2010/main" val="67957042"/>
+      </p:ext>
+    </p:extLst>
+  </p:cSld>
+  <p:clrMapOvr>
+    <a:masterClrMapping/>
+  </p:clrMapOvr>
+  <mc:AlternateContent xmlns:mc="http://schemas.openxmlformats.org/markup-compatibility/2006" xmlns:p14="http://schemas.microsoft.com/office/powerpoint/2010/main">
+    <mc:Choice Requires="p14">
+      <p:transition spd="med" p14:dur="700">
+        <p:fade/>
+      </p:transition>
+    </mc:Choice>
+    <mc:Fallback xmlns="">
+      <p:transition spd="med">
+        <p:fade/>
+      </p:transition>
+    </mc:Fallback>
+  </mc:AlternateContent>
+</p:sld>
+</file>
+
+<file path=ppt/slides/slide9.xml><?xml version="1.0" encoding="utf-8"?>
+<p:sld xmlns:a="http://schemas.openxmlformats.org/drawingml/2006/main" xmlns:r="http://schemas.openxmlformats.org/officeDocument/2006/relationships" xmlns:p="http://schemas.openxmlformats.org/presentationml/2006/main">
+  <p:cSld>
+    <p:spTree>
+      <p:nvGrpSpPr>
+        <p:cNvPr id="1" name=""/>
+        <p:cNvGrpSpPr/>
+        <p:nvPr/>
+      </p:nvGrpSpPr>
+      <p:grpSpPr>
+        <a:xfrm>
+          <a:off x="0" y="0"/>
+          <a:ext cx="0" cy="0"/>
+          <a:chOff x="0" y="0"/>
+          <a:chExt cx="0" cy="0"/>
+        </a:xfrm>
+      </p:grpSpPr>
+      <p:pic>
+        <p:nvPicPr>
+          <p:cNvPr id="4" name="Picture 3">
+            <a:extLst>
+              <a:ext uri="{FF2B5EF4-FFF2-40B4-BE49-F238E27FC236}">
+                <a16:creationId xmlns:a16="http://schemas.microsoft.com/office/drawing/2014/main" id="{E2FF6D8B-B80B-4661-B63F-2B874835274F}"/>
+              </a:ext>
+            </a:extLst>
+          </p:cNvPr>
+          <p:cNvPicPr>
+            <a:picLocks noChangeAspect="1"/>
+          </p:cNvPicPr>
+          <p:nvPr/>
+        </p:nvPicPr>
+        <p:blipFill>
+          <a:blip r:embed="rId2"/>
+          <a:stretch>
+            <a:fillRect/>
+          </a:stretch>
+        </p:blipFill>
+        <p:spPr>
+          <a:xfrm>
+            <a:off x="0" y="-1"/>
+            <a:ext cx="12192000" cy="6858001"/>
+          </a:xfrm>
+          <a:prstGeom prst="rect">
+            <a:avLst/>
+          </a:prstGeom>
+        </p:spPr>
+      </p:pic>
+      <p:sp>
+        <p:nvSpPr>
+          <p:cNvPr id="2" name="Title 1">
+            <a:extLst>
+              <a:ext uri="{FF2B5EF4-FFF2-40B4-BE49-F238E27FC236}">
+                <a16:creationId xmlns:a16="http://schemas.microsoft.com/office/drawing/2014/main" id="{3EE96425-70B7-4191-84C2-49BE22C05710}"/>
+              </a:ext>
+            </a:extLst>
+          </p:cNvPr>
+          <p:cNvSpPr txBox="1">
+            <a:spLocks/>
+          </p:cNvSpPr>
+          <p:nvPr/>
+        </p:nvSpPr>
+        <p:spPr>
+          <a:xfrm>
+            <a:off x="6000750" y="514350"/>
+            <a:ext cx="4248150" cy="2562225"/>
+          </a:xfrm>
+          <a:prstGeom prst="rect">
+            <a:avLst/>
+          </a:prstGeom>
+        </p:spPr>
+        <p:txBody>
+          <a:bodyPr>
+            <a:normAutofit/>
+          </a:bodyPr>
+          <a:lstStyle>
+            <a:lvl1pPr algn="l" defTabSz="457200" rtl="0" eaLnBrk="1" latinLnBrk="0" hangingPunct="1">
+              <a:spcBef>
+                <a:spcPct val="0"/>
+              </a:spcBef>
+              <a:buNone/>
+              <a:defRPr sz="3600" kern="1200">
+                <a:solidFill>
+                  <a:schemeClr val="accent1"/>
+                </a:solidFill>
+                <a:latin typeface="+mj-lt"/>
+                <a:ea typeface="+mj-ea"/>
+                <a:cs typeface="+mj-cs"/>
+              </a:defRPr>
+            </a:lvl1pPr>
+            <a:lvl2pPr eaLnBrk="1" hangingPunct="1">
+              <a:defRPr>
+                <a:solidFill>
+                  <a:schemeClr val="tx2"/>
+                </a:solidFill>
+              </a:defRPr>
+            </a:lvl2pPr>
+            <a:lvl3pPr eaLnBrk="1" hangingPunct="1">
+              <a:defRPr>
+                <a:solidFill>
+                  <a:schemeClr val="tx2"/>
+                </a:solidFill>
+              </a:defRPr>
+            </a:lvl3pPr>
+            <a:lvl4pPr eaLnBrk="1" hangingPunct="1">
+              <a:defRPr>
+                <a:solidFill>
+                  <a:schemeClr val="tx2"/>
+                </a:solidFill>
+              </a:defRPr>
+            </a:lvl4pPr>
+            <a:lvl5pPr eaLnBrk="1" hangingPunct="1">
+              <a:defRPr>
+                <a:solidFill>
+                  <a:schemeClr val="tx2"/>
+                </a:solidFill>
+              </a:defRPr>
+            </a:lvl5pPr>
+            <a:lvl6pPr eaLnBrk="1" hangingPunct="1">
+              <a:defRPr>
+                <a:solidFill>
+                  <a:schemeClr val="tx2"/>
+                </a:solidFill>
+              </a:defRPr>
+            </a:lvl6pPr>
+            <a:lvl7pPr eaLnBrk="1" hangingPunct="1">
+              <a:defRPr>
+                <a:solidFill>
+                  <a:schemeClr val="tx2"/>
+                </a:solidFill>
+              </a:defRPr>
+            </a:lvl7pPr>
+            <a:lvl8pPr eaLnBrk="1" hangingPunct="1">
+              <a:defRPr>
+                <a:solidFill>
+                  <a:schemeClr val="tx2"/>
+                </a:solidFill>
+              </a:defRPr>
+            </a:lvl8pPr>
+            <a:lvl9pPr eaLnBrk="1" hangingPunct="1">
+              <a:defRPr>
+                <a:solidFill>
+                  <a:schemeClr val="tx2"/>
+                </a:solidFill>
+              </a:defRPr>
+            </a:lvl9pPr>
+          </a:lstStyle>
+          <a:p>
+            <a:pPr algn="ctr"/>
+            <a:r>
+              <a:rPr lang="en-US" sz="7200" b="1" dirty="0">
+                <a:solidFill>
+                  <a:schemeClr val="accent2">
+                    <a:lumMod val="60000"/>
+                    <a:lumOff val="40000"/>
+                  </a:schemeClr>
+                </a:solidFill>
+              </a:rPr>
+              <a:t>Data Analysis </a:t>
+            </a:r>
+          </a:p>
+        </p:txBody>
+      </p:sp>
+    </p:spTree>
+    <p:extLst>
+      <p:ext uri="{BB962C8B-B14F-4D97-AF65-F5344CB8AC3E}">
+        <p14:creationId xmlns:p14="http://schemas.microsoft.com/office/powerpoint/2010/main" val="397299718"/>
       </p:ext>
     </p:extLst>
   </p:cSld>
